--- a/weathercheckingrpi/doc/Presentations/projet_meteo_JL_KG_24042019v3.pptx
+++ b/weathercheckingrpi/doc/Presentations/projet_meteo_JL_KG_24042019v3.pptx
@@ -27,6 +27,7 @@
     <p:sldId id="273" r:id="rId22"/>
     <p:sldId id="274" r:id="rId23"/>
     <p:sldId id="275" r:id="rId24"/>
+    <p:sldId id="276" r:id="rId25"/>
   </p:sldIdLst>
   <p:sldSz cx="12192000" cy="6858000"/>
   <p:notesSz cx="7559675" cy="10691812"/>
@@ -4157,265 +4158,13 @@
               <a:rPr b="0" lang="fr-FR" sz="4400" spc="-1" strike="noStrike">
                 <a:latin typeface="Arial"/>
               </a:rPr>
-              <a:t>C</a:t>
+              <a:t>Cliquez pour éditer le format du texte-</a:t>
             </a:r>
             <a:r>
               <a:rPr b="0" lang="fr-FR" sz="4400" spc="-1" strike="noStrike">
                 <a:latin typeface="Arial"/>
               </a:rPr>
-              <a:t>l</a:t>
-            </a:r>
-            <a:r>
-              <a:rPr b="0" lang="fr-FR" sz="4400" spc="-1" strike="noStrike">
-                <a:latin typeface="Arial"/>
-              </a:rPr>
-              <a:t>i</a:t>
-            </a:r>
-            <a:r>
-              <a:rPr b="0" lang="fr-FR" sz="4400" spc="-1" strike="noStrike">
-                <a:latin typeface="Arial"/>
-              </a:rPr>
-              <a:t>q</a:t>
-            </a:r>
-            <a:r>
-              <a:rPr b="0" lang="fr-FR" sz="4400" spc="-1" strike="noStrike">
-                <a:latin typeface="Arial"/>
-              </a:rPr>
-              <a:t>u</a:t>
-            </a:r>
-            <a:r>
-              <a:rPr b="0" lang="fr-FR" sz="4400" spc="-1" strike="noStrike">
-                <a:latin typeface="Arial"/>
-              </a:rPr>
-              <a:t>e</a:t>
-            </a:r>
-            <a:r>
-              <a:rPr b="0" lang="fr-FR" sz="4400" spc="-1" strike="noStrike">
-                <a:latin typeface="Arial"/>
-              </a:rPr>
-              <a:t>z</a:t>
-            </a:r>
-            <a:r>
-              <a:rPr b="0" lang="fr-FR" sz="4400" spc="-1" strike="noStrike">
-                <a:latin typeface="Arial"/>
-              </a:rPr>
-              <a:t> </a:t>
-            </a:r>
-            <a:r>
-              <a:rPr b="0" lang="fr-FR" sz="4400" spc="-1" strike="noStrike">
-                <a:latin typeface="Arial"/>
-              </a:rPr>
-              <a:t>p</a:t>
-            </a:r>
-            <a:r>
-              <a:rPr b="0" lang="fr-FR" sz="4400" spc="-1" strike="noStrike">
-                <a:latin typeface="Arial"/>
-              </a:rPr>
-              <a:t>o</a:t>
-            </a:r>
-            <a:r>
-              <a:rPr b="0" lang="fr-FR" sz="4400" spc="-1" strike="noStrike">
-                <a:latin typeface="Arial"/>
-              </a:rPr>
-              <a:t>u</a:t>
-            </a:r>
-            <a:r>
-              <a:rPr b="0" lang="fr-FR" sz="4400" spc="-1" strike="noStrike">
-                <a:latin typeface="Arial"/>
-              </a:rPr>
-              <a:t>r</a:t>
-            </a:r>
-            <a:r>
-              <a:rPr b="0" lang="fr-FR" sz="4400" spc="-1" strike="noStrike">
-                <a:latin typeface="Arial"/>
-              </a:rPr>
-              <a:t> </a:t>
-            </a:r>
-            <a:r>
-              <a:rPr b="0" lang="fr-FR" sz="4400" spc="-1" strike="noStrike">
-                <a:latin typeface="Arial"/>
-              </a:rPr>
-              <a:t>é</a:t>
-            </a:r>
-            <a:r>
-              <a:rPr b="0" lang="fr-FR" sz="4400" spc="-1" strike="noStrike">
-                <a:latin typeface="Arial"/>
-              </a:rPr>
-              <a:t>d</a:t>
-            </a:r>
-            <a:r>
-              <a:rPr b="0" lang="fr-FR" sz="4400" spc="-1" strike="noStrike">
-                <a:latin typeface="Arial"/>
-              </a:rPr>
-              <a:t>i</a:t>
-            </a:r>
-            <a:r>
-              <a:rPr b="0" lang="fr-FR" sz="4400" spc="-1" strike="noStrike">
-                <a:latin typeface="Arial"/>
-              </a:rPr>
-              <a:t>t</a:t>
-            </a:r>
-            <a:r>
-              <a:rPr b="0" lang="fr-FR" sz="4400" spc="-1" strike="noStrike">
-                <a:latin typeface="Arial"/>
-              </a:rPr>
-              <a:t>e</a:t>
-            </a:r>
-            <a:r>
-              <a:rPr b="0" lang="fr-FR" sz="4400" spc="-1" strike="noStrike">
-                <a:latin typeface="Arial"/>
-              </a:rPr>
-              <a:t>r</a:t>
-            </a:r>
-            <a:r>
-              <a:rPr b="0" lang="fr-FR" sz="4400" spc="-1" strike="noStrike">
-                <a:latin typeface="Arial"/>
-              </a:rPr>
-              <a:t> </a:t>
-            </a:r>
-            <a:r>
-              <a:rPr b="0" lang="fr-FR" sz="4400" spc="-1" strike="noStrike">
-                <a:latin typeface="Arial"/>
-              </a:rPr>
-              <a:t>l</a:t>
-            </a:r>
-            <a:r>
-              <a:rPr b="0" lang="fr-FR" sz="4400" spc="-1" strike="noStrike">
-                <a:latin typeface="Arial"/>
-              </a:rPr>
-              <a:t>e</a:t>
-            </a:r>
-            <a:r>
-              <a:rPr b="0" lang="fr-FR" sz="4400" spc="-1" strike="noStrike">
-                <a:latin typeface="Arial"/>
-              </a:rPr>
-              <a:t> </a:t>
-            </a:r>
-            <a:r>
-              <a:rPr b="0" lang="fr-FR" sz="4400" spc="-1" strike="noStrike">
-                <a:latin typeface="Arial"/>
-              </a:rPr>
-              <a:t>f</a:t>
-            </a:r>
-            <a:r>
-              <a:rPr b="0" lang="fr-FR" sz="4400" spc="-1" strike="noStrike">
-                <a:latin typeface="Arial"/>
-              </a:rPr>
-              <a:t>o</a:t>
-            </a:r>
-            <a:r>
-              <a:rPr b="0" lang="fr-FR" sz="4400" spc="-1" strike="noStrike">
-                <a:latin typeface="Arial"/>
-              </a:rPr>
-              <a:t>r</a:t>
-            </a:r>
-            <a:r>
-              <a:rPr b="0" lang="fr-FR" sz="4400" spc="-1" strike="noStrike">
-                <a:latin typeface="Arial"/>
-              </a:rPr>
-              <a:t>m</a:t>
-            </a:r>
-            <a:r>
-              <a:rPr b="0" lang="fr-FR" sz="4400" spc="-1" strike="noStrike">
-                <a:latin typeface="Arial"/>
-              </a:rPr>
-              <a:t>a</a:t>
-            </a:r>
-            <a:r>
-              <a:rPr b="0" lang="fr-FR" sz="4400" spc="-1" strike="noStrike">
-                <a:latin typeface="Arial"/>
-              </a:rPr>
-              <a:t>t</a:t>
-            </a:r>
-            <a:r>
-              <a:rPr b="0" lang="fr-FR" sz="4400" spc="-1" strike="noStrike">
-                <a:latin typeface="Arial"/>
-              </a:rPr>
-              <a:t> </a:t>
-            </a:r>
-            <a:r>
-              <a:rPr b="0" lang="fr-FR" sz="4400" spc="-1" strike="noStrike">
-                <a:latin typeface="Arial"/>
-              </a:rPr>
-              <a:t>d</a:t>
-            </a:r>
-            <a:r>
-              <a:rPr b="0" lang="fr-FR" sz="4400" spc="-1" strike="noStrike">
-                <a:latin typeface="Arial"/>
-              </a:rPr>
-              <a:t>u</a:t>
-            </a:r>
-            <a:r>
-              <a:rPr b="0" lang="fr-FR" sz="4400" spc="-1" strike="noStrike">
-                <a:latin typeface="Arial"/>
-              </a:rPr>
-              <a:t> </a:t>
-            </a:r>
-            <a:r>
-              <a:rPr b="0" lang="fr-FR" sz="4400" spc="-1" strike="noStrike">
-                <a:latin typeface="Arial"/>
-              </a:rPr>
-              <a:t>t</a:t>
-            </a:r>
-            <a:r>
-              <a:rPr b="0" lang="fr-FR" sz="4400" spc="-1" strike="noStrike">
-                <a:latin typeface="Arial"/>
-              </a:rPr>
-              <a:t>e</a:t>
-            </a:r>
-            <a:r>
-              <a:rPr b="0" lang="fr-FR" sz="4400" spc="-1" strike="noStrike">
-                <a:latin typeface="Arial"/>
-              </a:rPr>
-              <a:t>x</a:t>
-            </a:r>
-            <a:r>
-              <a:rPr b="0" lang="fr-FR" sz="4400" spc="-1" strike="noStrike">
-                <a:latin typeface="Arial"/>
-              </a:rPr>
-              <a:t>t</a:t>
-            </a:r>
-            <a:r>
-              <a:rPr b="0" lang="fr-FR" sz="4400" spc="-1" strike="noStrike">
-                <a:latin typeface="Arial"/>
-              </a:rPr>
-              <a:t>e</a:t>
-            </a:r>
-            <a:r>
-              <a:rPr b="0" lang="fr-FR" sz="4400" spc="-1" strike="noStrike">
-                <a:latin typeface="Arial"/>
-              </a:rPr>
-              <a:t>-</a:t>
-            </a:r>
-            <a:r>
-              <a:rPr b="0" lang="fr-FR" sz="4400" spc="-1" strike="noStrike">
-                <a:latin typeface="Arial"/>
-              </a:rPr>
-              <a:t>t</a:t>
-            </a:r>
-            <a:r>
-              <a:rPr b="0" lang="fr-FR" sz="4400" spc="-1" strike="noStrike">
-                <a:latin typeface="Arial"/>
-              </a:rPr>
-              <a:t>i</a:t>
-            </a:r>
-            <a:r>
-              <a:rPr b="0" lang="fr-FR" sz="4400" spc="-1" strike="noStrike">
-                <a:latin typeface="Arial"/>
-              </a:rPr>
-              <a:t>t</a:t>
-            </a:r>
-            <a:r>
-              <a:rPr b="0" lang="fr-FR" sz="4400" spc="-1" strike="noStrike">
-                <a:latin typeface="Arial"/>
-              </a:rPr>
-              <a:t>r</a:t>
-            </a:r>
-            <a:r>
-              <a:rPr b="0" lang="fr-FR" sz="4400" spc="-1" strike="noStrike">
-                <a:latin typeface="Arial"/>
-              </a:rPr>
-              <a:t>e</a:t>
+              <a:t>titre</a:t>
             </a:r>
             <a:endParaRPr b="0" lang="fr-FR" sz="4400" spc="-1" strike="noStrike">
               <a:latin typeface="Arial"/>
@@ -4675,7 +4424,31 @@
               <a:rPr b="0" lang="fr-FR" sz="4400" spc="-1" strike="noStrike">
                 <a:latin typeface="Arial"/>
               </a:rPr>
-              <a:t>Cliquez pour éditer le format du texte-titre</a:t>
+              <a:t>Cliquez </a:t>
+            </a:r>
+            <a:r>
+              <a:rPr b="0" lang="fr-FR" sz="4400" spc="-1" strike="noStrike">
+                <a:latin typeface="Arial"/>
+              </a:rPr>
+              <a:t>pour </a:t>
+            </a:r>
+            <a:r>
+              <a:rPr b="0" lang="fr-FR" sz="4400" spc="-1" strike="noStrike">
+                <a:latin typeface="Arial"/>
+              </a:rPr>
+              <a:t>éditer le </a:t>
+            </a:r>
+            <a:r>
+              <a:rPr b="0" lang="fr-FR" sz="4400" spc="-1" strike="noStrike">
+                <a:latin typeface="Arial"/>
+              </a:rPr>
+              <a:t>format du </a:t>
+            </a:r>
+            <a:r>
+              <a:rPr b="0" lang="fr-FR" sz="4400" spc="-1" strike="noStrike">
+                <a:latin typeface="Arial"/>
+              </a:rPr>
+              <a:t>texte-titre</a:t>
             </a:r>
             <a:endParaRPr b="0" lang="fr-FR" sz="4400" spc="-1" strike="noStrike">
               <a:latin typeface="Arial"/>
@@ -5426,7 +5199,7 @@
       </p:grpSpPr>
       <p:sp>
         <p:nvSpPr>
-          <p:cNvPr id="181" name="CustomShape 1"/>
+          <p:cNvPr id="170" name="CustomShape 1"/>
           <p:cNvSpPr/>
           <p:nvPr/>
         </p:nvSpPr>
@@ -5467,7 +5240,37 @@
                 <a:latin typeface="Calibri Light"/>
                 <a:ea typeface="DejaVu Sans"/>
               </a:rPr>
-              <a:t>Exécution</a:t>
+              <a:t>historisation </a:t>
+            </a:r>
+            <a:r>
+              <a:rPr b="0" lang="fr-FR" sz="4400" spc="-1" strike="noStrike">
+                <a:solidFill>
+                  <a:srgbClr val="000000"/>
+                </a:solidFill>
+                <a:latin typeface="Calibri Light"/>
+                <a:ea typeface="DejaVu Sans"/>
+              </a:rPr>
+              <a:t>des </a:t>
+            </a:r>
+            <a:r>
+              <a:rPr b="0" lang="fr-FR" sz="4400" spc="-1" strike="noStrike">
+                <a:solidFill>
+                  <a:srgbClr val="000000"/>
+                </a:solidFill>
+                <a:latin typeface="Calibri Light"/>
+                <a:ea typeface="DejaVu Sans"/>
+              </a:rPr>
+              <a:t>métriques </a:t>
+            </a:r>
+            <a:r>
+              <a:rPr b="0" lang="fr-FR" sz="4400" spc="-1" strike="noStrike">
+                <a:solidFill>
+                  <a:srgbClr val="000000"/>
+                </a:solidFill>
+                <a:latin typeface="Calibri Light"/>
+                <a:ea typeface="DejaVu Sans"/>
+              </a:rPr>
+              <a:t>météo</a:t>
             </a:r>
             <a:endParaRPr b="0" lang="fr-FR" sz="4400" spc="-1" strike="noStrike">
               <a:latin typeface="Arial"/>
@@ -5477,7 +5280,7 @@
       </p:sp>
       <p:sp>
         <p:nvSpPr>
-          <p:cNvPr id="182" name="CustomShape 2"/>
+          <p:cNvPr id="171" name="CustomShape 2"/>
           <p:cNvSpPr/>
           <p:nvPr/>
         </p:nvSpPr>
@@ -5510,7 +5313,7 @@
                 <a:spcPct val="100000"/>
               </a:lnSpc>
             </a:pPr>
-            <a:fld id="{BF1F99EB-3CF8-4CD4-981A-8EB2CD58490E}" type="slidenum">
+            <a:fld id="{78640848-3374-432F-90DF-84C1DDB4F1FA}" type="slidenum">
               <a:rPr b="0" lang="fr-FR" sz="1200" spc="-1" strike="noStrike">
                 <a:solidFill>
                   <a:srgbClr val="8b8b8b"/>
@@ -5528,7 +5331,7 @@
       </p:sp>
       <p:pic>
         <p:nvPicPr>
-          <p:cNvPr id="183" name="" descr=""/>
+          <p:cNvPr id="172" name="Image 4" descr=""/>
           <p:cNvPicPr/>
           <p:nvPr/>
         </p:nvPicPr>
@@ -5538,8 +5341,8 @@
         </p:blipFill>
         <p:spPr>
           <a:xfrm>
-            <a:off x="4127760" y="1286280"/>
-            <a:ext cx="3128760" cy="4977720"/>
+            <a:off x="5667120" y="1850040"/>
+            <a:ext cx="3246480" cy="2332080"/>
           </a:xfrm>
           <a:prstGeom prst="rect">
             <a:avLst/>
@@ -5608,14 +5411,14 @@
       </p:grpSpPr>
       <p:sp>
         <p:nvSpPr>
-          <p:cNvPr id="184" name="CustomShape 1"/>
+          <p:cNvPr id="173" name="CustomShape 1"/>
           <p:cNvSpPr/>
           <p:nvPr/>
         </p:nvSpPr>
         <p:spPr>
           <a:xfrm>
-            <a:off x="837720" y="263520"/>
-            <a:ext cx="10514160" cy="1324080"/>
+            <a:off x="1880640" y="357120"/>
+            <a:ext cx="8228160" cy="630360"/>
           </a:xfrm>
           <a:prstGeom prst="rect">
             <a:avLst/>
@@ -5633,7 +5436,7 @@
         </p:style>
         <p:txBody>
           <a:bodyPr lIns="90000" rIns="90000" tIns="45000" bIns="45000" anchor="ctr">
-            <a:noAutofit/>
+            <a:normAutofit/>
           </a:bodyPr>
           <a:p>
             <a:pPr>
@@ -5642,67 +5445,16 @@
               </a:lnSpc>
             </a:pPr>
             <a:r>
-              <a:rPr b="0" lang="fr-FR" sz="4400" spc="-1" strike="noStrike">
+              <a:rPr b="0" lang="fr-FR" sz="4000" spc="-1" strike="noStrike">
                 <a:solidFill>
                   <a:srgbClr val="000000"/>
                 </a:solidFill>
                 <a:latin typeface="Calibri Light"/>
                 <a:ea typeface="DejaVu Sans"/>
               </a:rPr>
-              <a:t>Planification de l’historisation des métriques météo</a:t>
-            </a:r>
-            <a:endParaRPr b="0" lang="fr-FR" sz="4400" spc="-1" strike="noStrike">
-              <a:latin typeface="Arial"/>
-            </a:endParaRPr>
-          </a:p>
-        </p:txBody>
-      </p:sp>
-      <p:sp>
-        <p:nvSpPr>
-          <p:cNvPr id="185" name="CustomShape 2"/>
-          <p:cNvSpPr/>
-          <p:nvPr/>
-        </p:nvSpPr>
-        <p:spPr>
-          <a:xfrm>
-            <a:off x="8610120" y="6356520"/>
-            <a:ext cx="2741760" cy="363600"/>
-          </a:xfrm>
-          <a:prstGeom prst="rect">
-            <a:avLst/>
-          </a:prstGeom>
-          <a:noFill/>
-          <a:ln>
-            <a:noFill/>
-          </a:ln>
-        </p:spPr>
-        <p:style>
-          <a:lnRef idx="0"/>
-          <a:fillRef idx="0"/>
-          <a:effectRef idx="0"/>
-          <a:fontRef idx="minor"/>
-        </p:style>
-        <p:txBody>
-          <a:bodyPr lIns="90000" rIns="90000" tIns="45000" bIns="45000" anchor="ctr">
-            <a:noAutofit/>
-          </a:bodyPr>
-          <a:p>
-            <a:pPr algn="r">
-              <a:lnSpc>
-                <a:spcPct val="100000"/>
-              </a:lnSpc>
-            </a:pPr>
-            <a:fld id="{C8D0629C-4DAC-43D9-931A-ACAFA1FBDEDC}" type="slidenum">
-              <a:rPr b="0" lang="fr-FR" sz="1200" spc="-1" strike="noStrike">
-                <a:solidFill>
-                  <a:srgbClr val="8b8b8b"/>
-                </a:solidFill>
-                <a:latin typeface="Calibri"/>
-                <a:ea typeface="DejaVu Sans"/>
-              </a:rPr>
-              <a:t>&lt;numéro&gt;</a:t>
-            </a:fld>
-            <a:endParaRPr b="0" lang="fr-FR" sz="1200" spc="-1" strike="noStrike">
+              <a:t>Negretti &amp; Zambra</a:t>
+            </a:r>
+            <a:endParaRPr b="0" lang="fr-FR" sz="4000" spc="-1" strike="noStrike">
               <a:latin typeface="Arial"/>
             </a:endParaRPr>
           </a:p>
@@ -5710,7 +5462,7 @@
       </p:sp>
       <p:pic>
         <p:nvPicPr>
-          <p:cNvPr id="186" name="Image 4" descr=""/>
+          <p:cNvPr id="174" name="Image 7" descr=""/>
           <p:cNvPicPr/>
           <p:nvPr/>
         </p:nvPicPr>
@@ -5720,8 +5472,8 @@
         </p:blipFill>
         <p:spPr>
           <a:xfrm>
-            <a:off x="5667120" y="1850040"/>
-            <a:ext cx="3246480" cy="2332080"/>
+            <a:off x="2595240" y="1428840"/>
+            <a:ext cx="3125520" cy="4784760"/>
           </a:xfrm>
           <a:prstGeom prst="rect">
             <a:avLst/>
@@ -5731,6 +5483,422 @@
           </a:ln>
         </p:spPr>
       </p:pic>
+      <p:sp>
+        <p:nvSpPr>
+          <p:cNvPr id="175" name="CustomShape 2"/>
+          <p:cNvSpPr/>
+          <p:nvPr/>
+        </p:nvSpPr>
+        <p:spPr>
+          <a:xfrm>
+            <a:off x="6238440" y="1225800"/>
+            <a:ext cx="3570480" cy="5301720"/>
+          </a:xfrm>
+          <a:prstGeom prst="rect">
+            <a:avLst/>
+          </a:prstGeom>
+          <a:noFill/>
+          <a:ln>
+            <a:noFill/>
+          </a:ln>
+        </p:spPr>
+        <p:style>
+          <a:lnRef idx="0"/>
+          <a:fillRef idx="0"/>
+          <a:effectRef idx="0"/>
+          <a:fontRef idx="minor"/>
+        </p:style>
+        <p:txBody>
+          <a:bodyPr lIns="90000" rIns="90000" tIns="45000" bIns="45000">
+            <a:spAutoFit/>
+          </a:bodyPr>
+          <a:p>
+            <a:pPr>
+              <a:lnSpc>
+                <a:spcPct val="100000"/>
+              </a:lnSpc>
+            </a:pPr>
+            <a:r>
+              <a:rPr b="0" lang="fr-FR" sz="1800" spc="-1" strike="noStrike">
+                <a:solidFill>
+                  <a:srgbClr val="000000"/>
+                </a:solidFill>
+                <a:latin typeface="Calibri"/>
+                <a:ea typeface="DejaVu Sans"/>
+              </a:rPr>
+              <a:t>Negretti et Zambra: Londres</a:t>
+            </a:r>
+            <a:endParaRPr b="0" lang="fr-FR" sz="1800" spc="-1" strike="noStrike">
+              <a:latin typeface="Arial"/>
+            </a:endParaRPr>
+          </a:p>
+          <a:p>
+            <a:pPr>
+              <a:lnSpc>
+                <a:spcPct val="100000"/>
+              </a:lnSpc>
+            </a:pPr>
+            <a:endParaRPr b="0" lang="fr-FR" sz="1800" spc="-1" strike="noStrike">
+              <a:latin typeface="Arial"/>
+            </a:endParaRPr>
+          </a:p>
+          <a:p>
+            <a:pPr>
+              <a:lnSpc>
+                <a:spcPct val="100000"/>
+              </a:lnSpc>
+            </a:pPr>
+            <a:r>
+              <a:rPr b="0" lang="fr-FR" sz="1800" spc="-1" strike="noStrike">
+                <a:solidFill>
+                  <a:srgbClr val="000000"/>
+                </a:solidFill>
+                <a:latin typeface="Calibri"/>
+                <a:ea typeface="DejaVu Sans"/>
+              </a:rPr>
+              <a:t>Fondateurs:</a:t>
+            </a:r>
+            <a:endParaRPr b="0" lang="fr-FR" sz="1800" spc="-1" strike="noStrike">
+              <a:latin typeface="Arial"/>
+            </a:endParaRPr>
+          </a:p>
+          <a:p>
+            <a:pPr>
+              <a:lnSpc>
+                <a:spcPct val="100000"/>
+              </a:lnSpc>
+            </a:pPr>
+            <a:r>
+              <a:rPr b="0" lang="fr-FR" sz="1800" spc="-1" strike="noStrike">
+                <a:solidFill>
+                  <a:srgbClr val="000000"/>
+                </a:solidFill>
+                <a:latin typeface="Calibri"/>
+                <a:ea typeface="DejaVu Sans"/>
+              </a:rPr>
+              <a:t>Henry Negretti (1818–1879)</a:t>
+            </a:r>
+            <a:endParaRPr b="0" lang="fr-FR" sz="1800" spc="-1" strike="noStrike">
+              <a:latin typeface="Arial"/>
+            </a:endParaRPr>
+          </a:p>
+          <a:p>
+            <a:pPr>
+              <a:lnSpc>
+                <a:spcPct val="100000"/>
+              </a:lnSpc>
+            </a:pPr>
+            <a:r>
+              <a:rPr b="0" lang="fr-FR" sz="1800" spc="-1" strike="noStrike">
+                <a:solidFill>
+                  <a:srgbClr val="000000"/>
+                </a:solidFill>
+                <a:latin typeface="Calibri"/>
+                <a:ea typeface="DejaVu Sans"/>
+              </a:rPr>
+              <a:t>Joseph Zambra (1822–1897)</a:t>
+            </a:r>
+            <a:endParaRPr b="0" lang="fr-FR" sz="1800" spc="-1" strike="noStrike">
+              <a:latin typeface="Arial"/>
+            </a:endParaRPr>
+          </a:p>
+          <a:p>
+            <a:pPr>
+              <a:lnSpc>
+                <a:spcPct val="100000"/>
+              </a:lnSpc>
+            </a:pPr>
+            <a:endParaRPr b="0" lang="fr-FR" sz="1800" spc="-1" strike="noStrike">
+              <a:latin typeface="Arial"/>
+            </a:endParaRPr>
+          </a:p>
+          <a:p>
+            <a:pPr marL="216000" indent="-214920">
+              <a:lnSpc>
+                <a:spcPct val="100000"/>
+              </a:lnSpc>
+              <a:buClr>
+                <a:srgbClr val="000000"/>
+              </a:buClr>
+              <a:buFont typeface="Arial"/>
+              <a:buChar char="•"/>
+            </a:pPr>
+            <a:r>
+              <a:rPr b="0" i="1" lang="fr-FR" sz="1800" spc="-1" strike="noStrike">
+                <a:solidFill>
+                  <a:srgbClr val="000000"/>
+                </a:solidFill>
+                <a:latin typeface="Calibri"/>
+                <a:ea typeface="DejaVu Sans"/>
+              </a:rPr>
+              <a:t> </a:t>
+            </a:r>
+            <a:r>
+              <a:rPr b="0" i="1" lang="fr-FR" sz="1800" spc="-1" strike="noStrike">
+                <a:solidFill>
+                  <a:srgbClr val="000000"/>
+                </a:solidFill>
+                <a:latin typeface="Calibri"/>
+                <a:ea typeface="DejaVu Sans"/>
+              </a:rPr>
+              <a:t>A Treatise on Meteorological Instruments</a:t>
+            </a:r>
+            <a:r>
+              <a:rPr b="0" lang="fr-FR" sz="1800" spc="-1" strike="noStrike">
+                <a:solidFill>
+                  <a:srgbClr val="000000"/>
+                </a:solidFill>
+                <a:latin typeface="Calibri"/>
+                <a:ea typeface="DejaVu Sans"/>
+              </a:rPr>
+              <a:t> </a:t>
+            </a:r>
+            <a:endParaRPr b="0" lang="fr-FR" sz="1800" spc="-1" strike="noStrike">
+              <a:latin typeface="Arial"/>
+            </a:endParaRPr>
+          </a:p>
+          <a:p>
+            <a:pPr>
+              <a:lnSpc>
+                <a:spcPct val="100000"/>
+              </a:lnSpc>
+            </a:pPr>
+            <a:endParaRPr b="0" lang="fr-FR" sz="1800" spc="-1" strike="noStrike">
+              <a:latin typeface="Arial"/>
+            </a:endParaRPr>
+          </a:p>
+          <a:p>
+            <a:pPr marL="216000" indent="-214920">
+              <a:lnSpc>
+                <a:spcPct val="100000"/>
+              </a:lnSpc>
+              <a:buClr>
+                <a:srgbClr val="000000"/>
+              </a:buClr>
+              <a:buFont typeface="Arial"/>
+              <a:buChar char="•"/>
+            </a:pPr>
+            <a:r>
+              <a:rPr b="0" lang="fr-FR" sz="1800" spc="-1" strike="noStrike">
+                <a:solidFill>
+                  <a:srgbClr val="000000"/>
+                </a:solidFill>
+                <a:latin typeface="Calibri"/>
+                <a:ea typeface="DejaVu Sans"/>
+              </a:rPr>
+              <a:t> </a:t>
+            </a:r>
+            <a:r>
+              <a:rPr b="0" lang="fr-FR" sz="1800" spc="-1" strike="noStrike">
+                <a:solidFill>
+                  <a:srgbClr val="000000"/>
+                </a:solidFill>
+                <a:latin typeface="Calibri"/>
+                <a:ea typeface="DejaVu Sans"/>
+              </a:rPr>
+              <a:t>Optiques</a:t>
+            </a:r>
+            <a:endParaRPr b="0" lang="fr-FR" sz="1800" spc="-1" strike="noStrike">
+              <a:latin typeface="Arial"/>
+            </a:endParaRPr>
+          </a:p>
+          <a:p>
+            <a:pPr marL="216000" indent="-214920">
+              <a:lnSpc>
+                <a:spcPct val="100000"/>
+              </a:lnSpc>
+              <a:buClr>
+                <a:srgbClr val="000000"/>
+              </a:buClr>
+              <a:buFont typeface="Arial"/>
+              <a:buChar char="•"/>
+            </a:pPr>
+            <a:r>
+              <a:rPr b="0" lang="fr-FR" sz="1800" spc="-1" strike="noStrike">
+                <a:solidFill>
+                  <a:srgbClr val="000000"/>
+                </a:solidFill>
+                <a:latin typeface="Calibri"/>
+                <a:ea typeface="DejaVu Sans"/>
+              </a:rPr>
+              <a:t> </a:t>
+            </a:r>
+            <a:r>
+              <a:rPr b="0" lang="fr-FR" sz="1800" spc="-1" strike="noStrike">
+                <a:solidFill>
+                  <a:srgbClr val="000000"/>
+                </a:solidFill>
+                <a:latin typeface="Calibri"/>
+                <a:ea typeface="DejaVu Sans"/>
+              </a:rPr>
+              <a:t>Thermomètres</a:t>
+            </a:r>
+            <a:endParaRPr b="0" lang="fr-FR" sz="1800" spc="-1" strike="noStrike">
+              <a:latin typeface="Arial"/>
+            </a:endParaRPr>
+          </a:p>
+          <a:p>
+            <a:pPr marL="216000" indent="-214920">
+              <a:lnSpc>
+                <a:spcPct val="100000"/>
+              </a:lnSpc>
+              <a:buClr>
+                <a:srgbClr val="000000"/>
+              </a:buClr>
+              <a:buFont typeface="Arial"/>
+              <a:buChar char="•"/>
+            </a:pPr>
+            <a:r>
+              <a:rPr b="0" lang="fr-FR" sz="1800" spc="-1" strike="noStrike">
+                <a:solidFill>
+                  <a:srgbClr val="000000"/>
+                </a:solidFill>
+                <a:latin typeface="Calibri"/>
+                <a:ea typeface="DejaVu Sans"/>
+              </a:rPr>
+              <a:t> </a:t>
+            </a:r>
+            <a:r>
+              <a:rPr b="0" lang="fr-FR" sz="1800" spc="-1" strike="noStrike">
+                <a:solidFill>
+                  <a:srgbClr val="000000"/>
+                </a:solidFill>
+                <a:latin typeface="Calibri"/>
+                <a:ea typeface="DejaVu Sans"/>
+              </a:rPr>
+              <a:t>Lunettes astronomiques</a:t>
+            </a:r>
+            <a:endParaRPr b="0" lang="fr-FR" sz="1800" spc="-1" strike="noStrike">
+              <a:latin typeface="Arial"/>
+            </a:endParaRPr>
+          </a:p>
+          <a:p>
+            <a:pPr marL="216000" indent="-214920">
+              <a:lnSpc>
+                <a:spcPct val="100000"/>
+              </a:lnSpc>
+              <a:buClr>
+                <a:srgbClr val="000000"/>
+              </a:buClr>
+              <a:buFont typeface="Arial"/>
+              <a:buChar char="•"/>
+            </a:pPr>
+            <a:r>
+              <a:rPr b="0" lang="fr-FR" sz="1800" spc="-1" strike="noStrike">
+                <a:solidFill>
+                  <a:srgbClr val="000000"/>
+                </a:solidFill>
+                <a:latin typeface="Calibri"/>
+                <a:ea typeface="DejaVu Sans"/>
+              </a:rPr>
+              <a:t> </a:t>
+            </a:r>
+            <a:r>
+              <a:rPr b="0" lang="fr-FR" sz="1800" spc="-1" strike="noStrike">
+                <a:solidFill>
+                  <a:srgbClr val="000000"/>
+                </a:solidFill>
+                <a:latin typeface="Calibri"/>
+                <a:ea typeface="DejaVu Sans"/>
+              </a:rPr>
+              <a:t>Photo</a:t>
+            </a:r>
+            <a:endParaRPr b="0" lang="fr-FR" sz="1800" spc="-1" strike="noStrike">
+              <a:latin typeface="Arial"/>
+            </a:endParaRPr>
+          </a:p>
+          <a:p>
+            <a:pPr>
+              <a:lnSpc>
+                <a:spcPct val="100000"/>
+              </a:lnSpc>
+            </a:pPr>
+            <a:endParaRPr b="0" lang="fr-FR" sz="1800" spc="-1" strike="noStrike">
+              <a:latin typeface="Arial"/>
+            </a:endParaRPr>
+          </a:p>
+          <a:p>
+            <a:pPr marL="216000" indent="-214920">
+              <a:lnSpc>
+                <a:spcPct val="100000"/>
+              </a:lnSpc>
+              <a:buClr>
+                <a:srgbClr val="000000"/>
+              </a:buClr>
+              <a:buFont typeface="Arial"/>
+              <a:buChar char="•"/>
+            </a:pPr>
+            <a:r>
+              <a:rPr b="0" lang="fr-FR" sz="1800" spc="-1" strike="noStrike">
+                <a:solidFill>
+                  <a:srgbClr val="000000"/>
+                </a:solidFill>
+                <a:latin typeface="Calibri"/>
+                <a:ea typeface="DejaVu Sans"/>
+              </a:rPr>
+              <a:t> </a:t>
+            </a:r>
+            <a:r>
+              <a:rPr b="0" lang="fr-FR" sz="1800" spc="-1" strike="noStrike">
+                <a:solidFill>
+                  <a:srgbClr val="000000"/>
+                </a:solidFill>
+                <a:latin typeface="Calibri"/>
+                <a:ea typeface="DejaVu Sans"/>
+              </a:rPr>
+              <a:t>Expéditions (Egypte, Chine, Japon)</a:t>
+            </a:r>
+            <a:endParaRPr b="0" lang="fr-FR" sz="1800" spc="-1" strike="noStrike">
+              <a:latin typeface="Arial"/>
+            </a:endParaRPr>
+          </a:p>
+          <a:p>
+            <a:pPr marL="216000" indent="-214920">
+              <a:lnSpc>
+                <a:spcPct val="100000"/>
+              </a:lnSpc>
+              <a:buClr>
+                <a:srgbClr val="000000"/>
+              </a:buClr>
+              <a:buFont typeface="Arial"/>
+              <a:buChar char="•"/>
+            </a:pPr>
+            <a:r>
+              <a:rPr b="0" lang="fr-FR" sz="1800" spc="-1" strike="noStrike">
+                <a:solidFill>
+                  <a:srgbClr val="000000"/>
+                </a:solidFill>
+                <a:latin typeface="Calibri"/>
+                <a:ea typeface="DejaVu Sans"/>
+              </a:rPr>
+              <a:t> </a:t>
+            </a:r>
+            <a:r>
+              <a:rPr b="0" lang="fr-FR" sz="1800" spc="-1" strike="noStrike">
+                <a:solidFill>
+                  <a:srgbClr val="000000"/>
+                </a:solidFill>
+                <a:latin typeface="Calibri"/>
+                <a:ea typeface="DejaVu Sans"/>
+              </a:rPr>
+              <a:t>Queen Victoria, Prince Albert, Edouard VII …</a:t>
+            </a:r>
+            <a:endParaRPr b="0" lang="fr-FR" sz="1800" spc="-1" strike="noStrike">
+              <a:latin typeface="Arial"/>
+            </a:endParaRPr>
+          </a:p>
+          <a:p>
+            <a:pPr>
+              <a:lnSpc>
+                <a:spcPct val="100000"/>
+              </a:lnSpc>
+            </a:pPr>
+            <a:endParaRPr b="0" lang="fr-FR" sz="1800" spc="-1" strike="noStrike">
+              <a:latin typeface="Arial"/>
+            </a:endParaRPr>
+          </a:p>
+        </p:txBody>
+      </p:sp>
     </p:spTree>
   </p:cSld>
   <mc:AlternateContent>
@@ -5788,60 +5956,9 @@
           <a:chExt cx="0" cy="0"/>
         </a:xfrm>
       </p:grpSpPr>
-      <p:sp>
-        <p:nvSpPr>
-          <p:cNvPr id="187" name="CustomShape 1"/>
-          <p:cNvSpPr/>
-          <p:nvPr/>
-        </p:nvSpPr>
-        <p:spPr>
-          <a:xfrm>
-            <a:off x="1880640" y="357120"/>
-            <a:ext cx="8228160" cy="630360"/>
-          </a:xfrm>
-          <a:prstGeom prst="rect">
-            <a:avLst/>
-          </a:prstGeom>
-          <a:noFill/>
-          <a:ln>
-            <a:noFill/>
-          </a:ln>
-        </p:spPr>
-        <p:style>
-          <a:lnRef idx="0"/>
-          <a:fillRef idx="0"/>
-          <a:effectRef idx="0"/>
-          <a:fontRef idx="minor"/>
-        </p:style>
-        <p:txBody>
-          <a:bodyPr lIns="90000" rIns="90000" tIns="45000" bIns="45000" anchor="ctr">
-            <a:normAutofit/>
-          </a:bodyPr>
-          <a:p>
-            <a:pPr>
-              <a:lnSpc>
-                <a:spcPct val="90000"/>
-              </a:lnSpc>
-            </a:pPr>
-            <a:r>
-              <a:rPr b="0" lang="fr-FR" sz="4000" spc="-1" strike="noStrike">
-                <a:solidFill>
-                  <a:srgbClr val="000000"/>
-                </a:solidFill>
-                <a:latin typeface="Calibri Light"/>
-                <a:ea typeface="DejaVu Sans"/>
-              </a:rPr>
-              <a:t>Negretti &amp; Zambra</a:t>
-            </a:r>
-            <a:endParaRPr b="0" lang="fr-FR" sz="4000" spc="-1" strike="noStrike">
-              <a:latin typeface="Arial"/>
-            </a:endParaRPr>
-          </a:p>
-        </p:txBody>
-      </p:sp>
       <p:pic>
         <p:nvPicPr>
-          <p:cNvPr id="188" name="Image 7" descr=""/>
+          <p:cNvPr id="176" name="Image 2" descr=""/>
           <p:cNvPicPr/>
           <p:nvPr/>
         </p:nvPicPr>
@@ -5851,8 +5968,8 @@
         </p:blipFill>
         <p:spPr>
           <a:xfrm>
-            <a:off x="2595240" y="1428840"/>
-            <a:ext cx="3125520" cy="4784760"/>
+            <a:off x="2381040" y="1357200"/>
+            <a:ext cx="3141720" cy="3444840"/>
           </a:xfrm>
           <a:prstGeom prst="rect">
             <a:avLst/>
@@ -5862,16 +5979,39 @@
           </a:ln>
         </p:spPr>
       </p:pic>
-      <p:sp>
-        <p:nvSpPr>
-          <p:cNvPr id="189" name="CustomShape 2"/>
+      <p:pic>
+        <p:nvPicPr>
+          <p:cNvPr id="177" name="Image 3" descr=""/>
+          <p:cNvPicPr/>
+          <p:nvPr/>
+        </p:nvPicPr>
+        <p:blipFill>
+          <a:blip r:embed="rId2"/>
+          <a:stretch/>
+        </p:blipFill>
+        <p:spPr>
+          <a:xfrm>
+            <a:off x="7381440" y="3643200"/>
+            <a:ext cx="2702160" cy="2641680"/>
+          </a:xfrm>
+          <a:prstGeom prst="rect">
+            <a:avLst/>
+          </a:prstGeom>
+          <a:ln>
+            <a:noFill/>
+          </a:ln>
+        </p:spPr>
+      </p:pic>
+      <p:sp>
+        <p:nvSpPr>
+          <p:cNvPr id="178" name="CustomShape 1"/>
           <p:cNvSpPr/>
           <p:nvPr/>
         </p:nvSpPr>
         <p:spPr>
           <a:xfrm>
-            <a:off x="6238440" y="1225800"/>
-            <a:ext cx="3570480" cy="5301720"/>
+            <a:off x="1880640" y="357120"/>
+            <a:ext cx="8228160" cy="630360"/>
           </a:xfrm>
           <a:prstGeom prst="rect">
             <a:avLst/>
@@ -5888,10 +6028,505 @@
           <a:fontRef idx="minor"/>
         </p:style>
         <p:txBody>
+          <a:bodyPr lIns="90000" rIns="90000" tIns="45000" bIns="45000" anchor="ctr">
+            <a:normAutofit/>
+          </a:bodyPr>
+          <a:p>
+            <a:pPr>
+              <a:lnSpc>
+                <a:spcPct val="90000"/>
+              </a:lnSpc>
+            </a:pPr>
+            <a:r>
+              <a:rPr b="0" lang="fr-FR" sz="4000" spc="-1" strike="noStrike">
+                <a:solidFill>
+                  <a:srgbClr val="000000"/>
+                </a:solidFill>
+                <a:latin typeface="Calibri Light"/>
+                <a:ea typeface="DejaVu Sans"/>
+              </a:rPr>
+              <a:t>Algorithme de Zambretti</a:t>
+            </a:r>
+            <a:endParaRPr b="0" lang="fr-FR" sz="4000" spc="-1" strike="noStrike">
+              <a:latin typeface="Arial"/>
+            </a:endParaRPr>
+          </a:p>
+        </p:txBody>
+      </p:sp>
+      <p:sp>
+        <p:nvSpPr>
+          <p:cNvPr id="179" name="CustomShape 2"/>
+          <p:cNvSpPr/>
+          <p:nvPr/>
+        </p:nvSpPr>
+        <p:spPr>
+          <a:xfrm rot="3640800">
+            <a:off x="5607000" y="1128600"/>
+            <a:ext cx="277560" cy="2053080"/>
+          </a:xfrm>
+          <a:prstGeom prst="downArrow">
+            <a:avLst>
+              <a:gd name="adj1" fmla="val 50000"/>
+              <a:gd name="adj2" fmla="val 50000"/>
+            </a:avLst>
+          </a:prstGeom>
+          <a:solidFill>
+            <a:schemeClr val="accent2"/>
+          </a:solidFill>
+          <a:ln>
+            <a:round/>
+          </a:ln>
+        </p:spPr>
+        <p:style>
+          <a:lnRef idx="2">
+            <a:schemeClr val="accent1">
+              <a:shade val="50000"/>
+            </a:schemeClr>
+          </a:lnRef>
+          <a:fillRef idx="1">
+            <a:schemeClr val="accent1"/>
+          </a:fillRef>
+          <a:effectRef idx="0">
+            <a:schemeClr val="accent1"/>
+          </a:effectRef>
+          <a:fontRef idx="minor"/>
+        </p:style>
+      </p:sp>
+      <p:sp>
+        <p:nvSpPr>
+          <p:cNvPr id="180" name="CustomShape 3"/>
+          <p:cNvSpPr/>
+          <p:nvPr/>
+        </p:nvSpPr>
+        <p:spPr>
+          <a:xfrm rot="4933800">
+            <a:off x="5968440" y="1563120"/>
+            <a:ext cx="277560" cy="2604600"/>
+          </a:xfrm>
+          <a:prstGeom prst="downArrow">
+            <a:avLst>
+              <a:gd name="adj1" fmla="val 50000"/>
+              <a:gd name="adj2" fmla="val 50000"/>
+            </a:avLst>
+          </a:prstGeom>
+          <a:solidFill>
+            <a:schemeClr val="accent2"/>
+          </a:solidFill>
+          <a:ln>
+            <a:round/>
+          </a:ln>
+        </p:spPr>
+        <p:style>
+          <a:lnRef idx="2">
+            <a:schemeClr val="accent1">
+              <a:shade val="50000"/>
+            </a:schemeClr>
+          </a:lnRef>
+          <a:fillRef idx="1">
+            <a:schemeClr val="accent1"/>
+          </a:fillRef>
+          <a:effectRef idx="0">
+            <a:schemeClr val="accent1"/>
+          </a:effectRef>
+          <a:fontRef idx="minor"/>
+        </p:style>
+      </p:sp>
+      <p:sp>
+        <p:nvSpPr>
+          <p:cNvPr id="181" name="CustomShape 4"/>
+          <p:cNvSpPr/>
+          <p:nvPr/>
+        </p:nvSpPr>
+        <p:spPr>
+          <a:xfrm>
+            <a:off x="6490800" y="1428840"/>
+            <a:ext cx="2159280" cy="363960"/>
+          </a:xfrm>
+          <a:prstGeom prst="rect">
+            <a:avLst/>
+          </a:prstGeom>
+          <a:noFill/>
+          <a:ln>
+            <a:noFill/>
+          </a:ln>
+        </p:spPr>
+        <p:style>
+          <a:lnRef idx="0"/>
+          <a:fillRef idx="0"/>
+          <a:effectRef idx="0"/>
+          <a:fontRef idx="minor"/>
+        </p:style>
+        <p:txBody>
+          <a:bodyPr wrap="none" lIns="90000" rIns="90000" tIns="45000" bIns="45000">
+            <a:spAutoFit/>
+          </a:bodyPr>
+          <a:p>
+            <a:pPr>
+              <a:lnSpc>
+                <a:spcPct val="100000"/>
+              </a:lnSpc>
+            </a:pPr>
+            <a:r>
+              <a:rPr b="0" lang="fr-FR" sz="1800" spc="-1" strike="noStrike">
+                <a:solidFill>
+                  <a:srgbClr val="000000"/>
+                </a:solidFill>
+                <a:latin typeface="Calibri"/>
+                <a:ea typeface="DejaVu Sans"/>
+              </a:rPr>
+              <a:t>Direction du vent</a:t>
+            </a:r>
+            <a:endParaRPr b="0" lang="fr-FR" sz="1800" spc="-1" strike="noStrike">
+              <a:latin typeface="Arial"/>
+            </a:endParaRPr>
+          </a:p>
+        </p:txBody>
+      </p:sp>
+      <p:sp>
+        <p:nvSpPr>
+          <p:cNvPr id="182" name="CustomShape 5"/>
+          <p:cNvSpPr/>
+          <p:nvPr/>
+        </p:nvSpPr>
+        <p:spPr>
+          <a:xfrm>
+            <a:off x="7070040" y="2500200"/>
+            <a:ext cx="3495960" cy="363960"/>
+          </a:xfrm>
+          <a:prstGeom prst="rect">
+            <a:avLst/>
+          </a:prstGeom>
+          <a:noFill/>
+          <a:ln>
+            <a:noFill/>
+          </a:ln>
+        </p:spPr>
+        <p:style>
+          <a:lnRef idx="0"/>
+          <a:fillRef idx="0"/>
+          <a:effectRef idx="0"/>
+          <a:fontRef idx="minor"/>
+        </p:style>
+        <p:txBody>
+          <a:bodyPr wrap="none" lIns="90000" rIns="90000" tIns="45000" bIns="45000">
+            <a:spAutoFit/>
+          </a:bodyPr>
+          <a:p>
+            <a:pPr>
+              <a:lnSpc>
+                <a:spcPct val="100000"/>
+              </a:lnSpc>
+            </a:pPr>
+            <a:r>
+              <a:rPr b="0" lang="fr-FR" sz="1800" spc="-1" strike="noStrike">
+                <a:solidFill>
+                  <a:srgbClr val="000000"/>
+                </a:solidFill>
+                <a:latin typeface="Calibri"/>
+                <a:ea typeface="DejaVu Sans"/>
+              </a:rPr>
+              <a:t>Pression au niveau de la mer</a:t>
+            </a:r>
+            <a:endParaRPr b="0" lang="fr-FR" sz="1800" spc="-1" strike="noStrike">
+              <a:latin typeface="Arial"/>
+            </a:endParaRPr>
+          </a:p>
+        </p:txBody>
+      </p:sp>
+      <p:sp>
+        <p:nvSpPr>
+          <p:cNvPr id="183" name="CustomShape 6"/>
+          <p:cNvSpPr/>
+          <p:nvPr/>
+        </p:nvSpPr>
+        <p:spPr>
+          <a:xfrm rot="11452200">
+            <a:off x="2954520" y="3334680"/>
+            <a:ext cx="277560" cy="2030400"/>
+          </a:xfrm>
+          <a:prstGeom prst="downArrow">
+            <a:avLst>
+              <a:gd name="adj1" fmla="val 50000"/>
+              <a:gd name="adj2" fmla="val 50000"/>
+            </a:avLst>
+          </a:prstGeom>
+          <a:solidFill>
+            <a:schemeClr val="accent2"/>
+          </a:solidFill>
+          <a:ln>
+            <a:round/>
+          </a:ln>
+        </p:spPr>
+        <p:style>
+          <a:lnRef idx="2">
+            <a:schemeClr val="accent1">
+              <a:shade val="50000"/>
+            </a:schemeClr>
+          </a:lnRef>
+          <a:fillRef idx="1">
+            <a:schemeClr val="accent1"/>
+          </a:fillRef>
+          <a:effectRef idx="0">
+            <a:schemeClr val="accent1"/>
+          </a:effectRef>
+          <a:fontRef idx="minor"/>
+        </p:style>
+      </p:sp>
+      <p:sp>
+        <p:nvSpPr>
+          <p:cNvPr id="184" name="CustomShape 7"/>
+          <p:cNvSpPr/>
+          <p:nvPr/>
+        </p:nvSpPr>
+        <p:spPr>
+          <a:xfrm rot="11857200">
+            <a:off x="3449160" y="3718800"/>
+            <a:ext cx="277560" cy="1663560"/>
+          </a:xfrm>
+          <a:prstGeom prst="downArrow">
+            <a:avLst>
+              <a:gd name="adj1" fmla="val 50000"/>
+              <a:gd name="adj2" fmla="val 50000"/>
+            </a:avLst>
+          </a:prstGeom>
+          <a:solidFill>
+            <a:schemeClr val="accent2"/>
+          </a:solidFill>
+          <a:ln>
+            <a:round/>
+          </a:ln>
+        </p:spPr>
+        <p:style>
+          <a:lnRef idx="2">
+            <a:schemeClr val="accent1">
+              <a:shade val="50000"/>
+            </a:schemeClr>
+          </a:lnRef>
+          <a:fillRef idx="1">
+            <a:schemeClr val="accent1"/>
+          </a:fillRef>
+          <a:effectRef idx="0">
+            <a:schemeClr val="accent1"/>
+          </a:effectRef>
+          <a:fontRef idx="minor"/>
+        </p:style>
+      </p:sp>
+      <p:sp>
+        <p:nvSpPr>
+          <p:cNvPr id="185" name="CustomShape 8"/>
+          <p:cNvSpPr/>
+          <p:nvPr/>
+        </p:nvSpPr>
+        <p:spPr>
+          <a:xfrm>
+            <a:off x="1738080" y="5357880"/>
+            <a:ext cx="3141720" cy="1186920"/>
+          </a:xfrm>
+          <a:prstGeom prst="rect">
+            <a:avLst/>
+          </a:prstGeom>
+          <a:noFill/>
+          <a:ln>
+            <a:noFill/>
+          </a:ln>
+        </p:spPr>
+        <p:style>
+          <a:lnRef idx="0"/>
+          <a:fillRef idx="0"/>
+          <a:effectRef idx="0"/>
+          <a:fontRef idx="minor"/>
+        </p:style>
+        <p:txBody>
           <a:bodyPr lIns="90000" rIns="90000" tIns="45000" bIns="45000">
             <a:spAutoFit/>
           </a:bodyPr>
           <a:p>
+            <a:pPr algn="ctr">
+              <a:lnSpc>
+                <a:spcPct val="100000"/>
+              </a:lnSpc>
+            </a:pPr>
+            <a:r>
+              <a:rPr b="0" lang="fr-FR" sz="1800" spc="-1" strike="noStrike">
+                <a:solidFill>
+                  <a:srgbClr val="000000"/>
+                </a:solidFill>
+                <a:latin typeface="Calibri"/>
+                <a:ea typeface="DejaVu Sans"/>
+              </a:rPr>
+              <a:t>Lecture:</a:t>
+            </a:r>
+            <a:endParaRPr b="0" lang="fr-FR" sz="1800" spc="-1" strike="noStrike">
+              <a:latin typeface="Arial"/>
+            </a:endParaRPr>
+          </a:p>
+          <a:p>
+            <a:pPr algn="ctr">
+              <a:lnSpc>
+                <a:spcPct val="100000"/>
+              </a:lnSpc>
+            </a:pPr>
+            <a:r>
+              <a:rPr b="0" lang="fr-FR" sz="1800" spc="-1" strike="noStrike">
+                <a:solidFill>
+                  <a:srgbClr val="000000"/>
+                </a:solidFill>
+                <a:latin typeface="Calibri"/>
+                <a:ea typeface="DejaVu Sans"/>
+              </a:rPr>
+              <a:t>Lettre de l’alphabet</a:t>
+            </a:r>
+            <a:endParaRPr b="0" lang="fr-FR" sz="1800" spc="-1" strike="noStrike">
+              <a:latin typeface="Arial"/>
+            </a:endParaRPr>
+          </a:p>
+          <a:p>
+            <a:pPr algn="ctr">
+              <a:lnSpc>
+                <a:spcPct val="100000"/>
+              </a:lnSpc>
+            </a:pPr>
+            <a:r>
+              <a:rPr b="0" i="1" lang="fr-FR" sz="1800" spc="-1" strike="noStrike">
+                <a:solidFill>
+                  <a:srgbClr val="000000"/>
+                </a:solidFill>
+                <a:latin typeface="Calibri"/>
+                <a:ea typeface="DejaVu Sans"/>
+              </a:rPr>
+              <a:t>Fonction de la tendance</a:t>
+            </a:r>
+            <a:endParaRPr b="0" lang="fr-FR" sz="1800" spc="-1" strike="noStrike">
+              <a:latin typeface="Arial"/>
+            </a:endParaRPr>
+          </a:p>
+          <a:p>
+            <a:pPr algn="ctr">
+              <a:lnSpc>
+                <a:spcPct val="100000"/>
+              </a:lnSpc>
+            </a:pPr>
+            <a:r>
+              <a:rPr b="0" i="1" lang="fr-FR" sz="1800" spc="-1" strike="noStrike">
+                <a:solidFill>
+                  <a:srgbClr val="000000"/>
+                </a:solidFill>
+                <a:latin typeface="Calibri"/>
+                <a:ea typeface="DejaVu Sans"/>
+              </a:rPr>
+              <a:t>de pression</a:t>
+            </a:r>
+            <a:endParaRPr b="0" lang="fr-FR" sz="1800" spc="-1" strike="noStrike">
+              <a:latin typeface="Arial"/>
+            </a:endParaRPr>
+          </a:p>
+        </p:txBody>
+      </p:sp>
+      <p:sp>
+        <p:nvSpPr>
+          <p:cNvPr id="186" name="CustomShape 9"/>
+          <p:cNvSpPr/>
+          <p:nvPr/>
+        </p:nvSpPr>
+        <p:spPr>
+          <a:xfrm rot="12170400">
+            <a:off x="3964320" y="3369600"/>
+            <a:ext cx="277560" cy="2053440"/>
+          </a:xfrm>
+          <a:prstGeom prst="downArrow">
+            <a:avLst>
+              <a:gd name="adj1" fmla="val 50000"/>
+              <a:gd name="adj2" fmla="val 50000"/>
+            </a:avLst>
+          </a:prstGeom>
+          <a:solidFill>
+            <a:schemeClr val="accent2"/>
+          </a:solidFill>
+          <a:ln>
+            <a:round/>
+          </a:ln>
+        </p:spPr>
+        <p:style>
+          <a:lnRef idx="2">
+            <a:schemeClr val="accent1">
+              <a:shade val="50000"/>
+            </a:schemeClr>
+          </a:lnRef>
+          <a:fillRef idx="1">
+            <a:schemeClr val="accent1"/>
+          </a:fillRef>
+          <a:effectRef idx="0">
+            <a:schemeClr val="accent1"/>
+          </a:effectRef>
+          <a:fontRef idx="minor"/>
+        </p:style>
+      </p:sp>
+      <p:sp>
+        <p:nvSpPr>
+          <p:cNvPr id="187" name="CustomShape 10"/>
+          <p:cNvSpPr/>
+          <p:nvPr/>
+        </p:nvSpPr>
+        <p:spPr>
+          <a:xfrm rot="14204400">
+            <a:off x="5941440" y="3836880"/>
+            <a:ext cx="284400" cy="2781720"/>
+          </a:xfrm>
+          <a:prstGeom prst="downArrow">
+            <a:avLst>
+              <a:gd name="adj1" fmla="val 50000"/>
+              <a:gd name="adj2" fmla="val 50000"/>
+            </a:avLst>
+          </a:prstGeom>
+          <a:ln>
+            <a:round/>
+          </a:ln>
+        </p:spPr>
+        <p:style>
+          <a:lnRef idx="2">
+            <a:schemeClr val="accent1">
+              <a:shade val="50000"/>
+            </a:schemeClr>
+          </a:lnRef>
+          <a:fillRef idx="1">
+            <a:schemeClr val="accent1"/>
+          </a:fillRef>
+          <a:effectRef idx="0">
+            <a:schemeClr val="accent1"/>
+          </a:effectRef>
+          <a:fontRef idx="minor"/>
+        </p:style>
+      </p:sp>
+      <p:sp>
+        <p:nvSpPr>
+          <p:cNvPr id="188" name="CustomShape 11"/>
+          <p:cNvSpPr/>
+          <p:nvPr/>
+        </p:nvSpPr>
+        <p:spPr>
+          <a:xfrm>
+            <a:off x="5361480" y="5640120"/>
+            <a:ext cx="2116800" cy="638280"/>
+          </a:xfrm>
+          <a:prstGeom prst="rect">
+            <a:avLst/>
+          </a:prstGeom>
+          <a:noFill/>
+          <a:ln>
+            <a:noFill/>
+          </a:ln>
+        </p:spPr>
+        <p:style>
+          <a:lnRef idx="0"/>
+          <a:fillRef idx="0"/>
+          <a:effectRef idx="0"/>
+          <a:fontRef idx="minor"/>
+        </p:style>
+        <p:txBody>
+          <a:bodyPr wrap="none" lIns="90000" rIns="90000" tIns="45000" bIns="45000">
+            <a:spAutoFit/>
+          </a:bodyPr>
+          <a:p>
             <a:pPr>
               <a:lnSpc>
                 <a:spcPct val="100000"/>
@@ -5905,7 +6540,7 @@
                 <a:latin typeface="Calibri"/>
                 <a:ea typeface="DejaVu Sans"/>
               </a:rPr>
-              <a:t>Negretti et Zambra: Londres</a:t>
+              <a:t>Correspondance</a:t>
             </a:r>
             <a:endParaRPr b="0" lang="fr-FR" sz="1800" spc="-1" strike="noStrike">
               <a:latin typeface="Arial"/>
@@ -5917,16 +6552,6 @@
                 <a:spcPct val="100000"/>
               </a:lnSpc>
             </a:pPr>
-            <a:endParaRPr b="0" lang="fr-FR" sz="1800" spc="-1" strike="noStrike">
-              <a:latin typeface="Arial"/>
-            </a:endParaRPr>
-          </a:p>
-          <a:p>
-            <a:pPr>
-              <a:lnSpc>
-                <a:spcPct val="100000"/>
-              </a:lnSpc>
-            </a:pPr>
             <a:r>
               <a:rPr b="0" lang="fr-FR" sz="1800" spc="-1" strike="noStrike">
                 <a:solidFill>
@@ -5935,343 +6560,8 @@
                 <a:latin typeface="Calibri"/>
                 <a:ea typeface="DejaVu Sans"/>
               </a:rPr>
-              <a:t>Fondateurs:</a:t>
-            </a:r>
-            <a:endParaRPr b="0" lang="fr-FR" sz="1800" spc="-1" strike="noStrike">
-              <a:latin typeface="Arial"/>
-            </a:endParaRPr>
-          </a:p>
-          <a:p>
-            <a:pPr>
-              <a:lnSpc>
-                <a:spcPct val="100000"/>
-              </a:lnSpc>
-            </a:pPr>
-            <a:r>
-              <a:rPr b="0" lang="fr-FR" sz="1800" spc="-1" strike="noStrike">
-                <a:solidFill>
-                  <a:srgbClr val="000000"/>
-                </a:solidFill>
-                <a:latin typeface="Calibri"/>
-                <a:ea typeface="DejaVu Sans"/>
-              </a:rPr>
-              <a:t>Henry Negretti (1818–1879)</a:t>
-            </a:r>
-            <a:endParaRPr b="0" lang="fr-FR" sz="1800" spc="-1" strike="noStrike">
-              <a:latin typeface="Arial"/>
-            </a:endParaRPr>
-          </a:p>
-          <a:p>
-            <a:pPr>
-              <a:lnSpc>
-                <a:spcPct val="100000"/>
-              </a:lnSpc>
-            </a:pPr>
-            <a:r>
-              <a:rPr b="0" lang="fr-FR" sz="1800" spc="-1" strike="noStrike">
-                <a:solidFill>
-                  <a:srgbClr val="000000"/>
-                </a:solidFill>
-                <a:latin typeface="Calibri"/>
-                <a:ea typeface="DejaVu Sans"/>
-              </a:rPr>
-              <a:t>Joseph Zambra (1822–1897)</a:t>
-            </a:r>
-            <a:endParaRPr b="0" lang="fr-FR" sz="1800" spc="-1" strike="noStrike">
-              <a:latin typeface="Arial"/>
-            </a:endParaRPr>
-          </a:p>
-          <a:p>
-            <a:pPr>
-              <a:lnSpc>
-                <a:spcPct val="100000"/>
-              </a:lnSpc>
-            </a:pPr>
-            <a:endParaRPr b="0" lang="fr-FR" sz="1800" spc="-1" strike="noStrike">
-              <a:latin typeface="Arial"/>
-            </a:endParaRPr>
-          </a:p>
-          <a:p>
-            <a:pPr marL="216000" indent="-214920">
-              <a:lnSpc>
-                <a:spcPct val="100000"/>
-              </a:lnSpc>
-              <a:buClr>
-                <a:srgbClr val="000000"/>
-              </a:buClr>
-              <a:buFont typeface="Arial"/>
-              <a:buChar char="•"/>
-            </a:pPr>
-            <a:r>
-              <a:rPr b="0" i="1" lang="fr-FR" sz="1800" spc="-1" strike="noStrike">
-                <a:solidFill>
-                  <a:srgbClr val="000000"/>
-                </a:solidFill>
-                <a:latin typeface="Calibri"/>
-                <a:ea typeface="DejaVu Sans"/>
-              </a:rPr>
-              <a:t> </a:t>
-            </a:r>
-            <a:r>
-              <a:rPr b="0" i="1" lang="fr-FR" sz="1800" spc="-1" strike="noStrike">
-                <a:solidFill>
-                  <a:srgbClr val="000000"/>
-                </a:solidFill>
-                <a:latin typeface="Calibri"/>
-                <a:ea typeface="DejaVu Sans"/>
-              </a:rPr>
-              <a:t>A Treatise on Meteorological Instruments</a:t>
-            </a:r>
-            <a:r>
-              <a:rPr b="0" lang="fr-FR" sz="1800" spc="-1" strike="noStrike">
-                <a:solidFill>
-                  <a:srgbClr val="000000"/>
-                </a:solidFill>
-                <a:latin typeface="Calibri"/>
-                <a:ea typeface="DejaVu Sans"/>
-              </a:rPr>
-              <a:t> </a:t>
-            </a:r>
-            <a:endParaRPr b="0" lang="fr-FR" sz="1800" spc="-1" strike="noStrike">
-              <a:latin typeface="Arial"/>
-            </a:endParaRPr>
-          </a:p>
-          <a:p>
-            <a:pPr>
-              <a:lnSpc>
-                <a:spcPct val="100000"/>
-              </a:lnSpc>
-            </a:pPr>
-            <a:endParaRPr b="0" lang="fr-FR" sz="1800" spc="-1" strike="noStrike">
-              <a:latin typeface="Arial"/>
-            </a:endParaRPr>
-          </a:p>
-          <a:p>
-            <a:pPr marL="216000" indent="-214920">
-              <a:lnSpc>
-                <a:spcPct val="100000"/>
-              </a:lnSpc>
-              <a:buClr>
-                <a:srgbClr val="000000"/>
-              </a:buClr>
-              <a:buFont typeface="Arial"/>
-              <a:buChar char="•"/>
-            </a:pPr>
-            <a:r>
-              <a:rPr b="0" lang="fr-FR" sz="1800" spc="-1" strike="noStrike">
-                <a:solidFill>
-                  <a:srgbClr val="000000"/>
-                </a:solidFill>
-                <a:latin typeface="Calibri"/>
-                <a:ea typeface="DejaVu Sans"/>
-              </a:rPr>
-              <a:t> </a:t>
-            </a:r>
-            <a:r>
-              <a:rPr b="0" lang="fr-FR" sz="1800" spc="-1" strike="noStrike">
-                <a:solidFill>
-                  <a:srgbClr val="000000"/>
-                </a:solidFill>
-                <a:latin typeface="Calibri"/>
-                <a:ea typeface="DejaVu Sans"/>
-              </a:rPr>
-              <a:t>Optiques</a:t>
-            </a:r>
-            <a:endParaRPr b="0" lang="fr-FR" sz="1800" spc="-1" strike="noStrike">
-              <a:latin typeface="Arial"/>
-            </a:endParaRPr>
-          </a:p>
-          <a:p>
-            <a:pPr marL="216000" indent="-214920">
-              <a:lnSpc>
-                <a:spcPct val="100000"/>
-              </a:lnSpc>
-              <a:buClr>
-                <a:srgbClr val="000000"/>
-              </a:buClr>
-              <a:buFont typeface="Arial"/>
-              <a:buChar char="•"/>
-            </a:pPr>
-            <a:r>
-              <a:rPr b="0" lang="fr-FR" sz="1800" spc="-1" strike="noStrike">
-                <a:solidFill>
-                  <a:srgbClr val="000000"/>
-                </a:solidFill>
-                <a:latin typeface="Calibri"/>
-                <a:ea typeface="DejaVu Sans"/>
-              </a:rPr>
-              <a:t> </a:t>
-            </a:r>
-            <a:r>
-              <a:rPr b="0" lang="fr-FR" sz="1800" spc="-1" strike="noStrike">
-                <a:solidFill>
-                  <a:srgbClr val="000000"/>
-                </a:solidFill>
-                <a:latin typeface="Calibri"/>
-                <a:ea typeface="DejaVu Sans"/>
-              </a:rPr>
-              <a:t>Thermomètres</a:t>
-            </a:r>
-            <a:endParaRPr b="0" lang="fr-FR" sz="1800" spc="-1" strike="noStrike">
-              <a:latin typeface="Arial"/>
-            </a:endParaRPr>
-          </a:p>
-          <a:p>
-            <a:pPr marL="216000" indent="-214920">
-              <a:lnSpc>
-                <a:spcPct val="100000"/>
-              </a:lnSpc>
-              <a:buClr>
-                <a:srgbClr val="000000"/>
-              </a:buClr>
-              <a:buFont typeface="Arial"/>
-              <a:buChar char="•"/>
-            </a:pPr>
-            <a:r>
-              <a:rPr b="0" lang="fr-FR" sz="1800" spc="-1" strike="noStrike">
-                <a:solidFill>
-                  <a:srgbClr val="000000"/>
-                </a:solidFill>
-                <a:latin typeface="Calibri"/>
-                <a:ea typeface="DejaVu Sans"/>
-              </a:rPr>
-              <a:t> </a:t>
-            </a:r>
-            <a:r>
-              <a:rPr b="0" lang="fr-FR" sz="1800" spc="-1" strike="noStrike">
-                <a:solidFill>
-                  <a:srgbClr val="000000"/>
-                </a:solidFill>
-                <a:latin typeface="Calibri"/>
-                <a:ea typeface="DejaVu Sans"/>
-              </a:rPr>
-              <a:t>Lunettes astronomiques</a:t>
-            </a:r>
-            <a:endParaRPr b="0" lang="fr-FR" sz="1800" spc="-1" strike="noStrike">
-              <a:latin typeface="Arial"/>
-            </a:endParaRPr>
-          </a:p>
-          <a:p>
-            <a:pPr marL="216000" indent="-214920">
-              <a:lnSpc>
-                <a:spcPct val="100000"/>
-              </a:lnSpc>
-              <a:buClr>
-                <a:srgbClr val="000000"/>
-              </a:buClr>
-              <a:buFont typeface="Arial"/>
-              <a:buChar char="•"/>
-            </a:pPr>
-            <a:r>
-              <a:rPr b="0" lang="fr-FR" sz="1800" spc="-1" strike="noStrike">
-                <a:solidFill>
-                  <a:srgbClr val="000000"/>
-                </a:solidFill>
-                <a:latin typeface="Calibri"/>
-                <a:ea typeface="DejaVu Sans"/>
-              </a:rPr>
-              <a:t> </a:t>
-            </a:r>
-            <a:r>
-              <a:rPr b="0" lang="fr-FR" sz="1800" spc="-1" strike="noStrike">
-                <a:solidFill>
-                  <a:srgbClr val="000000"/>
-                </a:solidFill>
-                <a:latin typeface="Calibri"/>
-                <a:ea typeface="DejaVu Sans"/>
-              </a:rPr>
-              <a:t>Photo</a:t>
-            </a:r>
-            <a:endParaRPr b="0" lang="fr-FR" sz="1800" spc="-1" strike="noStrike">
-              <a:latin typeface="Arial"/>
-            </a:endParaRPr>
-          </a:p>
-          <a:p>
-            <a:pPr>
-              <a:lnSpc>
-                <a:spcPct val="100000"/>
-              </a:lnSpc>
-            </a:pPr>
-            <a:endParaRPr b="0" lang="fr-FR" sz="1800" spc="-1" strike="noStrike">
-              <a:latin typeface="Arial"/>
-            </a:endParaRPr>
-          </a:p>
-          <a:p>
-            <a:pPr marL="216000" indent="-214920">
-              <a:lnSpc>
-                <a:spcPct val="100000"/>
-              </a:lnSpc>
-              <a:buClr>
-                <a:srgbClr val="000000"/>
-              </a:buClr>
-              <a:buFont typeface="Arial"/>
-              <a:buChar char="•"/>
-            </a:pPr>
-            <a:r>
-              <a:rPr b="0" lang="fr-FR" sz="1800" spc="-1" strike="noStrike">
-                <a:solidFill>
-                  <a:srgbClr val="000000"/>
-                </a:solidFill>
-                <a:latin typeface="Calibri"/>
-                <a:ea typeface="DejaVu Sans"/>
-              </a:rPr>
-              <a:t> </a:t>
-            </a:r>
-            <a:r>
-              <a:rPr b="0" lang="fr-FR" sz="1800" spc="-1" strike="noStrike">
-                <a:solidFill>
-                  <a:srgbClr val="000000"/>
-                </a:solidFill>
-                <a:latin typeface="Calibri"/>
-                <a:ea typeface="DejaVu Sans"/>
-              </a:rPr>
-              <a:t>Expéditions (Egypte, Chine, Japon)</a:t>
-            </a:r>
-            <a:endParaRPr b="0" lang="fr-FR" sz="1800" spc="-1" strike="noStrike">
-              <a:latin typeface="Arial"/>
-            </a:endParaRPr>
-          </a:p>
-          <a:p>
-            <a:pPr marL="216000" indent="-214920">
-              <a:lnSpc>
-                <a:spcPct val="100000"/>
-              </a:lnSpc>
-              <a:buClr>
-                <a:srgbClr val="000000"/>
-              </a:buClr>
-              <a:buFont typeface="Arial"/>
-              <a:buChar char="•"/>
-            </a:pPr>
-            <a:r>
-              <a:rPr b="0" lang="fr-FR" sz="1800" spc="-1" strike="noStrike">
-                <a:solidFill>
-                  <a:srgbClr val="000000"/>
-                </a:solidFill>
-                <a:latin typeface="Calibri"/>
-                <a:ea typeface="DejaVu Sans"/>
-              </a:rPr>
-              <a:t> </a:t>
-            </a:r>
-            <a:r>
-              <a:rPr b="0" lang="fr-FR" sz="1800" spc="-1" strike="noStrike">
-                <a:solidFill>
-                  <a:srgbClr val="000000"/>
-                </a:solidFill>
-                <a:latin typeface="Calibri"/>
-                <a:ea typeface="DejaVu Sans"/>
-              </a:rPr>
-              <a:t>Queen Victoria, Prince Albert, Edouard VII …</a:t>
-            </a:r>
-            <a:endParaRPr b="0" lang="fr-FR" sz="1800" spc="-1" strike="noStrike">
-              <a:latin typeface="Arial"/>
-            </a:endParaRPr>
-          </a:p>
-          <a:p>
-            <a:pPr>
-              <a:lnSpc>
-                <a:spcPct val="100000"/>
-              </a:lnSpc>
-            </a:pPr>
+              <a:t>Lettre / prévision</a:t>
+            </a:r>
             <a:endParaRPr b="0" lang="fr-FR" sz="1800" spc="-1" strike="noStrike">
               <a:latin typeface="Arial"/>
             </a:endParaRPr>
@@ -6335,55 +6625,9 @@
           <a:chExt cx="0" cy="0"/>
         </a:xfrm>
       </p:grpSpPr>
-      <p:pic>
-        <p:nvPicPr>
-          <p:cNvPr id="190" name="Image 2" descr=""/>
-          <p:cNvPicPr/>
-          <p:nvPr/>
-        </p:nvPicPr>
-        <p:blipFill>
-          <a:blip r:embed="rId1"/>
-          <a:stretch/>
-        </p:blipFill>
-        <p:spPr>
-          <a:xfrm>
-            <a:off x="2381040" y="1357200"/>
-            <a:ext cx="3141720" cy="3444840"/>
-          </a:xfrm>
-          <a:prstGeom prst="rect">
-            <a:avLst/>
-          </a:prstGeom>
-          <a:ln>
-            <a:noFill/>
-          </a:ln>
-        </p:spPr>
-      </p:pic>
-      <p:pic>
-        <p:nvPicPr>
-          <p:cNvPr id="191" name="Image 3" descr=""/>
-          <p:cNvPicPr/>
-          <p:nvPr/>
-        </p:nvPicPr>
-        <p:blipFill>
-          <a:blip r:embed="rId2"/>
-          <a:stretch/>
-        </p:blipFill>
-        <p:spPr>
-          <a:xfrm>
-            <a:off x="7381440" y="3643200"/>
-            <a:ext cx="2702160" cy="2641680"/>
-          </a:xfrm>
-          <a:prstGeom prst="rect">
-            <a:avLst/>
-          </a:prstGeom>
-          <a:ln>
-            <a:noFill/>
-          </a:ln>
-        </p:spPr>
-      </p:pic>
-      <p:sp>
-        <p:nvSpPr>
-          <p:cNvPr id="192" name="CustomShape 1"/>
+      <p:sp>
+        <p:nvSpPr>
+          <p:cNvPr id="189" name="CustomShape 1"/>
           <p:cNvSpPr/>
           <p:nvPr/>
         </p:nvSpPr>
@@ -6408,7 +6652,7 @@
         </p:style>
         <p:txBody>
           <a:bodyPr lIns="90000" rIns="90000" tIns="45000" bIns="45000" anchor="ctr">
-            <a:normAutofit/>
+            <a:normAutofit fontScale="35000"/>
           </a:bodyPr>
           <a:p>
             <a:pPr>
@@ -6424,7 +6668,7 @@
                 <a:latin typeface="Calibri Light"/>
                 <a:ea typeface="DejaVu Sans"/>
               </a:rPr>
-              <a:t>Algorithme de Zambretti</a:t>
+              <a:t>Algorithme de Zambretti implémenté</a:t>
             </a:r>
             <a:endParaRPr b="0" lang="fr-FR" sz="4000" spc="-1" strike="noStrike">
               <a:latin typeface="Arial"/>
@@ -6434,25 +6678,27 @@
       </p:sp>
       <p:sp>
         <p:nvSpPr>
-          <p:cNvPr id="193" name="CustomShape 2"/>
+          <p:cNvPr id="190" name="CustomShape 2"/>
           <p:cNvSpPr/>
           <p:nvPr/>
         </p:nvSpPr>
         <p:spPr>
-          <a:xfrm rot="3640800">
-            <a:off x="5607000" y="1128600"/>
-            <a:ext cx="277560" cy="2053080"/>
-          </a:xfrm>
-          <a:prstGeom prst="downArrow">
+          <a:xfrm>
+            <a:off x="2023560" y="2714760"/>
+            <a:ext cx="1570320" cy="927360"/>
+          </a:xfrm>
+          <a:prstGeom prst="roundRect">
             <a:avLst>
-              <a:gd name="adj1" fmla="val 50000"/>
-              <a:gd name="adj2" fmla="val 50000"/>
+              <a:gd name="adj" fmla="val 16667"/>
             </a:avLst>
           </a:prstGeom>
-          <a:solidFill>
-            <a:schemeClr val="accent2"/>
-          </a:solidFill>
-          <a:ln>
+          <a:noFill/>
+          <a:ln w="41400">
+            <a:solidFill>
+              <a:schemeClr val="accent2">
+                <a:lumMod val="75000"/>
+              </a:schemeClr>
+            </a:solidFill>
             <a:round/>
           </a:ln>
         </p:spPr>
@@ -6470,28 +6716,55 @@
           </a:effectRef>
           <a:fontRef idx="minor"/>
         </p:style>
-      </p:sp>
-      <p:sp>
-        <p:nvSpPr>
-          <p:cNvPr id="194" name="CustomShape 3"/>
+        <p:txBody>
+          <a:bodyPr lIns="90000" rIns="90000" tIns="45000" bIns="45000" anchor="ctr">
+            <a:noAutofit/>
+          </a:bodyPr>
+          <a:p>
+            <a:pPr algn="ctr">
+              <a:lnSpc>
+                <a:spcPct val="100000"/>
+              </a:lnSpc>
+            </a:pPr>
+            <a:r>
+              <a:rPr b="0" lang="fr-FR" sz="2400" spc="-1" strike="noStrike">
+                <a:solidFill>
+                  <a:srgbClr val="000000"/>
+                </a:solidFill>
+                <a:latin typeface="Calibri"/>
+                <a:ea typeface="DejaVu Sans"/>
+              </a:rPr>
+              <a:t>dP/dt</a:t>
+            </a:r>
+            <a:endParaRPr b="0" lang="fr-FR" sz="2400" spc="-1" strike="noStrike">
+              <a:latin typeface="Arial"/>
+            </a:endParaRPr>
+          </a:p>
+        </p:txBody>
+      </p:sp>
+      <p:sp>
+        <p:nvSpPr>
+          <p:cNvPr id="191" name="CustomShape 3"/>
           <p:cNvSpPr/>
           <p:nvPr/>
         </p:nvSpPr>
         <p:spPr>
-          <a:xfrm rot="4933800">
-            <a:off x="5968440" y="1563120"/>
-            <a:ext cx="277560" cy="2604600"/>
-          </a:xfrm>
-          <a:prstGeom prst="downArrow">
+          <a:xfrm>
+            <a:off x="6810120" y="1714320"/>
+            <a:ext cx="1141560" cy="712800"/>
+          </a:xfrm>
+          <a:prstGeom prst="roundRect">
             <a:avLst>
-              <a:gd name="adj1" fmla="val 50000"/>
-              <a:gd name="adj2" fmla="val 50000"/>
+              <a:gd name="adj" fmla="val 16667"/>
             </a:avLst>
           </a:prstGeom>
-          <a:solidFill>
-            <a:schemeClr val="accent2"/>
-          </a:solidFill>
-          <a:ln>
+          <a:noFill/>
+          <a:ln w="41400">
+            <a:solidFill>
+              <a:schemeClr val="accent2">
+                <a:lumMod val="75000"/>
+              </a:schemeClr>
+            </a:solidFill>
             <a:round/>
           </a:ln>
         </p:spPr>
@@ -6509,129 +6782,49 @@
           </a:effectRef>
           <a:fontRef idx="minor"/>
         </p:style>
-      </p:sp>
-      <p:sp>
-        <p:nvSpPr>
-          <p:cNvPr id="195" name="CustomShape 4"/>
+        <p:txBody>
+          <a:bodyPr lIns="90000" rIns="90000" tIns="45000" bIns="45000" anchor="ctr">
+            <a:noAutofit/>
+          </a:bodyPr>
+          <a:p>
+            <a:pPr algn="ctr">
+              <a:lnSpc>
+                <a:spcPct val="100000"/>
+              </a:lnSpc>
+            </a:pPr>
+            <a:r>
+              <a:rPr b="0" lang="fr-FR" sz="2400" spc="-1" strike="noStrike">
+                <a:solidFill>
+                  <a:srgbClr val="000000"/>
+                </a:solidFill>
+                <a:latin typeface="Calibri"/>
+                <a:ea typeface="DejaVu Sans"/>
+              </a:rPr>
+              <a:t>P (Pa)</a:t>
+            </a:r>
+            <a:endParaRPr b="0" lang="fr-FR" sz="2400" spc="-1" strike="noStrike">
+              <a:latin typeface="Arial"/>
+            </a:endParaRPr>
+          </a:p>
+        </p:txBody>
+      </p:sp>
+      <p:sp>
+        <p:nvSpPr>
+          <p:cNvPr id="192" name="CustomShape 4"/>
           <p:cNvSpPr/>
           <p:nvPr/>
         </p:nvSpPr>
         <p:spPr>
           <a:xfrm>
-            <a:off x="6490800" y="1428840"/>
-            <a:ext cx="2159280" cy="363960"/>
-          </a:xfrm>
-          <a:prstGeom prst="rect">
-            <a:avLst/>
-          </a:prstGeom>
-          <a:noFill/>
-          <a:ln>
-            <a:noFill/>
-          </a:ln>
-        </p:spPr>
-        <p:style>
-          <a:lnRef idx="0"/>
-          <a:fillRef idx="0"/>
-          <a:effectRef idx="0"/>
-          <a:fontRef idx="minor"/>
-        </p:style>
-        <p:txBody>
-          <a:bodyPr wrap="none" lIns="90000" rIns="90000" tIns="45000" bIns="45000">
-            <a:spAutoFit/>
-          </a:bodyPr>
-          <a:p>
-            <a:pPr>
-              <a:lnSpc>
-                <a:spcPct val="100000"/>
-              </a:lnSpc>
-            </a:pPr>
-            <a:r>
-              <a:rPr b="0" lang="fr-FR" sz="1800" spc="-1" strike="noStrike">
-                <a:solidFill>
-                  <a:srgbClr val="000000"/>
-                </a:solidFill>
-                <a:latin typeface="Calibri"/>
-                <a:ea typeface="DejaVu Sans"/>
-              </a:rPr>
-              <a:t>Direction du vent</a:t>
-            </a:r>
-            <a:endParaRPr b="0" lang="fr-FR" sz="1800" spc="-1" strike="noStrike">
-              <a:latin typeface="Arial"/>
-            </a:endParaRPr>
-          </a:p>
-        </p:txBody>
-      </p:sp>
-      <p:sp>
-        <p:nvSpPr>
-          <p:cNvPr id="196" name="CustomShape 5"/>
-          <p:cNvSpPr/>
-          <p:nvPr/>
-        </p:nvSpPr>
-        <p:spPr>
-          <a:xfrm>
-            <a:off x="7070040" y="2500200"/>
-            <a:ext cx="3495960" cy="363960"/>
-          </a:xfrm>
-          <a:prstGeom prst="rect">
-            <a:avLst/>
-          </a:prstGeom>
-          <a:noFill/>
-          <a:ln>
-            <a:noFill/>
-          </a:ln>
-        </p:spPr>
-        <p:style>
-          <a:lnRef idx="0"/>
-          <a:fillRef idx="0"/>
-          <a:effectRef idx="0"/>
-          <a:fontRef idx="minor"/>
-        </p:style>
-        <p:txBody>
-          <a:bodyPr wrap="none" lIns="90000" rIns="90000" tIns="45000" bIns="45000">
-            <a:spAutoFit/>
-          </a:bodyPr>
-          <a:p>
-            <a:pPr>
-              <a:lnSpc>
-                <a:spcPct val="100000"/>
-              </a:lnSpc>
-            </a:pPr>
-            <a:r>
-              <a:rPr b="0" lang="fr-FR" sz="1800" spc="-1" strike="noStrike">
-                <a:solidFill>
-                  <a:srgbClr val="000000"/>
-                </a:solidFill>
-                <a:latin typeface="Calibri"/>
-                <a:ea typeface="DejaVu Sans"/>
-              </a:rPr>
-              <a:t>Pression au niveau de la mer</a:t>
-            </a:r>
-            <a:endParaRPr b="0" lang="fr-FR" sz="1800" spc="-1" strike="noStrike">
-              <a:latin typeface="Arial"/>
-            </a:endParaRPr>
-          </a:p>
-        </p:txBody>
-      </p:sp>
-      <p:sp>
-        <p:nvSpPr>
-          <p:cNvPr id="197" name="CustomShape 6"/>
-          <p:cNvSpPr/>
-          <p:nvPr/>
-        </p:nvSpPr>
-        <p:spPr>
-          <a:xfrm rot="11452200">
-            <a:off x="2954520" y="3334680"/>
-            <a:ext cx="277560" cy="2030400"/>
-          </a:xfrm>
-          <a:prstGeom prst="downArrow">
+            <a:off x="3809520" y="3143160"/>
+            <a:ext cx="641520" cy="141480"/>
+          </a:xfrm>
+          <a:prstGeom prst="rightArrow">
             <a:avLst>
               <a:gd name="adj1" fmla="val 50000"/>
               <a:gd name="adj2" fmla="val 50000"/>
             </a:avLst>
           </a:prstGeom>
-          <a:solidFill>
-            <a:schemeClr val="accent2"/>
-          </a:solidFill>
           <a:ln>
             <a:round/>
           </a:ln>
@@ -6653,25 +6846,27 @@
       </p:sp>
       <p:sp>
         <p:nvSpPr>
-          <p:cNvPr id="198" name="CustomShape 7"/>
+          <p:cNvPr id="193" name="CustomShape 5"/>
           <p:cNvSpPr/>
           <p:nvPr/>
         </p:nvSpPr>
         <p:spPr>
-          <a:xfrm rot="11857200">
-            <a:off x="3449160" y="3718800"/>
-            <a:ext cx="277560" cy="1663560"/>
-          </a:xfrm>
-          <a:prstGeom prst="downArrow">
+          <a:xfrm>
+            <a:off x="4738320" y="2714760"/>
+            <a:ext cx="1570320" cy="927360"/>
+          </a:xfrm>
+          <a:prstGeom prst="roundRect">
             <a:avLst>
-              <a:gd name="adj1" fmla="val 50000"/>
-              <a:gd name="adj2" fmla="val 50000"/>
+              <a:gd name="adj" fmla="val 16667"/>
             </a:avLst>
           </a:prstGeom>
-          <a:solidFill>
-            <a:schemeClr val="accent2"/>
-          </a:solidFill>
-          <a:ln>
+          <a:noFill/>
+          <a:ln w="41400">
+            <a:solidFill>
+              <a:schemeClr val="accent2">
+                <a:lumMod val="75000"/>
+              </a:schemeClr>
+            </a:solidFill>
             <a:round/>
           </a:ln>
         </p:spPr>
@@ -6689,139 +6884,75 @@
           </a:effectRef>
           <a:fontRef idx="minor"/>
         </p:style>
-      </p:sp>
-      <p:sp>
-        <p:nvSpPr>
-          <p:cNvPr id="199" name="CustomShape 8"/>
+        <p:txBody>
+          <a:bodyPr lIns="90000" rIns="90000" tIns="45000" bIns="45000" anchor="ctr">
+            <a:noAutofit/>
+          </a:bodyPr>
+          <a:p>
+            <a:pPr algn="ctr">
+              <a:lnSpc>
+                <a:spcPct val="100000"/>
+              </a:lnSpc>
+            </a:pPr>
+            <a:r>
+              <a:rPr b="0" lang="fr-FR" sz="2400" spc="-1" strike="noStrike">
+                <a:solidFill>
+                  <a:srgbClr val="000000"/>
+                </a:solidFill>
+                <a:latin typeface="Calibri"/>
+                <a:ea typeface="DejaVu Sans"/>
+              </a:rPr>
+              <a:t>Choix</a:t>
+            </a:r>
+            <a:endParaRPr b="0" lang="fr-FR" sz="2400" spc="-1" strike="noStrike">
+              <a:latin typeface="Arial"/>
+            </a:endParaRPr>
+          </a:p>
+          <a:p>
+            <a:pPr algn="ctr">
+              <a:lnSpc>
+                <a:spcPct val="100000"/>
+              </a:lnSpc>
+            </a:pPr>
+            <a:r>
+              <a:rPr b="0" lang="fr-FR" sz="2400" spc="-1" strike="noStrike">
+                <a:solidFill>
+                  <a:srgbClr val="000000"/>
+                </a:solidFill>
+                <a:latin typeface="Calibri"/>
+                <a:ea typeface="DejaVu Sans"/>
+              </a:rPr>
+              <a:t>Equation</a:t>
+            </a:r>
+            <a:endParaRPr b="0" lang="fr-FR" sz="2400" spc="-1" strike="noStrike">
+              <a:latin typeface="Arial"/>
+            </a:endParaRPr>
+          </a:p>
+        </p:txBody>
+      </p:sp>
+      <p:sp>
+        <p:nvSpPr>
+          <p:cNvPr id="194" name="CustomShape 6"/>
           <p:cNvSpPr/>
           <p:nvPr/>
         </p:nvSpPr>
         <p:spPr>
           <a:xfrm>
-            <a:off x="1738080" y="5357880"/>
-            <a:ext cx="3141720" cy="1186920"/>
-          </a:xfrm>
-          <a:prstGeom prst="rect">
-            <a:avLst/>
+            <a:off x="8310240" y="2714760"/>
+            <a:ext cx="1570320" cy="927360"/>
+          </a:xfrm>
+          <a:prstGeom prst="roundRect">
+            <a:avLst>
+              <a:gd name="adj" fmla="val 16667"/>
+            </a:avLst>
           </a:prstGeom>
           <a:noFill/>
-          <a:ln>
-            <a:noFill/>
-          </a:ln>
-        </p:spPr>
-        <p:style>
-          <a:lnRef idx="0"/>
-          <a:fillRef idx="0"/>
-          <a:effectRef idx="0"/>
-          <a:fontRef idx="minor"/>
-        </p:style>
-        <p:txBody>
-          <a:bodyPr lIns="90000" rIns="90000" tIns="45000" bIns="45000">
-            <a:spAutoFit/>
-          </a:bodyPr>
-          <a:p>
-            <a:pPr algn="ctr">
-              <a:lnSpc>
-                <a:spcPct val="100000"/>
-              </a:lnSpc>
-            </a:pPr>
-            <a:r>
-              <a:rPr b="0" lang="fr-FR" sz="1800" spc="-1" strike="noStrike">
-                <a:solidFill>
-                  <a:srgbClr val="000000"/>
-                </a:solidFill>
-                <a:latin typeface="Calibri"/>
-                <a:ea typeface="DejaVu Sans"/>
-              </a:rPr>
-              <a:t>Lecture:</a:t>
-            </a:r>
-            <a:endParaRPr b="0" lang="fr-FR" sz="1800" spc="-1" strike="noStrike">
-              <a:latin typeface="Arial"/>
-            </a:endParaRPr>
-          </a:p>
-          <a:p>
-            <a:pPr algn="ctr">
-              <a:lnSpc>
-                <a:spcPct val="100000"/>
-              </a:lnSpc>
-            </a:pPr>
-            <a:r>
-              <a:rPr b="0" lang="fr-FR" sz="1800" spc="-1" strike="noStrike">
-                <a:solidFill>
-                  <a:srgbClr val="000000"/>
-                </a:solidFill>
-                <a:latin typeface="Calibri"/>
-                <a:ea typeface="DejaVu Sans"/>
-              </a:rPr>
-              <a:t>Lettre de l’alphabet</a:t>
-            </a:r>
-            <a:endParaRPr b="0" lang="fr-FR" sz="1800" spc="-1" strike="noStrike">
-              <a:latin typeface="Arial"/>
-            </a:endParaRPr>
-          </a:p>
-          <a:p>
-            <a:pPr algn="ctr">
-              <a:lnSpc>
-                <a:spcPct val="100000"/>
-              </a:lnSpc>
-            </a:pPr>
-            <a:r>
-              <a:rPr b="0" i="1" lang="fr-FR" sz="1800" spc="-1" strike="noStrike">
-                <a:solidFill>
-                  <a:srgbClr val="000000"/>
-                </a:solidFill>
-                <a:latin typeface="Calibri"/>
-                <a:ea typeface="DejaVu Sans"/>
-              </a:rPr>
-              <a:t>Fonction de la tendance</a:t>
-            </a:r>
-            <a:endParaRPr b="0" lang="fr-FR" sz="1800" spc="-1" strike="noStrike">
-              <a:latin typeface="Arial"/>
-            </a:endParaRPr>
-          </a:p>
-          <a:p>
-            <a:pPr algn="ctr">
-              <a:lnSpc>
-                <a:spcPct val="100000"/>
-              </a:lnSpc>
-            </a:pPr>
-            <a:r>
-              <a:rPr b="0" i="1" lang="fr-FR" sz="1800" spc="-1" strike="noStrike">
-                <a:solidFill>
-                  <a:srgbClr val="000000"/>
-                </a:solidFill>
-                <a:latin typeface="Calibri"/>
-                <a:ea typeface="DejaVu Sans"/>
-              </a:rPr>
-              <a:t>de pression</a:t>
-            </a:r>
-            <a:endParaRPr b="0" lang="fr-FR" sz="1800" spc="-1" strike="noStrike">
-              <a:latin typeface="Arial"/>
-            </a:endParaRPr>
-          </a:p>
-        </p:txBody>
-      </p:sp>
-      <p:sp>
-        <p:nvSpPr>
-          <p:cNvPr id="200" name="CustomShape 9"/>
-          <p:cNvSpPr/>
-          <p:nvPr/>
-        </p:nvSpPr>
-        <p:spPr>
-          <a:xfrm rot="12170400">
-            <a:off x="3964320" y="3369600"/>
-            <a:ext cx="277560" cy="2053440"/>
-          </a:xfrm>
-          <a:prstGeom prst="downArrow">
-            <a:avLst>
-              <a:gd name="adj1" fmla="val 50000"/>
-              <a:gd name="adj2" fmla="val 50000"/>
-            </a:avLst>
-          </a:prstGeom>
-          <a:solidFill>
-            <a:schemeClr val="accent2"/>
-          </a:solidFill>
-          <a:ln>
+          <a:ln w="41400">
+            <a:solidFill>
+              <a:schemeClr val="accent2">
+                <a:lumMod val="75000"/>
+              </a:schemeClr>
+            </a:solidFill>
             <a:round/>
           </a:ln>
         </p:spPr>
@@ -6839,19 +6970,64 @@
           </a:effectRef>
           <a:fontRef idx="minor"/>
         </p:style>
-      </p:sp>
-      <p:sp>
-        <p:nvSpPr>
-          <p:cNvPr id="201" name="CustomShape 10"/>
+        <p:txBody>
+          <a:bodyPr lIns="90000" rIns="90000" tIns="45000" bIns="45000" anchor="ctr">
+            <a:noAutofit/>
+          </a:bodyPr>
+          <a:p>
+            <a:pPr algn="ctr">
+              <a:lnSpc>
+                <a:spcPct val="100000"/>
+              </a:lnSpc>
+            </a:pPr>
+            <a:r>
+              <a:rPr b="0" lang="fr-FR" sz="2400" spc="-1" strike="noStrike">
+                <a:solidFill>
+                  <a:srgbClr val="000000"/>
+                </a:solidFill>
+                <a:latin typeface="Calibri"/>
+                <a:ea typeface="DejaVu Sans"/>
+              </a:rPr>
+              <a:t>Nombre</a:t>
+            </a:r>
+            <a:endParaRPr b="0" lang="fr-FR" sz="2400" spc="-1" strike="noStrike">
+              <a:latin typeface="Arial"/>
+            </a:endParaRPr>
+          </a:p>
+          <a:p>
+            <a:pPr algn="ctr">
+              <a:lnSpc>
+                <a:spcPct val="100000"/>
+              </a:lnSpc>
+            </a:pPr>
+            <a:r>
+              <a:rPr b="0" lang="fr-FR" sz="2400" spc="-1" strike="noStrike">
+                <a:solidFill>
+                  <a:srgbClr val="000000"/>
+                </a:solidFill>
+                <a:latin typeface="Calibri"/>
+                <a:ea typeface="DejaVu Sans"/>
+              </a:rPr>
+              <a:t>Zambretti</a:t>
+            </a:r>
+            <a:endParaRPr b="0" lang="fr-FR" sz="2400" spc="-1" strike="noStrike">
+              <a:latin typeface="Arial"/>
+            </a:endParaRPr>
+          </a:p>
+        </p:txBody>
+      </p:sp>
+      <p:sp>
+        <p:nvSpPr>
+          <p:cNvPr id="195" name="CustomShape 7"/>
           <p:cNvSpPr/>
           <p:nvPr/>
         </p:nvSpPr>
         <p:spPr>
-          <a:xfrm rot="14204400">
-            <a:off x="5941440" y="3836880"/>
-            <a:ext cx="284400" cy="2781720"/>
-          </a:xfrm>
-          <a:prstGeom prst="downArrow">
+          <a:xfrm>
+            <a:off x="6453000" y="3071880"/>
+            <a:ext cx="1713240" cy="141480"/>
+          </a:xfrm>
+          <a:prstGeom prst="rightArrow">
             <a:avLst>
               <a:gd name="adj1" fmla="val 50000"/>
               <a:gd name="adj2" fmla="val 50000"/>
@@ -6878,14 +7054,50 @@
       </p:sp>
       <p:sp>
         <p:nvSpPr>
-          <p:cNvPr id="202" name="CustomShape 11"/>
+          <p:cNvPr id="196" name="CustomShape 8"/>
           <p:cNvSpPr/>
           <p:nvPr/>
         </p:nvSpPr>
         <p:spPr>
-          <a:xfrm>
-            <a:off x="5361480" y="5640120"/>
-            <a:ext cx="2116800" cy="638280"/>
+          <a:xfrm rot="5400000">
+            <a:off x="7204320" y="2750040"/>
+            <a:ext cx="355680" cy="141480"/>
+          </a:xfrm>
+          <a:prstGeom prst="rightArrow">
+            <a:avLst>
+              <a:gd name="adj1" fmla="val 50000"/>
+              <a:gd name="adj2" fmla="val 50000"/>
+            </a:avLst>
+          </a:prstGeom>
+          <a:ln>
+            <a:round/>
+          </a:ln>
+        </p:spPr>
+        <p:style>
+          <a:lnRef idx="2">
+            <a:schemeClr val="accent1">
+              <a:shade val="50000"/>
+            </a:schemeClr>
+          </a:lnRef>
+          <a:fillRef idx="1">
+            <a:schemeClr val="accent1"/>
+          </a:fillRef>
+          <a:effectRef idx="0">
+            <a:schemeClr val="accent1"/>
+          </a:effectRef>
+          <a:fontRef idx="minor"/>
+        </p:style>
+      </p:sp>
+      <p:sp>
+        <p:nvSpPr>
+          <p:cNvPr id="197" name="CustomShape 9"/>
+          <p:cNvSpPr/>
+          <p:nvPr/>
+        </p:nvSpPr>
+        <p:spPr>
+          <a:xfrm>
+            <a:off x="2309400" y="1996920"/>
+            <a:ext cx="1070280" cy="912600"/>
           </a:xfrm>
           <a:prstGeom prst="rect">
             <a:avLst/>
@@ -6902,12 +7114,321 @@
           <a:fontRef idx="minor"/>
         </p:style>
         <p:txBody>
-          <a:bodyPr wrap="none" lIns="90000" rIns="90000" tIns="45000" bIns="45000">
+          <a:bodyPr lIns="90000" rIns="90000" tIns="45000" bIns="45000">
             <a:spAutoFit/>
           </a:bodyPr>
           <a:p>
+            <a:pPr algn="ctr">
+              <a:lnSpc>
+                <a:spcPct val="100000"/>
+              </a:lnSpc>
+            </a:pPr>
+            <a:r>
+              <a:rPr b="0" lang="fr-FR" sz="1800" spc="-1" strike="noStrike">
+                <a:solidFill>
+                  <a:srgbClr val="000000"/>
+                </a:solidFill>
+                <a:latin typeface="Calibri"/>
+                <a:ea typeface="DejaVu Sans"/>
+              </a:rPr>
+              <a:t>Echelle: </a:t>
+            </a:r>
+            <a:endParaRPr b="0" lang="fr-FR" sz="1800" spc="-1" strike="noStrike">
+              <a:latin typeface="Arial"/>
+            </a:endParaRPr>
+          </a:p>
+          <a:p>
+            <a:pPr algn="ctr">
+              <a:lnSpc>
+                <a:spcPct val="100000"/>
+              </a:lnSpc>
+            </a:pPr>
+            <a:r>
+              <a:rPr b="0" lang="fr-FR" sz="1800" spc="-1" strike="noStrike">
+                <a:solidFill>
+                  <a:srgbClr val="000000"/>
+                </a:solidFill>
+                <a:latin typeface="Calibri"/>
+                <a:ea typeface="DejaVu Sans"/>
+              </a:rPr>
+              <a:t>heure</a:t>
+            </a:r>
+            <a:endParaRPr b="0" lang="fr-FR" sz="1800" spc="-1" strike="noStrike">
+              <a:latin typeface="Arial"/>
+            </a:endParaRPr>
+          </a:p>
+        </p:txBody>
+      </p:sp>
+      <p:sp>
+        <p:nvSpPr>
+          <p:cNvPr id="198" name="CustomShape 10"/>
+          <p:cNvSpPr/>
+          <p:nvPr/>
+        </p:nvSpPr>
+        <p:spPr>
+          <a:xfrm>
+            <a:off x="4738320" y="1285920"/>
+            <a:ext cx="1498680" cy="1324080"/>
+          </a:xfrm>
+          <a:prstGeom prst="rect">
+            <a:avLst/>
+          </a:prstGeom>
+          <a:noFill/>
+          <a:ln>
+            <a:noFill/>
+          </a:ln>
+        </p:spPr>
+        <p:style>
+          <a:lnRef idx="0"/>
+          <a:fillRef idx="0"/>
+          <a:effectRef idx="0"/>
+          <a:fontRef idx="minor"/>
+        </p:style>
+        <p:txBody>
+          <a:bodyPr lIns="90000" rIns="90000" tIns="45000" bIns="45000">
+            <a:spAutoFit/>
+          </a:bodyPr>
+          <a:p>
             <a:pPr>
               <a:lnSpc>
+                <a:spcPct val="150000"/>
+              </a:lnSpc>
+            </a:pPr>
+            <a:r>
+              <a:rPr b="0" lang="fr-FR" sz="1800" spc="-1" strike="noStrike">
+                <a:solidFill>
+                  <a:srgbClr val="000000"/>
+                </a:solidFill>
+                <a:latin typeface="Calibri"/>
+                <a:ea typeface="DejaVu Sans"/>
+              </a:rPr>
+              <a:t>1. dP/dt</a:t>
+            </a:r>
+            <a:endParaRPr b="0" lang="fr-FR" sz="1800" spc="-1" strike="noStrike">
+              <a:latin typeface="Arial"/>
+            </a:endParaRPr>
+          </a:p>
+          <a:p>
+            <a:pPr>
+              <a:lnSpc>
+                <a:spcPct val="150000"/>
+              </a:lnSpc>
+            </a:pPr>
+            <a:r>
+              <a:rPr b="0" lang="fr-FR" sz="1800" spc="-1" strike="noStrike">
+                <a:solidFill>
+                  <a:srgbClr val="000000"/>
+                </a:solidFill>
+                <a:latin typeface="Calibri"/>
+                <a:ea typeface="DejaVu Sans"/>
+              </a:rPr>
+              <a:t>2. dP/dt</a:t>
+            </a:r>
+            <a:endParaRPr b="0" lang="fr-FR" sz="1800" spc="-1" strike="noStrike">
+              <a:latin typeface="Arial"/>
+            </a:endParaRPr>
+          </a:p>
+          <a:p>
+            <a:pPr>
+              <a:lnSpc>
+                <a:spcPct val="150000"/>
+              </a:lnSpc>
+            </a:pPr>
+            <a:r>
+              <a:rPr b="0" lang="fr-FR" sz="1800" spc="-1" strike="noStrike">
+                <a:solidFill>
+                  <a:srgbClr val="000000"/>
+                </a:solidFill>
+                <a:latin typeface="Calibri"/>
+                <a:ea typeface="DejaVu Sans"/>
+              </a:rPr>
+              <a:t>3. dP/dt </a:t>
+            </a:r>
+            <a:endParaRPr b="0" lang="fr-FR" sz="1800" spc="-1" strike="noStrike">
+              <a:latin typeface="Arial"/>
+            </a:endParaRPr>
+          </a:p>
+        </p:txBody>
+      </p:sp>
+      <p:sp>
+        <p:nvSpPr>
+          <p:cNvPr id="199" name="CustomShape 11"/>
+          <p:cNvSpPr/>
+          <p:nvPr/>
+        </p:nvSpPr>
+        <p:spPr>
+          <a:xfrm flipH="1" flipV="1" rot="5400000">
+            <a:off x="5625360" y="1397520"/>
+            <a:ext cx="296280" cy="212760"/>
+          </a:xfrm>
+          <a:custGeom>
+            <a:avLst/>
+            <a:gdLst/>
+            <a:ahLst/>
+            <a:rect l="l" t="t" r="r" b="b"/>
+            <a:pathLst>
+              <a:path w="21600" h="21600">
+                <a:moveTo>
+                  <a:pt x="0" y="0"/>
+                </a:moveTo>
+                <a:lnTo>
+                  <a:pt x="21600" y="21600"/>
+                </a:lnTo>
+              </a:path>
+            </a:pathLst>
+          </a:custGeom>
+          <a:noFill/>
+          <a:ln w="25560">
+            <a:solidFill>
+              <a:schemeClr val="tx1"/>
+            </a:solidFill>
+            <a:round/>
+            <a:tailEnd len="med" type="triangle" w="med"/>
+          </a:ln>
+        </p:spPr>
+        <p:style>
+          <a:lnRef idx="1">
+            <a:schemeClr val="accent1"/>
+          </a:lnRef>
+          <a:fillRef idx="0">
+            <a:schemeClr val="accent1"/>
+          </a:fillRef>
+          <a:effectRef idx="0">
+            <a:schemeClr val="accent1"/>
+          </a:effectRef>
+          <a:fontRef idx="minor"/>
+        </p:style>
+      </p:sp>
+      <p:sp>
+        <p:nvSpPr>
+          <p:cNvPr id="200" name="CustomShape 12"/>
+          <p:cNvSpPr/>
+          <p:nvPr/>
+        </p:nvSpPr>
+        <p:spPr>
+          <a:xfrm flipH="1" rot="16200000">
+            <a:off x="5702400" y="2250360"/>
+            <a:ext cx="284400" cy="212760"/>
+          </a:xfrm>
+          <a:custGeom>
+            <a:avLst/>
+            <a:gdLst/>
+            <a:ahLst/>
+            <a:rect l="l" t="t" r="r" b="b"/>
+            <a:pathLst>
+              <a:path w="21600" h="21600">
+                <a:moveTo>
+                  <a:pt x="0" y="0"/>
+                </a:moveTo>
+                <a:lnTo>
+                  <a:pt x="21600" y="21600"/>
+                </a:lnTo>
+              </a:path>
+            </a:pathLst>
+          </a:custGeom>
+          <a:noFill/>
+          <a:ln w="25560">
+            <a:solidFill>
+              <a:schemeClr val="tx1"/>
+            </a:solidFill>
+            <a:round/>
+            <a:tailEnd len="med" type="triangle" w="med"/>
+          </a:ln>
+        </p:spPr>
+        <p:style>
+          <a:lnRef idx="1">
+            <a:schemeClr val="accent1"/>
+          </a:lnRef>
+          <a:fillRef idx="0">
+            <a:schemeClr val="accent1"/>
+          </a:fillRef>
+          <a:effectRef idx="0">
+            <a:schemeClr val="accent1"/>
+          </a:effectRef>
+          <a:fontRef idx="minor"/>
+        </p:style>
+      </p:sp>
+      <p:sp>
+        <p:nvSpPr>
+          <p:cNvPr id="201" name="CustomShape 13"/>
+          <p:cNvSpPr/>
+          <p:nvPr/>
+        </p:nvSpPr>
+        <p:spPr>
+          <a:xfrm flipV="1">
+            <a:off x="5667120" y="1998720"/>
+            <a:ext cx="355680" cy="10800"/>
+          </a:xfrm>
+          <a:custGeom>
+            <a:avLst/>
+            <a:gdLst/>
+            <a:ahLst/>
+            <a:rect l="l" t="t" r="r" b="b"/>
+            <a:pathLst>
+              <a:path w="21600" h="21600">
+                <a:moveTo>
+                  <a:pt x="0" y="0"/>
+                </a:moveTo>
+                <a:lnTo>
+                  <a:pt x="21600" y="21600"/>
+                </a:lnTo>
+              </a:path>
+            </a:pathLst>
+          </a:custGeom>
+          <a:noFill/>
+          <a:ln w="25560">
+            <a:solidFill>
+              <a:schemeClr val="tx1"/>
+            </a:solidFill>
+            <a:round/>
+            <a:tailEnd len="med" type="triangle" w="med"/>
+          </a:ln>
+        </p:spPr>
+        <p:style>
+          <a:lnRef idx="1">
+            <a:schemeClr val="accent1"/>
+          </a:lnRef>
+          <a:fillRef idx="0">
+            <a:schemeClr val="accent1"/>
+          </a:fillRef>
+          <a:effectRef idx="0">
+            <a:schemeClr val="accent1"/>
+          </a:effectRef>
+          <a:fontRef idx="minor"/>
+        </p:style>
+      </p:sp>
+      <p:sp>
+        <p:nvSpPr>
+          <p:cNvPr id="202" name="CustomShape 14"/>
+          <p:cNvSpPr/>
+          <p:nvPr/>
+        </p:nvSpPr>
+        <p:spPr>
+          <a:xfrm>
+            <a:off x="6667200" y="1071720"/>
+            <a:ext cx="1427400" cy="638280"/>
+          </a:xfrm>
+          <a:prstGeom prst="rect">
+            <a:avLst/>
+          </a:prstGeom>
+          <a:noFill/>
+          <a:ln>
+            <a:noFill/>
+          </a:ln>
+        </p:spPr>
+        <p:style>
+          <a:lnRef idx="0"/>
+          <a:fillRef idx="0"/>
+          <a:effectRef idx="0"/>
+          <a:fontRef idx="minor"/>
+        </p:style>
+        <p:txBody>
+          <a:bodyPr lIns="90000" rIns="90000" tIns="45000" bIns="45000">
+            <a:spAutoFit/>
+          </a:bodyPr>
+          <a:p>
+            <a:pPr algn="ctr">
+              <a:lnSpc>
                 <a:spcPct val="100000"/>
               </a:lnSpc>
             </a:pPr>
@@ -6919,13 +7440,64 @@
                 <a:latin typeface="Calibri"/>
                 <a:ea typeface="DejaVu Sans"/>
               </a:rPr>
-              <a:t>Correspondance</a:t>
+              <a:t>Moyenne:</a:t>
             </a:r>
             <a:endParaRPr b="0" lang="fr-FR" sz="1800" spc="-1" strike="noStrike">
               <a:latin typeface="Arial"/>
             </a:endParaRPr>
           </a:p>
           <a:p>
+            <a:pPr algn="ctr">
+              <a:lnSpc>
+                <a:spcPct val="100000"/>
+              </a:lnSpc>
+            </a:pPr>
+            <a:r>
+              <a:rPr b="0" lang="fr-FR" sz="1800" spc="-1" strike="noStrike">
+                <a:solidFill>
+                  <a:srgbClr val="000000"/>
+                </a:solidFill>
+                <a:latin typeface="Calibri"/>
+                <a:ea typeface="DejaVu Sans"/>
+              </a:rPr>
+              <a:t>10 s</a:t>
+            </a:r>
+            <a:endParaRPr b="0" lang="fr-FR" sz="1800" spc="-1" strike="noStrike">
+              <a:latin typeface="Arial"/>
+            </a:endParaRPr>
+          </a:p>
+        </p:txBody>
+      </p:sp>
+      <p:sp>
+        <p:nvSpPr>
+          <p:cNvPr id="203" name="CustomShape 15"/>
+          <p:cNvSpPr/>
+          <p:nvPr/>
+        </p:nvSpPr>
+        <p:spPr>
+          <a:xfrm>
+            <a:off x="1880640" y="3929040"/>
+            <a:ext cx="1998720" cy="3381480"/>
+          </a:xfrm>
+          <a:prstGeom prst="rect">
+            <a:avLst/>
+          </a:prstGeom>
+          <a:noFill/>
+          <a:ln>
+            <a:noFill/>
+          </a:ln>
+        </p:spPr>
+        <p:style>
+          <a:lnRef idx="0"/>
+          <a:fillRef idx="0"/>
+          <a:effectRef idx="0"/>
+          <a:fontRef idx="minor"/>
+        </p:style>
+        <p:txBody>
+          <a:bodyPr lIns="90000" rIns="90000" tIns="45000" bIns="45000">
+            <a:spAutoFit/>
+          </a:bodyPr>
+          <a:p>
             <a:pPr>
               <a:lnSpc>
                 <a:spcPct val="100000"/>
@@ -6939,8 +7511,633 @@
                 <a:latin typeface="Calibri"/>
                 <a:ea typeface="DejaVu Sans"/>
               </a:rPr>
-              <a:t>Lettre / prévision</a:t>
-            </a:r>
+              <a:t>Historisation:</a:t>
+            </a:r>
+            <a:endParaRPr b="0" lang="fr-FR" sz="1800" spc="-1" strike="noStrike">
+              <a:latin typeface="Arial"/>
+            </a:endParaRPr>
+          </a:p>
+          <a:p>
+            <a:pPr marL="216000" indent="-214920">
+              <a:lnSpc>
+                <a:spcPct val="100000"/>
+              </a:lnSpc>
+              <a:buClr>
+                <a:srgbClr val="000000"/>
+              </a:buClr>
+              <a:buFont typeface="Arial"/>
+              <a:buChar char="•"/>
+            </a:pPr>
+            <a:r>
+              <a:rPr b="0" lang="fr-FR" sz="1800" spc="-1" strike="noStrike">
+                <a:solidFill>
+                  <a:srgbClr val="000000"/>
+                </a:solidFill>
+                <a:latin typeface="Calibri"/>
+                <a:ea typeface="DejaVu Sans"/>
+              </a:rPr>
+              <a:t> </a:t>
+            </a:r>
+            <a:r>
+              <a:rPr b="0" lang="fr-FR" sz="1800" spc="-1" strike="noStrike">
+                <a:solidFill>
+                  <a:srgbClr val="000000"/>
+                </a:solidFill>
+                <a:latin typeface="Calibri"/>
+                <a:ea typeface="DejaVu Sans"/>
+              </a:rPr>
+              <a:t>Phase 1: une tendance / heure</a:t>
+            </a:r>
+            <a:endParaRPr b="0" lang="fr-FR" sz="1800" spc="-1" strike="noStrike">
+              <a:latin typeface="Arial"/>
+            </a:endParaRPr>
+          </a:p>
+          <a:p>
+            <a:pPr marL="216000" indent="-214920">
+              <a:lnSpc>
+                <a:spcPct val="100000"/>
+              </a:lnSpc>
+              <a:buClr>
+                <a:srgbClr val="000000"/>
+              </a:buClr>
+              <a:buFont typeface="Arial"/>
+              <a:buChar char="•"/>
+            </a:pPr>
+            <a:r>
+              <a:rPr b="0" lang="fr-FR" sz="1800" spc="-1" strike="noStrike">
+                <a:solidFill>
+                  <a:srgbClr val="000000"/>
+                </a:solidFill>
+                <a:latin typeface="Calibri"/>
+                <a:ea typeface="DejaVu Sans"/>
+              </a:rPr>
+              <a:t> </a:t>
+            </a:r>
+            <a:r>
+              <a:rPr b="0" lang="fr-FR" sz="1800" spc="-1" strike="noStrike">
+                <a:solidFill>
+                  <a:srgbClr val="000000"/>
+                </a:solidFill>
+                <a:latin typeface="Calibri"/>
+                <a:ea typeface="DejaVu Sans"/>
+              </a:rPr>
+              <a:t>Phase 2: une tendance / minute</a:t>
+            </a:r>
+            <a:endParaRPr b="0" lang="fr-FR" sz="1800" spc="-1" strike="noStrike">
+              <a:latin typeface="Arial"/>
+            </a:endParaRPr>
+          </a:p>
+          <a:p>
+            <a:pPr>
+              <a:lnSpc>
+                <a:spcPct val="100000"/>
+              </a:lnSpc>
+            </a:pPr>
+            <a:endParaRPr b="0" lang="fr-FR" sz="1800" spc="-1" strike="noStrike">
+              <a:latin typeface="Arial"/>
+            </a:endParaRPr>
+          </a:p>
+          <a:p>
+            <a:pPr marL="216000" indent="-214920">
+              <a:lnSpc>
+                <a:spcPct val="100000"/>
+              </a:lnSpc>
+              <a:buClr>
+                <a:srgbClr val="000000"/>
+              </a:buClr>
+              <a:buFont typeface="Arial"/>
+              <a:buChar char="•"/>
+            </a:pPr>
+            <a:r>
+              <a:rPr b="0" lang="fr-FR" sz="1800" spc="-1" strike="noStrike">
+                <a:solidFill>
+                  <a:srgbClr val="000000"/>
+                </a:solidFill>
+                <a:latin typeface="Calibri"/>
+                <a:ea typeface="DejaVu Sans"/>
+              </a:rPr>
+              <a:t>Phase essai: une tendance / 10 min</a:t>
+            </a:r>
+            <a:endParaRPr b="0" lang="fr-FR" sz="1800" spc="-1" strike="noStrike">
+              <a:latin typeface="Arial"/>
+            </a:endParaRPr>
+          </a:p>
+          <a:p>
+            <a:pPr>
+              <a:lnSpc>
+                <a:spcPct val="100000"/>
+              </a:lnSpc>
+            </a:pPr>
+            <a:endParaRPr b="0" lang="fr-FR" sz="1800" spc="-1" strike="noStrike">
+              <a:latin typeface="Arial"/>
+            </a:endParaRPr>
+          </a:p>
+        </p:txBody>
+      </p:sp>
+      <p:sp>
+        <p:nvSpPr>
+          <p:cNvPr id="204" name="CustomShape 16"/>
+          <p:cNvSpPr/>
+          <p:nvPr/>
+        </p:nvSpPr>
+        <p:spPr>
+          <a:xfrm>
+            <a:off x="4452480" y="3929040"/>
+            <a:ext cx="2641680" cy="2147040"/>
+          </a:xfrm>
+          <a:prstGeom prst="rect">
+            <a:avLst/>
+          </a:prstGeom>
+          <a:noFill/>
+          <a:ln>
+            <a:noFill/>
+          </a:ln>
+        </p:spPr>
+        <p:style>
+          <a:lnRef idx="0"/>
+          <a:fillRef idx="0"/>
+          <a:effectRef idx="0"/>
+          <a:fontRef idx="minor"/>
+        </p:style>
+        <p:txBody>
+          <a:bodyPr lIns="90000" rIns="90000" tIns="45000" bIns="45000">
+            <a:spAutoFit/>
+          </a:bodyPr>
+          <a:p>
+            <a:pPr>
+              <a:lnSpc>
+                <a:spcPct val="100000"/>
+              </a:lnSpc>
+            </a:pPr>
+            <a:r>
+              <a:rPr b="0" lang="fr-FR" sz="1800" spc="-1" strike="noStrike">
+                <a:solidFill>
+                  <a:srgbClr val="000000"/>
+                </a:solidFill>
+                <a:latin typeface="Calibri"/>
+                <a:ea typeface="DejaVu Sans"/>
+              </a:rPr>
+              <a:t>Linéarisation</a:t>
+            </a:r>
+            <a:endParaRPr b="0" lang="fr-FR" sz="1800" spc="-1" strike="noStrike">
+              <a:latin typeface="Arial"/>
+            </a:endParaRPr>
+          </a:p>
+          <a:p>
+            <a:pPr marL="216000" indent="-214920">
+              <a:lnSpc>
+                <a:spcPct val="150000"/>
+              </a:lnSpc>
+              <a:buClr>
+                <a:srgbClr val="000000"/>
+              </a:buClr>
+              <a:buFont typeface="Arial"/>
+              <a:buChar char="•"/>
+            </a:pPr>
+            <a:r>
+              <a:rPr b="0" lang="fr-FR" sz="1800" spc="-1" strike="noStrike">
+                <a:solidFill>
+                  <a:srgbClr val="000000"/>
+                </a:solidFill>
+                <a:latin typeface="Calibri"/>
+                <a:ea typeface="DejaVu Sans"/>
+              </a:rPr>
+              <a:t> </a:t>
+            </a:r>
+            <a:r>
+              <a:rPr b="0" lang="fr-FR" sz="1800" spc="-1" strike="noStrike">
+                <a:solidFill>
+                  <a:srgbClr val="000000"/>
+                </a:solidFill>
+                <a:latin typeface="Calibri"/>
+                <a:ea typeface="DejaVu Sans"/>
+              </a:rPr>
+              <a:t>Z = 179-2P/129</a:t>
+            </a:r>
+            <a:endParaRPr b="0" lang="fr-FR" sz="1800" spc="-1" strike="noStrike">
+              <a:latin typeface="Arial"/>
+            </a:endParaRPr>
+          </a:p>
+          <a:p>
+            <a:pPr marL="216000" indent="-214920">
+              <a:lnSpc>
+                <a:spcPct val="150000"/>
+              </a:lnSpc>
+              <a:buClr>
+                <a:srgbClr val="000000"/>
+              </a:buClr>
+              <a:buFont typeface="Arial"/>
+              <a:buChar char="•"/>
+            </a:pPr>
+            <a:r>
+              <a:rPr b="0" lang="fr-FR" sz="1800" spc="-1" strike="noStrike">
+                <a:solidFill>
+                  <a:srgbClr val="000000"/>
+                </a:solidFill>
+                <a:latin typeface="Calibri"/>
+                <a:ea typeface="DejaVu Sans"/>
+              </a:rPr>
+              <a:t> </a:t>
+            </a:r>
+            <a:r>
+              <a:rPr b="0" lang="fr-FR" sz="1800" spc="-1" strike="noStrike">
+                <a:solidFill>
+                  <a:srgbClr val="000000"/>
+                </a:solidFill>
+                <a:latin typeface="Calibri"/>
+                <a:ea typeface="DejaVu Sans"/>
+              </a:rPr>
+              <a:t>Z = 147 -5P/376</a:t>
+            </a:r>
+            <a:endParaRPr b="0" lang="fr-FR" sz="1800" spc="-1" strike="noStrike">
+              <a:latin typeface="Arial"/>
+            </a:endParaRPr>
+          </a:p>
+          <a:p>
+            <a:pPr marL="216000" indent="-214920">
+              <a:lnSpc>
+                <a:spcPct val="150000"/>
+              </a:lnSpc>
+              <a:buClr>
+                <a:srgbClr val="000000"/>
+              </a:buClr>
+              <a:buFont typeface="Arial"/>
+              <a:buChar char="•"/>
+            </a:pPr>
+            <a:r>
+              <a:rPr b="0" lang="fr-FR" sz="1800" spc="-1" strike="noStrike">
+                <a:solidFill>
+                  <a:srgbClr val="000000"/>
+                </a:solidFill>
+                <a:latin typeface="Calibri"/>
+                <a:ea typeface="DejaVu Sans"/>
+              </a:rPr>
+              <a:t> </a:t>
+            </a:r>
+            <a:r>
+              <a:rPr b="0" lang="fr-FR" sz="1800" spc="-1" strike="noStrike">
+                <a:solidFill>
+                  <a:srgbClr val="000000"/>
+                </a:solidFill>
+                <a:latin typeface="Calibri"/>
+                <a:ea typeface="DejaVu Sans"/>
+              </a:rPr>
+              <a:t>Z = 130-P/81</a:t>
+            </a:r>
+            <a:endParaRPr b="0" lang="fr-FR" sz="1800" spc="-1" strike="noStrike">
+              <a:latin typeface="Arial"/>
+            </a:endParaRPr>
+          </a:p>
+          <a:p>
+            <a:pPr>
+              <a:lnSpc>
+                <a:spcPct val="100000"/>
+              </a:lnSpc>
+            </a:pPr>
+            <a:endParaRPr b="0" lang="fr-FR" sz="1800" spc="-1" strike="noStrike">
+              <a:latin typeface="Arial"/>
+            </a:endParaRPr>
+          </a:p>
+          <a:p>
+            <a:pPr>
+              <a:lnSpc>
+                <a:spcPct val="100000"/>
+              </a:lnSpc>
+            </a:pPr>
+            <a:endParaRPr b="0" lang="fr-FR" sz="1800" spc="-1" strike="noStrike">
+              <a:latin typeface="Arial"/>
+            </a:endParaRPr>
+          </a:p>
+        </p:txBody>
+      </p:sp>
+      <p:sp>
+        <p:nvSpPr>
+          <p:cNvPr id="205" name="CustomShape 17"/>
+          <p:cNvSpPr/>
+          <p:nvPr/>
+        </p:nvSpPr>
+        <p:spPr>
+          <a:xfrm flipH="1" flipV="1" rot="5400000">
+            <a:off x="6125400" y="4326480"/>
+            <a:ext cx="296280" cy="212760"/>
+          </a:xfrm>
+          <a:custGeom>
+            <a:avLst/>
+            <a:gdLst/>
+            <a:ahLst/>
+            <a:rect l="l" t="t" r="r" b="b"/>
+            <a:pathLst>
+              <a:path w="21600" h="21600">
+                <a:moveTo>
+                  <a:pt x="0" y="0"/>
+                </a:moveTo>
+                <a:lnTo>
+                  <a:pt x="21600" y="21600"/>
+                </a:lnTo>
+              </a:path>
+            </a:pathLst>
+          </a:custGeom>
+          <a:noFill/>
+          <a:ln w="25560">
+            <a:solidFill>
+              <a:schemeClr val="tx1"/>
+            </a:solidFill>
+            <a:round/>
+            <a:tailEnd len="med" type="triangle" w="med"/>
+          </a:ln>
+        </p:spPr>
+        <p:style>
+          <a:lnRef idx="1">
+            <a:schemeClr val="accent1"/>
+          </a:lnRef>
+          <a:fillRef idx="0">
+            <a:schemeClr val="accent1"/>
+          </a:fillRef>
+          <a:effectRef idx="0">
+            <a:schemeClr val="accent1"/>
+          </a:effectRef>
+          <a:fontRef idx="minor"/>
+        </p:style>
+      </p:sp>
+      <p:sp>
+        <p:nvSpPr>
+          <p:cNvPr id="206" name="CustomShape 18"/>
+          <p:cNvSpPr/>
+          <p:nvPr/>
+        </p:nvSpPr>
+        <p:spPr>
+          <a:xfrm flipH="1" rot="16200000">
+            <a:off x="5988240" y="5179320"/>
+            <a:ext cx="284400" cy="212760"/>
+          </a:xfrm>
+          <a:custGeom>
+            <a:avLst/>
+            <a:gdLst/>
+            <a:ahLst/>
+            <a:rect l="l" t="t" r="r" b="b"/>
+            <a:pathLst>
+              <a:path w="21600" h="21600">
+                <a:moveTo>
+                  <a:pt x="0" y="0"/>
+                </a:moveTo>
+                <a:lnTo>
+                  <a:pt x="21600" y="21600"/>
+                </a:lnTo>
+              </a:path>
+            </a:pathLst>
+          </a:custGeom>
+          <a:noFill/>
+          <a:ln w="25560">
+            <a:solidFill>
+              <a:schemeClr val="tx1"/>
+            </a:solidFill>
+            <a:round/>
+            <a:tailEnd len="med" type="triangle" w="med"/>
+          </a:ln>
+        </p:spPr>
+        <p:style>
+          <a:lnRef idx="1">
+            <a:schemeClr val="accent1"/>
+          </a:lnRef>
+          <a:fillRef idx="0">
+            <a:schemeClr val="accent1"/>
+          </a:fillRef>
+          <a:effectRef idx="0">
+            <a:schemeClr val="accent1"/>
+          </a:effectRef>
+          <a:fontRef idx="minor"/>
+        </p:style>
+      </p:sp>
+      <p:sp>
+        <p:nvSpPr>
+          <p:cNvPr id="207" name="CustomShape 19"/>
+          <p:cNvSpPr/>
+          <p:nvPr/>
+        </p:nvSpPr>
+        <p:spPr>
+          <a:xfrm flipV="1">
+            <a:off x="6167160" y="4856400"/>
+            <a:ext cx="355680" cy="10800"/>
+          </a:xfrm>
+          <a:custGeom>
+            <a:avLst/>
+            <a:gdLst/>
+            <a:ahLst/>
+            <a:rect l="l" t="t" r="r" b="b"/>
+            <a:pathLst>
+              <a:path w="21600" h="21600">
+                <a:moveTo>
+                  <a:pt x="0" y="0"/>
+                </a:moveTo>
+                <a:lnTo>
+                  <a:pt x="21600" y="21600"/>
+                </a:lnTo>
+              </a:path>
+            </a:pathLst>
+          </a:custGeom>
+          <a:noFill/>
+          <a:ln w="25560">
+            <a:solidFill>
+              <a:schemeClr val="tx1"/>
+            </a:solidFill>
+            <a:round/>
+            <a:tailEnd len="med" type="triangle" w="med"/>
+          </a:ln>
+        </p:spPr>
+        <p:style>
+          <a:lnRef idx="1">
+            <a:schemeClr val="accent1"/>
+          </a:lnRef>
+          <a:fillRef idx="0">
+            <a:schemeClr val="accent1"/>
+          </a:fillRef>
+          <a:effectRef idx="0">
+            <a:schemeClr val="accent1"/>
+          </a:effectRef>
+          <a:fontRef idx="minor"/>
+        </p:style>
+      </p:sp>
+      <p:sp>
+        <p:nvSpPr>
+          <p:cNvPr id="208" name="CustomShape 20"/>
+          <p:cNvSpPr/>
+          <p:nvPr/>
+        </p:nvSpPr>
+        <p:spPr>
+          <a:xfrm>
+            <a:off x="8953200" y="3714840"/>
+            <a:ext cx="212760" cy="498600"/>
+          </a:xfrm>
+          <a:prstGeom prst="downArrow">
+            <a:avLst>
+              <a:gd name="adj1" fmla="val 50000"/>
+              <a:gd name="adj2" fmla="val 50000"/>
+            </a:avLst>
+          </a:prstGeom>
+          <a:ln>
+            <a:round/>
+          </a:ln>
+        </p:spPr>
+        <p:style>
+          <a:lnRef idx="2">
+            <a:schemeClr val="accent1">
+              <a:shade val="50000"/>
+            </a:schemeClr>
+          </a:lnRef>
+          <a:fillRef idx="1">
+            <a:schemeClr val="accent1"/>
+          </a:fillRef>
+          <a:effectRef idx="0">
+            <a:schemeClr val="accent1"/>
+          </a:effectRef>
+          <a:fontRef idx="minor"/>
+        </p:style>
+      </p:sp>
+      <p:sp>
+        <p:nvSpPr>
+          <p:cNvPr id="209" name="CustomShape 21"/>
+          <p:cNvSpPr/>
+          <p:nvPr/>
+        </p:nvSpPr>
+        <p:spPr>
+          <a:xfrm>
+            <a:off x="7453080" y="4357800"/>
+            <a:ext cx="2998800" cy="1735560"/>
+          </a:xfrm>
+          <a:prstGeom prst="rect">
+            <a:avLst/>
+          </a:prstGeom>
+          <a:noFill/>
+          <a:ln>
+            <a:noFill/>
+          </a:ln>
+        </p:spPr>
+        <p:style>
+          <a:lnRef idx="0"/>
+          <a:fillRef idx="0"/>
+          <a:effectRef idx="0"/>
+          <a:fontRef idx="minor"/>
+        </p:style>
+        <p:txBody>
+          <a:bodyPr lIns="90000" rIns="90000" tIns="45000" bIns="45000">
+            <a:spAutoFit/>
+          </a:bodyPr>
+          <a:p>
+            <a:pPr>
+              <a:lnSpc>
+                <a:spcPct val="100000"/>
+              </a:lnSpc>
+            </a:pPr>
+            <a:r>
+              <a:rPr b="0" lang="fr-FR" sz="1800" spc="-1" strike="noStrike">
+                <a:solidFill>
+                  <a:srgbClr val="000000"/>
+                </a:solidFill>
+                <a:latin typeface="Calibri"/>
+                <a:ea typeface="DejaVu Sans"/>
+              </a:rPr>
+              <a:t>1 : Settled Fine</a:t>
+            </a:r>
+            <a:r>
+              <a:rPr b="0" lang="fr-FR" sz="1800" spc="-1" strike="noStrike">
+                <a:solidFill>
+                  <a:srgbClr val="000000"/>
+                </a:solidFill>
+                <a:latin typeface="Calibri"/>
+                <a:ea typeface="DejaVu Sans"/>
+              </a:rPr>
+              <a:t>	</a:t>
+            </a:r>
+            <a:endParaRPr b="0" lang="fr-FR" sz="1800" spc="-1" strike="noStrike">
+              <a:latin typeface="Arial"/>
+            </a:endParaRPr>
+          </a:p>
+          <a:p>
+            <a:pPr>
+              <a:lnSpc>
+                <a:spcPct val="100000"/>
+              </a:lnSpc>
+            </a:pPr>
+            <a:r>
+              <a:rPr b="0" lang="fr-FR" sz="1800" spc="-1" strike="noStrike">
+                <a:solidFill>
+                  <a:srgbClr val="000000"/>
+                </a:solidFill>
+                <a:latin typeface="Calibri"/>
+                <a:ea typeface="DejaVu Sans"/>
+              </a:rPr>
+              <a:t>2 : Fine Weather</a:t>
+            </a:r>
+            <a:r>
+              <a:rPr b="0" lang="fr-FR" sz="1800" spc="-1" strike="noStrike">
+                <a:solidFill>
+                  <a:srgbClr val="000000"/>
+                </a:solidFill>
+                <a:latin typeface="Calibri"/>
+                <a:ea typeface="DejaVu Sans"/>
+              </a:rPr>
+              <a:t>	</a:t>
+            </a:r>
+            <a:endParaRPr b="0" lang="fr-FR" sz="1800" spc="-1" strike="noStrike">
+              <a:latin typeface="Arial"/>
+            </a:endParaRPr>
+          </a:p>
+          <a:p>
+            <a:pPr>
+              <a:lnSpc>
+                <a:spcPct val="100000"/>
+              </a:lnSpc>
+            </a:pPr>
+            <a:r>
+              <a:rPr b="0" lang="fr-FR" sz="1800" spc="-1" strike="noStrike">
+                <a:solidFill>
+                  <a:srgbClr val="000000"/>
+                </a:solidFill>
+                <a:latin typeface="Calibri"/>
+                <a:ea typeface="DejaVu Sans"/>
+              </a:rPr>
+              <a:t>3 : Fine Becoming  les settled</a:t>
+            </a:r>
+            <a:endParaRPr b="0" lang="fr-FR" sz="1800" spc="-1" strike="noStrike">
+              <a:latin typeface="Arial"/>
+            </a:endParaRPr>
+          </a:p>
+          <a:p>
+            <a:pPr>
+              <a:lnSpc>
+                <a:spcPct val="100000"/>
+              </a:lnSpc>
+            </a:pPr>
+            <a:r>
+              <a:rPr b="0" lang="fr-FR" sz="1800" spc="-1" strike="noStrike">
+                <a:solidFill>
+                  <a:srgbClr val="000000"/>
+                </a:solidFill>
+                <a:latin typeface="Calibri"/>
+                <a:ea typeface="DejaVu Sans"/>
+              </a:rPr>
+              <a:t>…</a:t>
+            </a:r>
+            <a:r>
+              <a:rPr b="0" lang="fr-FR" sz="1800" spc="-1" strike="noStrike">
+                <a:solidFill>
+                  <a:srgbClr val="000000"/>
+                </a:solidFill>
+                <a:latin typeface="Calibri"/>
+                <a:ea typeface="DejaVu Sans"/>
+              </a:rPr>
+              <a:t>	</a:t>
+            </a:r>
+            <a:endParaRPr b="0" lang="fr-FR" sz="1800" spc="-1" strike="noStrike">
+              <a:latin typeface="Arial"/>
+            </a:endParaRPr>
+          </a:p>
+          <a:p>
+            <a:pPr>
+              <a:lnSpc>
+                <a:spcPct val="100000"/>
+              </a:lnSpc>
+            </a:pPr>
             <a:endParaRPr b="0" lang="fr-FR" sz="1800" spc="-1" strike="noStrike">
               <a:latin typeface="Arial"/>
             </a:endParaRPr>
@@ -7006,7 +8203,7 @@
       </p:grpSpPr>
       <p:sp>
         <p:nvSpPr>
-          <p:cNvPr id="203" name="CustomShape 1"/>
+          <p:cNvPr id="210" name="CustomShape 1"/>
           <p:cNvSpPr/>
           <p:nvPr/>
         </p:nvSpPr>
@@ -7057,426 +8254,14 @@
       </p:sp>
       <p:sp>
         <p:nvSpPr>
-          <p:cNvPr id="204" name="CustomShape 2"/>
+          <p:cNvPr id="211" name="CustomShape 2"/>
           <p:cNvSpPr/>
           <p:nvPr/>
         </p:nvSpPr>
         <p:spPr>
           <a:xfrm>
-            <a:off x="2023560" y="2714760"/>
-            <a:ext cx="1570320" cy="927360"/>
-          </a:xfrm>
-          <a:prstGeom prst="roundRect">
-            <a:avLst>
-              <a:gd name="adj" fmla="val 16667"/>
-            </a:avLst>
-          </a:prstGeom>
-          <a:noFill/>
-          <a:ln w="41400">
-            <a:solidFill>
-              <a:schemeClr val="accent2">
-                <a:lumMod val="75000"/>
-              </a:schemeClr>
-            </a:solidFill>
-            <a:round/>
-          </a:ln>
-        </p:spPr>
-        <p:style>
-          <a:lnRef idx="2">
-            <a:schemeClr val="accent1">
-              <a:shade val="50000"/>
-            </a:schemeClr>
-          </a:lnRef>
-          <a:fillRef idx="1">
-            <a:schemeClr val="accent1"/>
-          </a:fillRef>
-          <a:effectRef idx="0">
-            <a:schemeClr val="accent1"/>
-          </a:effectRef>
-          <a:fontRef idx="minor"/>
-        </p:style>
-        <p:txBody>
-          <a:bodyPr lIns="90000" rIns="90000" tIns="45000" bIns="45000" anchor="ctr">
-            <a:noAutofit/>
-          </a:bodyPr>
-          <a:p>
-            <a:pPr algn="ctr">
-              <a:lnSpc>
-                <a:spcPct val="100000"/>
-              </a:lnSpc>
-            </a:pPr>
-            <a:r>
-              <a:rPr b="0" lang="fr-FR" sz="2400" spc="-1" strike="noStrike">
-                <a:solidFill>
-                  <a:srgbClr val="000000"/>
-                </a:solidFill>
-                <a:latin typeface="Calibri"/>
-                <a:ea typeface="DejaVu Sans"/>
-              </a:rPr>
-              <a:t>dP/dt</a:t>
-            </a:r>
-            <a:endParaRPr b="0" lang="fr-FR" sz="2400" spc="-1" strike="noStrike">
-              <a:latin typeface="Arial"/>
-            </a:endParaRPr>
-          </a:p>
-        </p:txBody>
-      </p:sp>
-      <p:sp>
-        <p:nvSpPr>
-          <p:cNvPr id="205" name="CustomShape 3"/>
-          <p:cNvSpPr/>
-          <p:nvPr/>
-        </p:nvSpPr>
-        <p:spPr>
-          <a:xfrm>
-            <a:off x="6810120" y="1714320"/>
-            <a:ext cx="1141560" cy="712800"/>
-          </a:xfrm>
-          <a:prstGeom prst="roundRect">
-            <a:avLst>
-              <a:gd name="adj" fmla="val 16667"/>
-            </a:avLst>
-          </a:prstGeom>
-          <a:noFill/>
-          <a:ln w="41400">
-            <a:solidFill>
-              <a:schemeClr val="accent2">
-                <a:lumMod val="75000"/>
-              </a:schemeClr>
-            </a:solidFill>
-            <a:round/>
-          </a:ln>
-        </p:spPr>
-        <p:style>
-          <a:lnRef idx="2">
-            <a:schemeClr val="accent1">
-              <a:shade val="50000"/>
-            </a:schemeClr>
-          </a:lnRef>
-          <a:fillRef idx="1">
-            <a:schemeClr val="accent1"/>
-          </a:fillRef>
-          <a:effectRef idx="0">
-            <a:schemeClr val="accent1"/>
-          </a:effectRef>
-          <a:fontRef idx="minor"/>
-        </p:style>
-        <p:txBody>
-          <a:bodyPr lIns="90000" rIns="90000" tIns="45000" bIns="45000" anchor="ctr">
-            <a:noAutofit/>
-          </a:bodyPr>
-          <a:p>
-            <a:pPr algn="ctr">
-              <a:lnSpc>
-                <a:spcPct val="100000"/>
-              </a:lnSpc>
-            </a:pPr>
-            <a:r>
-              <a:rPr b="0" lang="fr-FR" sz="2400" spc="-1" strike="noStrike">
-                <a:solidFill>
-                  <a:srgbClr val="000000"/>
-                </a:solidFill>
-                <a:latin typeface="Calibri"/>
-                <a:ea typeface="DejaVu Sans"/>
-              </a:rPr>
-              <a:t>P (Pa)</a:t>
-            </a:r>
-            <a:endParaRPr b="0" lang="fr-FR" sz="2400" spc="-1" strike="noStrike">
-              <a:latin typeface="Arial"/>
-            </a:endParaRPr>
-          </a:p>
-        </p:txBody>
-      </p:sp>
-      <p:sp>
-        <p:nvSpPr>
-          <p:cNvPr id="206" name="CustomShape 4"/>
-          <p:cNvSpPr/>
-          <p:nvPr/>
-        </p:nvSpPr>
-        <p:spPr>
-          <a:xfrm>
-            <a:off x="3809520" y="3143160"/>
-            <a:ext cx="641520" cy="141480"/>
-          </a:xfrm>
-          <a:prstGeom prst="rightArrow">
-            <a:avLst>
-              <a:gd name="adj1" fmla="val 50000"/>
-              <a:gd name="adj2" fmla="val 50000"/>
-            </a:avLst>
-          </a:prstGeom>
-          <a:ln>
-            <a:round/>
-          </a:ln>
-        </p:spPr>
-        <p:style>
-          <a:lnRef idx="2">
-            <a:schemeClr val="accent1">
-              <a:shade val="50000"/>
-            </a:schemeClr>
-          </a:lnRef>
-          <a:fillRef idx="1">
-            <a:schemeClr val="accent1"/>
-          </a:fillRef>
-          <a:effectRef idx="0">
-            <a:schemeClr val="accent1"/>
-          </a:effectRef>
-          <a:fontRef idx="minor"/>
-        </p:style>
-      </p:sp>
-      <p:sp>
-        <p:nvSpPr>
-          <p:cNvPr id="207" name="CustomShape 5"/>
-          <p:cNvSpPr/>
-          <p:nvPr/>
-        </p:nvSpPr>
-        <p:spPr>
-          <a:xfrm>
-            <a:off x="4738320" y="2714760"/>
-            <a:ext cx="1570320" cy="927360"/>
-          </a:xfrm>
-          <a:prstGeom prst="roundRect">
-            <a:avLst>
-              <a:gd name="adj" fmla="val 16667"/>
-            </a:avLst>
-          </a:prstGeom>
-          <a:noFill/>
-          <a:ln w="41400">
-            <a:solidFill>
-              <a:schemeClr val="accent2">
-                <a:lumMod val="75000"/>
-              </a:schemeClr>
-            </a:solidFill>
-            <a:round/>
-          </a:ln>
-        </p:spPr>
-        <p:style>
-          <a:lnRef idx="2">
-            <a:schemeClr val="accent1">
-              <a:shade val="50000"/>
-            </a:schemeClr>
-          </a:lnRef>
-          <a:fillRef idx="1">
-            <a:schemeClr val="accent1"/>
-          </a:fillRef>
-          <a:effectRef idx="0">
-            <a:schemeClr val="accent1"/>
-          </a:effectRef>
-          <a:fontRef idx="minor"/>
-        </p:style>
-        <p:txBody>
-          <a:bodyPr lIns="90000" rIns="90000" tIns="45000" bIns="45000" anchor="ctr">
-            <a:noAutofit/>
-          </a:bodyPr>
-          <a:p>
-            <a:pPr algn="ctr">
-              <a:lnSpc>
-                <a:spcPct val="100000"/>
-              </a:lnSpc>
-            </a:pPr>
-            <a:r>
-              <a:rPr b="0" lang="fr-FR" sz="2400" spc="-1" strike="noStrike">
-                <a:solidFill>
-                  <a:srgbClr val="000000"/>
-                </a:solidFill>
-                <a:latin typeface="Calibri"/>
-                <a:ea typeface="DejaVu Sans"/>
-              </a:rPr>
-              <a:t>Choix</a:t>
-            </a:r>
-            <a:endParaRPr b="0" lang="fr-FR" sz="2400" spc="-1" strike="noStrike">
-              <a:latin typeface="Arial"/>
-            </a:endParaRPr>
-          </a:p>
-          <a:p>
-            <a:pPr algn="ctr">
-              <a:lnSpc>
-                <a:spcPct val="100000"/>
-              </a:lnSpc>
-            </a:pPr>
-            <a:r>
-              <a:rPr b="0" lang="fr-FR" sz="2400" spc="-1" strike="noStrike">
-                <a:solidFill>
-                  <a:srgbClr val="000000"/>
-                </a:solidFill>
-                <a:latin typeface="Calibri"/>
-                <a:ea typeface="DejaVu Sans"/>
-              </a:rPr>
-              <a:t>Equation</a:t>
-            </a:r>
-            <a:endParaRPr b="0" lang="fr-FR" sz="2400" spc="-1" strike="noStrike">
-              <a:latin typeface="Arial"/>
-            </a:endParaRPr>
-          </a:p>
-        </p:txBody>
-      </p:sp>
-      <p:sp>
-        <p:nvSpPr>
-          <p:cNvPr id="208" name="CustomShape 6"/>
-          <p:cNvSpPr/>
-          <p:nvPr/>
-        </p:nvSpPr>
-        <p:spPr>
-          <a:xfrm>
-            <a:off x="8310240" y="2714760"/>
-            <a:ext cx="1570320" cy="927360"/>
-          </a:xfrm>
-          <a:prstGeom prst="roundRect">
-            <a:avLst>
-              <a:gd name="adj" fmla="val 16667"/>
-            </a:avLst>
-          </a:prstGeom>
-          <a:noFill/>
-          <a:ln w="41400">
-            <a:solidFill>
-              <a:schemeClr val="accent2">
-                <a:lumMod val="75000"/>
-              </a:schemeClr>
-            </a:solidFill>
-            <a:round/>
-          </a:ln>
-        </p:spPr>
-        <p:style>
-          <a:lnRef idx="2">
-            <a:schemeClr val="accent1">
-              <a:shade val="50000"/>
-            </a:schemeClr>
-          </a:lnRef>
-          <a:fillRef idx="1">
-            <a:schemeClr val="accent1"/>
-          </a:fillRef>
-          <a:effectRef idx="0">
-            <a:schemeClr val="accent1"/>
-          </a:effectRef>
-          <a:fontRef idx="minor"/>
-        </p:style>
-        <p:txBody>
-          <a:bodyPr lIns="90000" rIns="90000" tIns="45000" bIns="45000" anchor="ctr">
-            <a:noAutofit/>
-          </a:bodyPr>
-          <a:p>
-            <a:pPr algn="ctr">
-              <a:lnSpc>
-                <a:spcPct val="100000"/>
-              </a:lnSpc>
-            </a:pPr>
-            <a:r>
-              <a:rPr b="0" lang="fr-FR" sz="2400" spc="-1" strike="noStrike">
-                <a:solidFill>
-                  <a:srgbClr val="000000"/>
-                </a:solidFill>
-                <a:latin typeface="Calibri"/>
-                <a:ea typeface="DejaVu Sans"/>
-              </a:rPr>
-              <a:t>Nombre</a:t>
-            </a:r>
-            <a:endParaRPr b="0" lang="fr-FR" sz="2400" spc="-1" strike="noStrike">
-              <a:latin typeface="Arial"/>
-            </a:endParaRPr>
-          </a:p>
-          <a:p>
-            <a:pPr algn="ctr">
-              <a:lnSpc>
-                <a:spcPct val="100000"/>
-              </a:lnSpc>
-            </a:pPr>
-            <a:r>
-              <a:rPr b="0" lang="fr-FR" sz="2400" spc="-1" strike="noStrike">
-                <a:solidFill>
-                  <a:srgbClr val="000000"/>
-                </a:solidFill>
-                <a:latin typeface="Calibri"/>
-                <a:ea typeface="DejaVu Sans"/>
-              </a:rPr>
-              <a:t>Zambretti</a:t>
-            </a:r>
-            <a:endParaRPr b="0" lang="fr-FR" sz="2400" spc="-1" strike="noStrike">
-              <a:latin typeface="Arial"/>
-            </a:endParaRPr>
-          </a:p>
-        </p:txBody>
-      </p:sp>
-      <p:sp>
-        <p:nvSpPr>
-          <p:cNvPr id="209" name="CustomShape 7"/>
-          <p:cNvSpPr/>
-          <p:nvPr/>
-        </p:nvSpPr>
-        <p:spPr>
-          <a:xfrm>
-            <a:off x="6453000" y="3071880"/>
-            <a:ext cx="1713240" cy="141480"/>
-          </a:xfrm>
-          <a:prstGeom prst="rightArrow">
-            <a:avLst>
-              <a:gd name="adj1" fmla="val 50000"/>
-              <a:gd name="adj2" fmla="val 50000"/>
-            </a:avLst>
-          </a:prstGeom>
-          <a:ln>
-            <a:round/>
-          </a:ln>
-        </p:spPr>
-        <p:style>
-          <a:lnRef idx="2">
-            <a:schemeClr val="accent1">
-              <a:shade val="50000"/>
-            </a:schemeClr>
-          </a:lnRef>
-          <a:fillRef idx="1">
-            <a:schemeClr val="accent1"/>
-          </a:fillRef>
-          <a:effectRef idx="0">
-            <a:schemeClr val="accent1"/>
-          </a:effectRef>
-          <a:fontRef idx="minor"/>
-        </p:style>
-      </p:sp>
-      <p:sp>
-        <p:nvSpPr>
-          <p:cNvPr id="210" name="CustomShape 8"/>
-          <p:cNvSpPr/>
-          <p:nvPr/>
-        </p:nvSpPr>
-        <p:spPr>
-          <a:xfrm rot="5400000">
-            <a:off x="7204320" y="2750040"/>
-            <a:ext cx="355680" cy="141480"/>
-          </a:xfrm>
-          <a:prstGeom prst="rightArrow">
-            <a:avLst>
-              <a:gd name="adj1" fmla="val 50000"/>
-              <a:gd name="adj2" fmla="val 50000"/>
-            </a:avLst>
-          </a:prstGeom>
-          <a:ln>
-            <a:round/>
-          </a:ln>
-        </p:spPr>
-        <p:style>
-          <a:lnRef idx="2">
-            <a:schemeClr val="accent1">
-              <a:shade val="50000"/>
-            </a:schemeClr>
-          </a:lnRef>
-          <a:fillRef idx="1">
-            <a:schemeClr val="accent1"/>
-          </a:fillRef>
-          <a:effectRef idx="0">
-            <a:schemeClr val="accent1"/>
-          </a:effectRef>
-          <a:fontRef idx="minor"/>
-        </p:style>
-      </p:sp>
-      <p:sp>
-        <p:nvSpPr>
-          <p:cNvPr id="211" name="CustomShape 9"/>
-          <p:cNvSpPr/>
-          <p:nvPr/>
-        </p:nvSpPr>
-        <p:spPr>
-          <a:xfrm>
-            <a:off x="2309400" y="1996920"/>
-            <a:ext cx="1070280" cy="912600"/>
+            <a:off x="2881080" y="1714320"/>
+            <a:ext cx="5927760" cy="2832840"/>
           </a:xfrm>
           <a:prstGeom prst="rect">
             <a:avLst/>
@@ -7497,7 +8282,7 @@
             <a:spAutoFit/>
           </a:bodyPr>
           <a:p>
-            <a:pPr algn="ctr">
+            <a:pPr>
               <a:lnSpc>
                 <a:spcPct val="100000"/>
               </a:lnSpc>
@@ -7510,18 +8295,28 @@
                 <a:latin typeface="Calibri"/>
                 <a:ea typeface="DejaVu Sans"/>
               </a:rPr>
-              <a:t>Echelle: </a:t>
+              <a:t>Remarques sup (optionnel:</a:t>
             </a:r>
             <a:endParaRPr b="0" lang="fr-FR" sz="1800" spc="-1" strike="noStrike">
               <a:latin typeface="Arial"/>
             </a:endParaRPr>
           </a:p>
           <a:p>
-            <a:pPr algn="ctr">
+            <a:pPr>
               <a:lnSpc>
                 <a:spcPct val="100000"/>
               </a:lnSpc>
             </a:pPr>
+            <a:endParaRPr b="0" lang="fr-FR" sz="1800" spc="-1" strike="noStrike">
+              <a:latin typeface="Arial"/>
+            </a:endParaRPr>
+          </a:p>
+          <a:p>
+            <a:pPr>
+              <a:lnSpc>
+                <a:spcPct val="100000"/>
+              </a:lnSpc>
+            </a:pPr>
             <a:r>
               <a:rPr b="0" lang="fr-FR" sz="1800" spc="-1" strike="noStrike">
                 <a:solidFill>
@@ -7530,47 +8325,26 @@
                 <a:latin typeface="Calibri"/>
                 <a:ea typeface="DejaVu Sans"/>
               </a:rPr>
-              <a:t>heure</a:t>
+              <a:t>Intervalles de pression</a:t>
             </a:r>
             <a:endParaRPr b="0" lang="fr-FR" sz="1800" spc="-1" strike="noStrike">
               <a:latin typeface="Arial"/>
             </a:endParaRPr>
           </a:p>
-        </p:txBody>
-      </p:sp>
-      <p:sp>
-        <p:nvSpPr>
-          <p:cNvPr id="212" name="CustomShape 10"/>
-          <p:cNvSpPr/>
-          <p:nvPr/>
-        </p:nvSpPr>
-        <p:spPr>
-          <a:xfrm>
-            <a:off x="4738320" y="1285920"/>
-            <a:ext cx="1498680" cy="1324080"/>
-          </a:xfrm>
-          <a:prstGeom prst="rect">
-            <a:avLst/>
-          </a:prstGeom>
-          <a:noFill/>
-          <a:ln>
-            <a:noFill/>
-          </a:ln>
-        </p:spPr>
-        <p:style>
-          <a:lnRef idx="0"/>
-          <a:fillRef idx="0"/>
-          <a:effectRef idx="0"/>
-          <a:fontRef idx="minor"/>
-        </p:style>
-        <p:txBody>
-          <a:bodyPr lIns="90000" rIns="90000" tIns="45000" bIns="45000">
-            <a:spAutoFit/>
-          </a:bodyPr>
           <a:p>
             <a:pPr>
               <a:lnSpc>
-                <a:spcPct val="150000"/>
+                <a:spcPct val="100000"/>
+              </a:lnSpc>
+            </a:pPr>
+            <a:endParaRPr b="0" lang="fr-FR" sz="1800" spc="-1" strike="noStrike">
+              <a:latin typeface="Arial"/>
+            </a:endParaRPr>
+          </a:p>
+          <a:p>
+            <a:pPr>
+              <a:lnSpc>
+                <a:spcPct val="100000"/>
               </a:lnSpc>
             </a:pPr>
             <a:r>
@@ -7581,7 +8355,7 @@
                 <a:latin typeface="Calibri"/>
                 <a:ea typeface="DejaVu Sans"/>
               </a:rPr>
-              <a:t>1. dP/dt</a:t>
+              <a:t>Transit de l’erreur au travers du code/ accords initiaux en binôme</a:t>
             </a:r>
             <a:endParaRPr b="0" lang="fr-FR" sz="1800" spc="-1" strike="noStrike">
               <a:latin typeface="Arial"/>
@@ -7590,7 +8364,17 @@
           <a:p>
             <a:pPr>
               <a:lnSpc>
-                <a:spcPct val="150000"/>
+                <a:spcPct val="100000"/>
+              </a:lnSpc>
+            </a:pPr>
+            <a:endParaRPr b="0" lang="fr-FR" sz="1800" spc="-1" strike="noStrike">
+              <a:latin typeface="Arial"/>
+            </a:endParaRPr>
+          </a:p>
+          <a:p>
+            <a:pPr>
+              <a:lnSpc>
+                <a:spcPct val="100000"/>
               </a:lnSpc>
             </a:pPr>
             <a:r>
@@ -7601,7 +8385,7 @@
                 <a:latin typeface="Calibri"/>
                 <a:ea typeface="DejaVu Sans"/>
               </a:rPr>
-              <a:t>2. dP/dt</a:t>
+              <a:t>Erreurs (+ ou – une unité de Z)</a:t>
             </a:r>
             <a:endParaRPr b="0" lang="fr-FR" sz="1800" spc="-1" strike="noStrike">
               <a:latin typeface="Arial"/>
@@ -7610,903 +8394,9 @@
           <a:p>
             <a:pPr>
               <a:lnSpc>
-                <a:spcPct val="150000"/>
-              </a:lnSpc>
-            </a:pPr>
-            <a:r>
-              <a:rPr b="0" lang="fr-FR" sz="1800" spc="-1" strike="noStrike">
-                <a:solidFill>
-                  <a:srgbClr val="000000"/>
-                </a:solidFill>
-                <a:latin typeface="Calibri"/>
-                <a:ea typeface="DejaVu Sans"/>
-              </a:rPr>
-              <a:t>3. dP/dt </a:t>
-            </a:r>
-            <a:endParaRPr b="0" lang="fr-FR" sz="1800" spc="-1" strike="noStrike">
-              <a:latin typeface="Arial"/>
-            </a:endParaRPr>
-          </a:p>
-        </p:txBody>
-      </p:sp>
-      <p:sp>
-        <p:nvSpPr>
-          <p:cNvPr id="213" name="CustomShape 11"/>
-          <p:cNvSpPr/>
-          <p:nvPr/>
-        </p:nvSpPr>
-        <p:spPr>
-          <a:xfrm flipH="1" flipV="1" rot="5400000">
-            <a:off x="5625360" y="1397520"/>
-            <a:ext cx="296280" cy="212760"/>
-          </a:xfrm>
-          <a:custGeom>
-            <a:avLst/>
-            <a:gdLst/>
-            <a:ahLst/>
-            <a:rect l="l" t="t" r="r" b="b"/>
-            <a:pathLst>
-              <a:path w="21600" h="21600">
-                <a:moveTo>
-                  <a:pt x="0" y="0"/>
-                </a:moveTo>
-                <a:lnTo>
-                  <a:pt x="21600" y="21600"/>
-                </a:lnTo>
-              </a:path>
-            </a:pathLst>
-          </a:custGeom>
-          <a:noFill/>
-          <a:ln w="25560">
-            <a:solidFill>
-              <a:schemeClr val="tx1"/>
-            </a:solidFill>
-            <a:round/>
-            <a:tailEnd len="med" type="triangle" w="med"/>
-          </a:ln>
-        </p:spPr>
-        <p:style>
-          <a:lnRef idx="1">
-            <a:schemeClr val="accent1"/>
-          </a:lnRef>
-          <a:fillRef idx="0">
-            <a:schemeClr val="accent1"/>
-          </a:fillRef>
-          <a:effectRef idx="0">
-            <a:schemeClr val="accent1"/>
-          </a:effectRef>
-          <a:fontRef idx="minor"/>
-        </p:style>
-      </p:sp>
-      <p:sp>
-        <p:nvSpPr>
-          <p:cNvPr id="214" name="CustomShape 12"/>
-          <p:cNvSpPr/>
-          <p:nvPr/>
-        </p:nvSpPr>
-        <p:spPr>
-          <a:xfrm flipH="1" rot="16200000">
-            <a:off x="5702400" y="2250360"/>
-            <a:ext cx="284400" cy="212760"/>
-          </a:xfrm>
-          <a:custGeom>
-            <a:avLst/>
-            <a:gdLst/>
-            <a:ahLst/>
-            <a:rect l="l" t="t" r="r" b="b"/>
-            <a:pathLst>
-              <a:path w="21600" h="21600">
-                <a:moveTo>
-                  <a:pt x="0" y="0"/>
-                </a:moveTo>
-                <a:lnTo>
-                  <a:pt x="21600" y="21600"/>
-                </a:lnTo>
-              </a:path>
-            </a:pathLst>
-          </a:custGeom>
-          <a:noFill/>
-          <a:ln w="25560">
-            <a:solidFill>
-              <a:schemeClr val="tx1"/>
-            </a:solidFill>
-            <a:round/>
-            <a:tailEnd len="med" type="triangle" w="med"/>
-          </a:ln>
-        </p:spPr>
-        <p:style>
-          <a:lnRef idx="1">
-            <a:schemeClr val="accent1"/>
-          </a:lnRef>
-          <a:fillRef idx="0">
-            <a:schemeClr val="accent1"/>
-          </a:fillRef>
-          <a:effectRef idx="0">
-            <a:schemeClr val="accent1"/>
-          </a:effectRef>
-          <a:fontRef idx="minor"/>
-        </p:style>
-      </p:sp>
-      <p:sp>
-        <p:nvSpPr>
-          <p:cNvPr id="215" name="CustomShape 13"/>
-          <p:cNvSpPr/>
-          <p:nvPr/>
-        </p:nvSpPr>
-        <p:spPr>
-          <a:xfrm flipV="1">
-            <a:off x="5667120" y="1998720"/>
-            <a:ext cx="355680" cy="10800"/>
-          </a:xfrm>
-          <a:custGeom>
-            <a:avLst/>
-            <a:gdLst/>
-            <a:ahLst/>
-            <a:rect l="l" t="t" r="r" b="b"/>
-            <a:pathLst>
-              <a:path w="21600" h="21600">
-                <a:moveTo>
-                  <a:pt x="0" y="0"/>
-                </a:moveTo>
-                <a:lnTo>
-                  <a:pt x="21600" y="21600"/>
-                </a:lnTo>
-              </a:path>
-            </a:pathLst>
-          </a:custGeom>
-          <a:noFill/>
-          <a:ln w="25560">
-            <a:solidFill>
-              <a:schemeClr val="tx1"/>
-            </a:solidFill>
-            <a:round/>
-            <a:tailEnd len="med" type="triangle" w="med"/>
-          </a:ln>
-        </p:spPr>
-        <p:style>
-          <a:lnRef idx="1">
-            <a:schemeClr val="accent1"/>
-          </a:lnRef>
-          <a:fillRef idx="0">
-            <a:schemeClr val="accent1"/>
-          </a:fillRef>
-          <a:effectRef idx="0">
-            <a:schemeClr val="accent1"/>
-          </a:effectRef>
-          <a:fontRef idx="minor"/>
-        </p:style>
-      </p:sp>
-      <p:sp>
-        <p:nvSpPr>
-          <p:cNvPr id="216" name="CustomShape 14"/>
-          <p:cNvSpPr/>
-          <p:nvPr/>
-        </p:nvSpPr>
-        <p:spPr>
-          <a:xfrm>
-            <a:off x="6667200" y="1071720"/>
-            <a:ext cx="1427400" cy="638280"/>
-          </a:xfrm>
-          <a:prstGeom prst="rect">
-            <a:avLst/>
-          </a:prstGeom>
-          <a:noFill/>
-          <a:ln>
-            <a:noFill/>
-          </a:ln>
-        </p:spPr>
-        <p:style>
-          <a:lnRef idx="0"/>
-          <a:fillRef idx="0"/>
-          <a:effectRef idx="0"/>
-          <a:fontRef idx="minor"/>
-        </p:style>
-        <p:txBody>
-          <a:bodyPr lIns="90000" rIns="90000" tIns="45000" bIns="45000">
-            <a:spAutoFit/>
-          </a:bodyPr>
-          <a:p>
-            <a:pPr algn="ctr">
-              <a:lnSpc>
                 <a:spcPct val="100000"/>
               </a:lnSpc>
             </a:pPr>
-            <a:r>
-              <a:rPr b="0" lang="fr-FR" sz="1800" spc="-1" strike="noStrike">
-                <a:solidFill>
-                  <a:srgbClr val="000000"/>
-                </a:solidFill>
-                <a:latin typeface="Calibri"/>
-                <a:ea typeface="DejaVu Sans"/>
-              </a:rPr>
-              <a:t>Moyenne:</a:t>
-            </a:r>
-            <a:endParaRPr b="0" lang="fr-FR" sz="1800" spc="-1" strike="noStrike">
-              <a:latin typeface="Arial"/>
-            </a:endParaRPr>
-          </a:p>
-          <a:p>
-            <a:pPr algn="ctr">
-              <a:lnSpc>
-                <a:spcPct val="100000"/>
-              </a:lnSpc>
-            </a:pPr>
-            <a:r>
-              <a:rPr b="0" lang="fr-FR" sz="1800" spc="-1" strike="noStrike">
-                <a:solidFill>
-                  <a:srgbClr val="000000"/>
-                </a:solidFill>
-                <a:latin typeface="Calibri"/>
-                <a:ea typeface="DejaVu Sans"/>
-              </a:rPr>
-              <a:t>10 s</a:t>
-            </a:r>
-            <a:endParaRPr b="0" lang="fr-FR" sz="1800" spc="-1" strike="noStrike">
-              <a:latin typeface="Arial"/>
-            </a:endParaRPr>
-          </a:p>
-        </p:txBody>
-      </p:sp>
-      <p:sp>
-        <p:nvSpPr>
-          <p:cNvPr id="217" name="CustomShape 15"/>
-          <p:cNvSpPr/>
-          <p:nvPr/>
-        </p:nvSpPr>
-        <p:spPr>
-          <a:xfrm>
-            <a:off x="1880640" y="3929040"/>
-            <a:ext cx="1998720" cy="3381480"/>
-          </a:xfrm>
-          <a:prstGeom prst="rect">
-            <a:avLst/>
-          </a:prstGeom>
-          <a:noFill/>
-          <a:ln>
-            <a:noFill/>
-          </a:ln>
-        </p:spPr>
-        <p:style>
-          <a:lnRef idx="0"/>
-          <a:fillRef idx="0"/>
-          <a:effectRef idx="0"/>
-          <a:fontRef idx="minor"/>
-        </p:style>
-        <p:txBody>
-          <a:bodyPr lIns="90000" rIns="90000" tIns="45000" bIns="45000">
-            <a:spAutoFit/>
-          </a:bodyPr>
-          <a:p>
-            <a:pPr>
-              <a:lnSpc>
-                <a:spcPct val="100000"/>
-              </a:lnSpc>
-            </a:pPr>
-            <a:r>
-              <a:rPr b="0" lang="fr-FR" sz="1800" spc="-1" strike="noStrike">
-                <a:solidFill>
-                  <a:srgbClr val="000000"/>
-                </a:solidFill>
-                <a:latin typeface="Calibri"/>
-                <a:ea typeface="DejaVu Sans"/>
-              </a:rPr>
-              <a:t>Historisation:</a:t>
-            </a:r>
-            <a:endParaRPr b="0" lang="fr-FR" sz="1800" spc="-1" strike="noStrike">
-              <a:latin typeface="Arial"/>
-            </a:endParaRPr>
-          </a:p>
-          <a:p>
-            <a:pPr marL="216000" indent="-214920">
-              <a:lnSpc>
-                <a:spcPct val="100000"/>
-              </a:lnSpc>
-              <a:buClr>
-                <a:srgbClr val="000000"/>
-              </a:buClr>
-              <a:buFont typeface="Arial"/>
-              <a:buChar char="•"/>
-            </a:pPr>
-            <a:r>
-              <a:rPr b="0" lang="fr-FR" sz="1800" spc="-1" strike="noStrike">
-                <a:solidFill>
-                  <a:srgbClr val="000000"/>
-                </a:solidFill>
-                <a:latin typeface="Calibri"/>
-                <a:ea typeface="DejaVu Sans"/>
-              </a:rPr>
-              <a:t> </a:t>
-            </a:r>
-            <a:r>
-              <a:rPr b="0" lang="fr-FR" sz="1800" spc="-1" strike="noStrike">
-                <a:solidFill>
-                  <a:srgbClr val="000000"/>
-                </a:solidFill>
-                <a:latin typeface="Calibri"/>
-                <a:ea typeface="DejaVu Sans"/>
-              </a:rPr>
-              <a:t>Phase 1: une tendance / heure</a:t>
-            </a:r>
-            <a:endParaRPr b="0" lang="fr-FR" sz="1800" spc="-1" strike="noStrike">
-              <a:latin typeface="Arial"/>
-            </a:endParaRPr>
-          </a:p>
-          <a:p>
-            <a:pPr marL="216000" indent="-214920">
-              <a:lnSpc>
-                <a:spcPct val="100000"/>
-              </a:lnSpc>
-              <a:buClr>
-                <a:srgbClr val="000000"/>
-              </a:buClr>
-              <a:buFont typeface="Arial"/>
-              <a:buChar char="•"/>
-            </a:pPr>
-            <a:r>
-              <a:rPr b="0" lang="fr-FR" sz="1800" spc="-1" strike="noStrike">
-                <a:solidFill>
-                  <a:srgbClr val="000000"/>
-                </a:solidFill>
-                <a:latin typeface="Calibri"/>
-                <a:ea typeface="DejaVu Sans"/>
-              </a:rPr>
-              <a:t> </a:t>
-            </a:r>
-            <a:r>
-              <a:rPr b="0" lang="fr-FR" sz="1800" spc="-1" strike="noStrike">
-                <a:solidFill>
-                  <a:srgbClr val="000000"/>
-                </a:solidFill>
-                <a:latin typeface="Calibri"/>
-                <a:ea typeface="DejaVu Sans"/>
-              </a:rPr>
-              <a:t>Phase 2: une tendance / minute</a:t>
-            </a:r>
-            <a:endParaRPr b="0" lang="fr-FR" sz="1800" spc="-1" strike="noStrike">
-              <a:latin typeface="Arial"/>
-            </a:endParaRPr>
-          </a:p>
-          <a:p>
-            <a:pPr>
-              <a:lnSpc>
-                <a:spcPct val="100000"/>
-              </a:lnSpc>
-            </a:pPr>
-            <a:endParaRPr b="0" lang="fr-FR" sz="1800" spc="-1" strike="noStrike">
-              <a:latin typeface="Arial"/>
-            </a:endParaRPr>
-          </a:p>
-          <a:p>
-            <a:pPr marL="216000" indent="-214920">
-              <a:lnSpc>
-                <a:spcPct val="100000"/>
-              </a:lnSpc>
-              <a:buClr>
-                <a:srgbClr val="000000"/>
-              </a:buClr>
-              <a:buFont typeface="Arial"/>
-              <a:buChar char="•"/>
-            </a:pPr>
-            <a:r>
-              <a:rPr b="0" lang="fr-FR" sz="1800" spc="-1" strike="noStrike">
-                <a:solidFill>
-                  <a:srgbClr val="000000"/>
-                </a:solidFill>
-                <a:latin typeface="Calibri"/>
-                <a:ea typeface="DejaVu Sans"/>
-              </a:rPr>
-              <a:t>Phase essai: une tendance / 10 min</a:t>
-            </a:r>
-            <a:endParaRPr b="0" lang="fr-FR" sz="1800" spc="-1" strike="noStrike">
-              <a:latin typeface="Arial"/>
-            </a:endParaRPr>
-          </a:p>
-          <a:p>
-            <a:pPr>
-              <a:lnSpc>
-                <a:spcPct val="100000"/>
-              </a:lnSpc>
-            </a:pPr>
-            <a:endParaRPr b="0" lang="fr-FR" sz="1800" spc="-1" strike="noStrike">
-              <a:latin typeface="Arial"/>
-            </a:endParaRPr>
-          </a:p>
-        </p:txBody>
-      </p:sp>
-      <p:sp>
-        <p:nvSpPr>
-          <p:cNvPr id="218" name="CustomShape 16"/>
-          <p:cNvSpPr/>
-          <p:nvPr/>
-        </p:nvSpPr>
-        <p:spPr>
-          <a:xfrm>
-            <a:off x="4452480" y="3929040"/>
-            <a:ext cx="2641680" cy="2147040"/>
-          </a:xfrm>
-          <a:prstGeom prst="rect">
-            <a:avLst/>
-          </a:prstGeom>
-          <a:noFill/>
-          <a:ln>
-            <a:noFill/>
-          </a:ln>
-        </p:spPr>
-        <p:style>
-          <a:lnRef idx="0"/>
-          <a:fillRef idx="0"/>
-          <a:effectRef idx="0"/>
-          <a:fontRef idx="minor"/>
-        </p:style>
-        <p:txBody>
-          <a:bodyPr lIns="90000" rIns="90000" tIns="45000" bIns="45000">
-            <a:spAutoFit/>
-          </a:bodyPr>
-          <a:p>
-            <a:pPr>
-              <a:lnSpc>
-                <a:spcPct val="100000"/>
-              </a:lnSpc>
-            </a:pPr>
-            <a:r>
-              <a:rPr b="0" lang="fr-FR" sz="1800" spc="-1" strike="noStrike">
-                <a:solidFill>
-                  <a:srgbClr val="000000"/>
-                </a:solidFill>
-                <a:latin typeface="Calibri"/>
-                <a:ea typeface="DejaVu Sans"/>
-              </a:rPr>
-              <a:t>Linéarisation</a:t>
-            </a:r>
-            <a:endParaRPr b="0" lang="fr-FR" sz="1800" spc="-1" strike="noStrike">
-              <a:latin typeface="Arial"/>
-            </a:endParaRPr>
-          </a:p>
-          <a:p>
-            <a:pPr marL="216000" indent="-214920">
-              <a:lnSpc>
-                <a:spcPct val="150000"/>
-              </a:lnSpc>
-              <a:buClr>
-                <a:srgbClr val="000000"/>
-              </a:buClr>
-              <a:buFont typeface="Arial"/>
-              <a:buChar char="•"/>
-            </a:pPr>
-            <a:r>
-              <a:rPr b="0" lang="fr-FR" sz="1800" spc="-1" strike="noStrike">
-                <a:solidFill>
-                  <a:srgbClr val="000000"/>
-                </a:solidFill>
-                <a:latin typeface="Calibri"/>
-                <a:ea typeface="DejaVu Sans"/>
-              </a:rPr>
-              <a:t> </a:t>
-            </a:r>
-            <a:r>
-              <a:rPr b="0" lang="fr-FR" sz="1800" spc="-1" strike="noStrike">
-                <a:solidFill>
-                  <a:srgbClr val="000000"/>
-                </a:solidFill>
-                <a:latin typeface="Calibri"/>
-                <a:ea typeface="DejaVu Sans"/>
-              </a:rPr>
-              <a:t>Z = 179-2P/129</a:t>
-            </a:r>
-            <a:endParaRPr b="0" lang="fr-FR" sz="1800" spc="-1" strike="noStrike">
-              <a:latin typeface="Arial"/>
-            </a:endParaRPr>
-          </a:p>
-          <a:p>
-            <a:pPr marL="216000" indent="-214920">
-              <a:lnSpc>
-                <a:spcPct val="150000"/>
-              </a:lnSpc>
-              <a:buClr>
-                <a:srgbClr val="000000"/>
-              </a:buClr>
-              <a:buFont typeface="Arial"/>
-              <a:buChar char="•"/>
-            </a:pPr>
-            <a:r>
-              <a:rPr b="0" lang="fr-FR" sz="1800" spc="-1" strike="noStrike">
-                <a:solidFill>
-                  <a:srgbClr val="000000"/>
-                </a:solidFill>
-                <a:latin typeface="Calibri"/>
-                <a:ea typeface="DejaVu Sans"/>
-              </a:rPr>
-              <a:t> </a:t>
-            </a:r>
-            <a:r>
-              <a:rPr b="0" lang="fr-FR" sz="1800" spc="-1" strike="noStrike">
-                <a:solidFill>
-                  <a:srgbClr val="000000"/>
-                </a:solidFill>
-                <a:latin typeface="Calibri"/>
-                <a:ea typeface="DejaVu Sans"/>
-              </a:rPr>
-              <a:t>Z = 147 -5P/376</a:t>
-            </a:r>
-            <a:endParaRPr b="0" lang="fr-FR" sz="1800" spc="-1" strike="noStrike">
-              <a:latin typeface="Arial"/>
-            </a:endParaRPr>
-          </a:p>
-          <a:p>
-            <a:pPr marL="216000" indent="-214920">
-              <a:lnSpc>
-                <a:spcPct val="150000"/>
-              </a:lnSpc>
-              <a:buClr>
-                <a:srgbClr val="000000"/>
-              </a:buClr>
-              <a:buFont typeface="Arial"/>
-              <a:buChar char="•"/>
-            </a:pPr>
-            <a:r>
-              <a:rPr b="0" lang="fr-FR" sz="1800" spc="-1" strike="noStrike">
-                <a:solidFill>
-                  <a:srgbClr val="000000"/>
-                </a:solidFill>
-                <a:latin typeface="Calibri"/>
-                <a:ea typeface="DejaVu Sans"/>
-              </a:rPr>
-              <a:t> </a:t>
-            </a:r>
-            <a:r>
-              <a:rPr b="0" lang="fr-FR" sz="1800" spc="-1" strike="noStrike">
-                <a:solidFill>
-                  <a:srgbClr val="000000"/>
-                </a:solidFill>
-                <a:latin typeface="Calibri"/>
-                <a:ea typeface="DejaVu Sans"/>
-              </a:rPr>
-              <a:t>Z = 130-P/81</a:t>
-            </a:r>
-            <a:endParaRPr b="0" lang="fr-FR" sz="1800" spc="-1" strike="noStrike">
-              <a:latin typeface="Arial"/>
-            </a:endParaRPr>
-          </a:p>
-          <a:p>
-            <a:pPr>
-              <a:lnSpc>
-                <a:spcPct val="100000"/>
-              </a:lnSpc>
-            </a:pPr>
-            <a:endParaRPr b="0" lang="fr-FR" sz="1800" spc="-1" strike="noStrike">
-              <a:latin typeface="Arial"/>
-            </a:endParaRPr>
-          </a:p>
-          <a:p>
-            <a:pPr>
-              <a:lnSpc>
-                <a:spcPct val="100000"/>
-              </a:lnSpc>
-            </a:pPr>
-            <a:endParaRPr b="0" lang="fr-FR" sz="1800" spc="-1" strike="noStrike">
-              <a:latin typeface="Arial"/>
-            </a:endParaRPr>
-          </a:p>
-        </p:txBody>
-      </p:sp>
-      <p:sp>
-        <p:nvSpPr>
-          <p:cNvPr id="219" name="CustomShape 17"/>
-          <p:cNvSpPr/>
-          <p:nvPr/>
-        </p:nvSpPr>
-        <p:spPr>
-          <a:xfrm flipH="1" flipV="1" rot="5400000">
-            <a:off x="6125400" y="4326480"/>
-            <a:ext cx="296280" cy="212760"/>
-          </a:xfrm>
-          <a:custGeom>
-            <a:avLst/>
-            <a:gdLst/>
-            <a:ahLst/>
-            <a:rect l="l" t="t" r="r" b="b"/>
-            <a:pathLst>
-              <a:path w="21600" h="21600">
-                <a:moveTo>
-                  <a:pt x="0" y="0"/>
-                </a:moveTo>
-                <a:lnTo>
-                  <a:pt x="21600" y="21600"/>
-                </a:lnTo>
-              </a:path>
-            </a:pathLst>
-          </a:custGeom>
-          <a:noFill/>
-          <a:ln w="25560">
-            <a:solidFill>
-              <a:schemeClr val="tx1"/>
-            </a:solidFill>
-            <a:round/>
-            <a:tailEnd len="med" type="triangle" w="med"/>
-          </a:ln>
-        </p:spPr>
-        <p:style>
-          <a:lnRef idx="1">
-            <a:schemeClr val="accent1"/>
-          </a:lnRef>
-          <a:fillRef idx="0">
-            <a:schemeClr val="accent1"/>
-          </a:fillRef>
-          <a:effectRef idx="0">
-            <a:schemeClr val="accent1"/>
-          </a:effectRef>
-          <a:fontRef idx="minor"/>
-        </p:style>
-      </p:sp>
-      <p:sp>
-        <p:nvSpPr>
-          <p:cNvPr id="220" name="CustomShape 18"/>
-          <p:cNvSpPr/>
-          <p:nvPr/>
-        </p:nvSpPr>
-        <p:spPr>
-          <a:xfrm flipH="1" rot="16200000">
-            <a:off x="5988240" y="5179320"/>
-            <a:ext cx="284400" cy="212760"/>
-          </a:xfrm>
-          <a:custGeom>
-            <a:avLst/>
-            <a:gdLst/>
-            <a:ahLst/>
-            <a:rect l="l" t="t" r="r" b="b"/>
-            <a:pathLst>
-              <a:path w="21600" h="21600">
-                <a:moveTo>
-                  <a:pt x="0" y="0"/>
-                </a:moveTo>
-                <a:lnTo>
-                  <a:pt x="21600" y="21600"/>
-                </a:lnTo>
-              </a:path>
-            </a:pathLst>
-          </a:custGeom>
-          <a:noFill/>
-          <a:ln w="25560">
-            <a:solidFill>
-              <a:schemeClr val="tx1"/>
-            </a:solidFill>
-            <a:round/>
-            <a:tailEnd len="med" type="triangle" w="med"/>
-          </a:ln>
-        </p:spPr>
-        <p:style>
-          <a:lnRef idx="1">
-            <a:schemeClr val="accent1"/>
-          </a:lnRef>
-          <a:fillRef idx="0">
-            <a:schemeClr val="accent1"/>
-          </a:fillRef>
-          <a:effectRef idx="0">
-            <a:schemeClr val="accent1"/>
-          </a:effectRef>
-          <a:fontRef idx="minor"/>
-        </p:style>
-      </p:sp>
-      <p:sp>
-        <p:nvSpPr>
-          <p:cNvPr id="221" name="CustomShape 19"/>
-          <p:cNvSpPr/>
-          <p:nvPr/>
-        </p:nvSpPr>
-        <p:spPr>
-          <a:xfrm flipV="1">
-            <a:off x="6167160" y="4856400"/>
-            <a:ext cx="355680" cy="10800"/>
-          </a:xfrm>
-          <a:custGeom>
-            <a:avLst/>
-            <a:gdLst/>
-            <a:ahLst/>
-            <a:rect l="l" t="t" r="r" b="b"/>
-            <a:pathLst>
-              <a:path w="21600" h="21600">
-                <a:moveTo>
-                  <a:pt x="0" y="0"/>
-                </a:moveTo>
-                <a:lnTo>
-                  <a:pt x="21600" y="21600"/>
-                </a:lnTo>
-              </a:path>
-            </a:pathLst>
-          </a:custGeom>
-          <a:noFill/>
-          <a:ln w="25560">
-            <a:solidFill>
-              <a:schemeClr val="tx1"/>
-            </a:solidFill>
-            <a:round/>
-            <a:tailEnd len="med" type="triangle" w="med"/>
-          </a:ln>
-        </p:spPr>
-        <p:style>
-          <a:lnRef idx="1">
-            <a:schemeClr val="accent1"/>
-          </a:lnRef>
-          <a:fillRef idx="0">
-            <a:schemeClr val="accent1"/>
-          </a:fillRef>
-          <a:effectRef idx="0">
-            <a:schemeClr val="accent1"/>
-          </a:effectRef>
-          <a:fontRef idx="minor"/>
-        </p:style>
-      </p:sp>
-      <p:sp>
-        <p:nvSpPr>
-          <p:cNvPr id="222" name="CustomShape 20"/>
-          <p:cNvSpPr/>
-          <p:nvPr/>
-        </p:nvSpPr>
-        <p:spPr>
-          <a:xfrm>
-            <a:off x="8953200" y="3714840"/>
-            <a:ext cx="212760" cy="498600"/>
-          </a:xfrm>
-          <a:prstGeom prst="downArrow">
-            <a:avLst>
-              <a:gd name="adj1" fmla="val 50000"/>
-              <a:gd name="adj2" fmla="val 50000"/>
-            </a:avLst>
-          </a:prstGeom>
-          <a:ln>
-            <a:round/>
-          </a:ln>
-        </p:spPr>
-        <p:style>
-          <a:lnRef idx="2">
-            <a:schemeClr val="accent1">
-              <a:shade val="50000"/>
-            </a:schemeClr>
-          </a:lnRef>
-          <a:fillRef idx="1">
-            <a:schemeClr val="accent1"/>
-          </a:fillRef>
-          <a:effectRef idx="0">
-            <a:schemeClr val="accent1"/>
-          </a:effectRef>
-          <a:fontRef idx="minor"/>
-        </p:style>
-      </p:sp>
-      <p:sp>
-        <p:nvSpPr>
-          <p:cNvPr id="223" name="CustomShape 21"/>
-          <p:cNvSpPr/>
-          <p:nvPr/>
-        </p:nvSpPr>
-        <p:spPr>
-          <a:xfrm>
-            <a:off x="7453080" y="4357800"/>
-            <a:ext cx="2998800" cy="1735560"/>
-          </a:xfrm>
-          <a:prstGeom prst="rect">
-            <a:avLst/>
-          </a:prstGeom>
-          <a:noFill/>
-          <a:ln>
-            <a:noFill/>
-          </a:ln>
-        </p:spPr>
-        <p:style>
-          <a:lnRef idx="0"/>
-          <a:fillRef idx="0"/>
-          <a:effectRef idx="0"/>
-          <a:fontRef idx="minor"/>
-        </p:style>
-        <p:txBody>
-          <a:bodyPr lIns="90000" rIns="90000" tIns="45000" bIns="45000">
-            <a:spAutoFit/>
-          </a:bodyPr>
-          <a:p>
-            <a:pPr>
-              <a:lnSpc>
-                <a:spcPct val="100000"/>
-              </a:lnSpc>
-            </a:pPr>
-            <a:r>
-              <a:rPr b="0" lang="fr-FR" sz="1800" spc="-1" strike="noStrike">
-                <a:solidFill>
-                  <a:srgbClr val="000000"/>
-                </a:solidFill>
-                <a:latin typeface="Calibri"/>
-                <a:ea typeface="DejaVu Sans"/>
-              </a:rPr>
-              <a:t>1 : Settled Fine</a:t>
-            </a:r>
-            <a:r>
-              <a:rPr b="0" lang="fr-FR" sz="1800" spc="-1" strike="noStrike">
-                <a:solidFill>
-                  <a:srgbClr val="000000"/>
-                </a:solidFill>
-                <a:latin typeface="Calibri"/>
-                <a:ea typeface="DejaVu Sans"/>
-              </a:rPr>
-              <a:t>	</a:t>
-            </a:r>
-            <a:endParaRPr b="0" lang="fr-FR" sz="1800" spc="-1" strike="noStrike">
-              <a:latin typeface="Arial"/>
-            </a:endParaRPr>
-          </a:p>
-          <a:p>
-            <a:pPr>
-              <a:lnSpc>
-                <a:spcPct val="100000"/>
-              </a:lnSpc>
-            </a:pPr>
-            <a:r>
-              <a:rPr b="0" lang="fr-FR" sz="1800" spc="-1" strike="noStrike">
-                <a:solidFill>
-                  <a:srgbClr val="000000"/>
-                </a:solidFill>
-                <a:latin typeface="Calibri"/>
-                <a:ea typeface="DejaVu Sans"/>
-              </a:rPr>
-              <a:t>2 : Fine Weather</a:t>
-            </a:r>
-            <a:r>
-              <a:rPr b="0" lang="fr-FR" sz="1800" spc="-1" strike="noStrike">
-                <a:solidFill>
-                  <a:srgbClr val="000000"/>
-                </a:solidFill>
-                <a:latin typeface="Calibri"/>
-                <a:ea typeface="DejaVu Sans"/>
-              </a:rPr>
-              <a:t>	</a:t>
-            </a:r>
-            <a:endParaRPr b="0" lang="fr-FR" sz="1800" spc="-1" strike="noStrike">
-              <a:latin typeface="Arial"/>
-            </a:endParaRPr>
-          </a:p>
-          <a:p>
-            <a:pPr>
-              <a:lnSpc>
-                <a:spcPct val="100000"/>
-              </a:lnSpc>
-            </a:pPr>
-            <a:r>
-              <a:rPr b="0" lang="fr-FR" sz="1800" spc="-1" strike="noStrike">
-                <a:solidFill>
-                  <a:srgbClr val="000000"/>
-                </a:solidFill>
-                <a:latin typeface="Calibri"/>
-                <a:ea typeface="DejaVu Sans"/>
-              </a:rPr>
-              <a:t>3 : Fine Becoming  les settled</a:t>
-            </a:r>
-            <a:endParaRPr b="0" lang="fr-FR" sz="1800" spc="-1" strike="noStrike">
-              <a:latin typeface="Arial"/>
-            </a:endParaRPr>
-          </a:p>
-          <a:p>
-            <a:pPr>
-              <a:lnSpc>
-                <a:spcPct val="100000"/>
-              </a:lnSpc>
-            </a:pPr>
-            <a:r>
-              <a:rPr b="0" lang="fr-FR" sz="1800" spc="-1" strike="noStrike">
-                <a:solidFill>
-                  <a:srgbClr val="000000"/>
-                </a:solidFill>
-                <a:latin typeface="Calibri"/>
-                <a:ea typeface="DejaVu Sans"/>
-              </a:rPr>
-              <a:t>…</a:t>
-            </a:r>
-            <a:r>
-              <a:rPr b="0" lang="fr-FR" sz="1800" spc="-1" strike="noStrike">
-                <a:solidFill>
-                  <a:srgbClr val="000000"/>
-                </a:solidFill>
-                <a:latin typeface="Calibri"/>
-                <a:ea typeface="DejaVu Sans"/>
-              </a:rPr>
-              <a:t>	</a:t>
-            </a:r>
             <a:endParaRPr b="0" lang="fr-FR" sz="1800" spc="-1" strike="noStrike">
               <a:latin typeface="Arial"/>
             </a:endParaRPr>
@@ -8582,7 +8472,7 @@
       </p:grpSpPr>
       <p:sp>
         <p:nvSpPr>
-          <p:cNvPr id="224" name="CustomShape 1"/>
+          <p:cNvPr id="212" name="CustomShape 1"/>
           <p:cNvSpPr/>
           <p:nvPr/>
         </p:nvSpPr>
@@ -8607,7 +8497,7 @@
         </p:style>
         <p:txBody>
           <a:bodyPr lIns="90000" rIns="90000" tIns="45000" bIns="45000" anchor="ctr">
-            <a:normAutofit fontScale="35000"/>
+            <a:normAutofit/>
           </a:bodyPr>
           <a:p>
             <a:pPr>
@@ -8623,7 +8513,7 @@
                 <a:latin typeface="Calibri Light"/>
                 <a:ea typeface="DejaVu Sans"/>
               </a:rPr>
-              <a:t>Algorithme de Zambretti implémenté</a:t>
+              <a:t>Etat du travail:</a:t>
             </a:r>
             <a:endParaRPr b="0" lang="fr-FR" sz="4000" spc="-1" strike="noStrike">
               <a:latin typeface="Arial"/>
@@ -8633,14 +8523,14 @@
       </p:sp>
       <p:sp>
         <p:nvSpPr>
-          <p:cNvPr id="225" name="CustomShape 2"/>
+          <p:cNvPr id="213" name="CustomShape 2"/>
           <p:cNvSpPr/>
           <p:nvPr/>
         </p:nvSpPr>
         <p:spPr>
           <a:xfrm>
-            <a:off x="2881080" y="1714320"/>
-            <a:ext cx="5927760" cy="2832840"/>
+            <a:off x="2381040" y="1571760"/>
+            <a:ext cx="6999480" cy="5164560"/>
           </a:xfrm>
           <a:prstGeom prst="rect">
             <a:avLst/>
@@ -8663,19 +8553,224 @@
           <a:p>
             <a:pPr>
               <a:lnSpc>
+                <a:spcPct val="150000"/>
+              </a:lnSpc>
+            </a:pPr>
+            <a:r>
+              <a:rPr b="1" lang="fr-FR" sz="1800" spc="-1" strike="noStrike">
+                <a:solidFill>
+                  <a:srgbClr val="000000"/>
+                </a:solidFill>
+                <a:latin typeface="Calibri"/>
+                <a:ea typeface="DejaVu Sans"/>
+              </a:rPr>
+              <a:t>Travail effectué: </a:t>
+            </a:r>
+            <a:endParaRPr b="0" lang="fr-FR" sz="1800" spc="-1" strike="noStrike">
+              <a:latin typeface="Arial"/>
+            </a:endParaRPr>
+          </a:p>
+          <a:p>
+            <a:pPr marL="216000" indent="-214920">
+              <a:lnSpc>
+                <a:spcPct val="150000"/>
+              </a:lnSpc>
+              <a:buClr>
+                <a:srgbClr val="000000"/>
+              </a:buClr>
+              <a:buFont typeface="Arial"/>
+              <a:buChar char="•"/>
+            </a:pPr>
+            <a:r>
+              <a:rPr b="0" lang="fr-FR" sz="1800" spc="-1" strike="noStrike">
+                <a:solidFill>
+                  <a:srgbClr val="000000"/>
+                </a:solidFill>
+                <a:latin typeface="Calibri"/>
+                <a:ea typeface="DejaVu Sans"/>
+              </a:rPr>
+              <a:t>Algorithme de Zambretti codé</a:t>
+            </a:r>
+            <a:endParaRPr b="0" lang="fr-FR" sz="1800" spc="-1" strike="noStrike">
+              <a:latin typeface="Arial"/>
+            </a:endParaRPr>
+          </a:p>
+          <a:p>
+            <a:pPr marL="216000" indent="-214920">
+              <a:lnSpc>
+                <a:spcPct val="150000"/>
+              </a:lnSpc>
+              <a:buClr>
+                <a:srgbClr val="000000"/>
+              </a:buClr>
+              <a:buFont typeface="Arial"/>
+              <a:buChar char="•"/>
+            </a:pPr>
+            <a:r>
+              <a:rPr b="0" lang="fr-FR" sz="1800" spc="-1" strike="noStrike">
+                <a:solidFill>
+                  <a:srgbClr val="000000"/>
+                </a:solidFill>
+                <a:latin typeface="Calibri"/>
+                <a:ea typeface="DejaVu Sans"/>
+              </a:rPr>
+              <a:t> </a:t>
+            </a:r>
+            <a:r>
+              <a:rPr b="0" lang="fr-FR" sz="1800" spc="-1" strike="noStrike">
+                <a:solidFill>
+                  <a:srgbClr val="000000"/>
+                </a:solidFill>
+                <a:latin typeface="Calibri"/>
+                <a:ea typeface="DejaVu Sans"/>
+              </a:rPr>
+              <a:t>Interface utilisateur réalisée</a:t>
+            </a:r>
+            <a:endParaRPr b="0" lang="fr-FR" sz="1800" spc="-1" strike="noStrike">
+              <a:latin typeface="Arial"/>
+            </a:endParaRPr>
+          </a:p>
+          <a:p>
+            <a:pPr>
+              <a:lnSpc>
+                <a:spcPct val="150000"/>
+              </a:lnSpc>
+            </a:pPr>
+            <a:endParaRPr b="0" lang="fr-FR" sz="1800" spc="-1" strike="noStrike">
+              <a:latin typeface="Arial"/>
+            </a:endParaRPr>
+          </a:p>
+          <a:p>
+            <a:pPr>
+              <a:lnSpc>
+                <a:spcPct val="150000"/>
+              </a:lnSpc>
+            </a:pPr>
+            <a:r>
+              <a:rPr b="1" lang="fr-FR" sz="1800" spc="-1" strike="noStrike">
+                <a:solidFill>
+                  <a:srgbClr val="000000"/>
+                </a:solidFill>
+                <a:latin typeface="Calibri"/>
+                <a:ea typeface="DejaVu Sans"/>
+              </a:rPr>
+              <a:t>Prochaines étapes:</a:t>
+            </a:r>
+            <a:endParaRPr b="0" lang="fr-FR" sz="1800" spc="-1" strike="noStrike">
+              <a:latin typeface="Arial"/>
+            </a:endParaRPr>
+          </a:p>
+          <a:p>
+            <a:pPr marL="216000" indent="-214920">
+              <a:lnSpc>
+                <a:spcPct val="150000"/>
+              </a:lnSpc>
+              <a:buClr>
+                <a:srgbClr val="000000"/>
+              </a:buClr>
+              <a:buFont typeface="Arial"/>
+              <a:buChar char="•"/>
+            </a:pPr>
+            <a:r>
+              <a:rPr b="0" lang="fr-FR" sz="1800" spc="-1" strike="noStrike">
+                <a:solidFill>
+                  <a:srgbClr val="000000"/>
+                </a:solidFill>
+                <a:latin typeface="Calibri"/>
+                <a:ea typeface="DejaVu Sans"/>
+              </a:rPr>
+              <a:t> </a:t>
+            </a:r>
+            <a:r>
+              <a:rPr b="0" lang="fr-FR" sz="1800" spc="-1" strike="noStrike">
+                <a:solidFill>
+                  <a:srgbClr val="000000"/>
+                </a:solidFill>
+                <a:latin typeface="Calibri"/>
+                <a:ea typeface="DejaVu Sans"/>
+              </a:rPr>
+              <a:t>Assemblage (en cours)</a:t>
+            </a:r>
+            <a:endParaRPr b="0" lang="fr-FR" sz="1800" spc="-1" strike="noStrike">
+              <a:latin typeface="Arial"/>
+            </a:endParaRPr>
+          </a:p>
+          <a:p>
+            <a:pPr marL="216000" indent="-214920">
+              <a:lnSpc>
+                <a:spcPct val="150000"/>
+              </a:lnSpc>
+              <a:buClr>
+                <a:srgbClr val="000000"/>
+              </a:buClr>
+              <a:buFont typeface="Arial"/>
+              <a:buChar char="•"/>
+            </a:pPr>
+            <a:r>
+              <a:rPr b="0" lang="fr-FR" sz="1800" spc="-1" strike="noStrike">
+                <a:solidFill>
+                  <a:srgbClr val="000000"/>
+                </a:solidFill>
+                <a:latin typeface="Calibri"/>
+                <a:ea typeface="DejaVu Sans"/>
+              </a:rPr>
+              <a:t> </a:t>
+            </a:r>
+            <a:r>
+              <a:rPr b="0" lang="fr-FR" sz="1800" spc="-1" strike="noStrike">
+                <a:solidFill>
+                  <a:srgbClr val="000000"/>
+                </a:solidFill>
+                <a:latin typeface="Calibri"/>
+                <a:ea typeface="DejaVu Sans"/>
+              </a:rPr>
+              <a:t>Interface données capteur .C / code POO .C++ (en cours)</a:t>
+            </a:r>
+            <a:endParaRPr b="0" lang="fr-FR" sz="1800" spc="-1" strike="noStrike">
+              <a:latin typeface="Arial"/>
+            </a:endParaRPr>
+          </a:p>
+          <a:p>
+            <a:pPr marL="216000" indent="-214920">
+              <a:lnSpc>
+                <a:spcPct val="150000"/>
+              </a:lnSpc>
+              <a:buClr>
+                <a:srgbClr val="000000"/>
+              </a:buClr>
+              <a:buFont typeface="Arial"/>
+              <a:buChar char="•"/>
+            </a:pPr>
+            <a:r>
+              <a:rPr b="0" lang="fr-FR" sz="1800" spc="-1" strike="noStrike">
+                <a:solidFill>
+                  <a:srgbClr val="000000"/>
+                </a:solidFill>
+                <a:latin typeface="Calibri"/>
+                <a:ea typeface="DejaVu Sans"/>
+              </a:rPr>
+              <a:t> </a:t>
+            </a:r>
+            <a:r>
+              <a:rPr b="0" lang="fr-FR" sz="1800" spc="-1" strike="noStrike">
+                <a:solidFill>
+                  <a:srgbClr val="000000"/>
+                </a:solidFill>
+                <a:latin typeface="Calibri"/>
+                <a:ea typeface="DejaVu Sans"/>
+              </a:rPr>
+              <a:t>Historisation des données </a:t>
+            </a:r>
+            <a:endParaRPr b="0" lang="fr-FR" sz="1800" spc="-1" strike="noStrike">
+              <a:latin typeface="Arial"/>
+            </a:endParaRPr>
+          </a:p>
+          <a:p>
+            <a:pPr>
+              <a:lnSpc>
                 <a:spcPct val="100000"/>
               </a:lnSpc>
             </a:pPr>
-            <a:r>
-              <a:rPr b="0" lang="fr-FR" sz="1800" spc="-1" strike="noStrike">
-                <a:solidFill>
-                  <a:srgbClr val="000000"/>
-                </a:solidFill>
-                <a:latin typeface="Calibri"/>
-                <a:ea typeface="DejaVu Sans"/>
-              </a:rPr>
-              <a:t>Remarques sup (optionnel:</a:t>
-            </a:r>
             <a:endParaRPr b="0" lang="fr-FR" sz="1800" spc="-1" strike="noStrike">
               <a:latin typeface="Arial"/>
             </a:endParaRPr>
@@ -8696,76 +8791,6 @@
                 <a:spcPct val="100000"/>
               </a:lnSpc>
             </a:pPr>
-            <a:r>
-              <a:rPr b="0" lang="fr-FR" sz="1800" spc="-1" strike="noStrike">
-                <a:solidFill>
-                  <a:srgbClr val="000000"/>
-                </a:solidFill>
-                <a:latin typeface="Calibri"/>
-                <a:ea typeface="DejaVu Sans"/>
-              </a:rPr>
-              <a:t>Intervalles de pression</a:t>
-            </a:r>
-            <a:endParaRPr b="0" lang="fr-FR" sz="1800" spc="-1" strike="noStrike">
-              <a:latin typeface="Arial"/>
-            </a:endParaRPr>
-          </a:p>
-          <a:p>
-            <a:pPr>
-              <a:lnSpc>
-                <a:spcPct val="100000"/>
-              </a:lnSpc>
-            </a:pPr>
-            <a:endParaRPr b="0" lang="fr-FR" sz="1800" spc="-1" strike="noStrike">
-              <a:latin typeface="Arial"/>
-            </a:endParaRPr>
-          </a:p>
-          <a:p>
-            <a:pPr>
-              <a:lnSpc>
-                <a:spcPct val="100000"/>
-              </a:lnSpc>
-            </a:pPr>
-            <a:r>
-              <a:rPr b="0" lang="fr-FR" sz="1800" spc="-1" strike="noStrike">
-                <a:solidFill>
-                  <a:srgbClr val="000000"/>
-                </a:solidFill>
-                <a:latin typeface="Calibri"/>
-                <a:ea typeface="DejaVu Sans"/>
-              </a:rPr>
-              <a:t>Transit de l’erreur au travers du code/ accords initiaux en binôme</a:t>
-            </a:r>
-            <a:endParaRPr b="0" lang="fr-FR" sz="1800" spc="-1" strike="noStrike">
-              <a:latin typeface="Arial"/>
-            </a:endParaRPr>
-          </a:p>
-          <a:p>
-            <a:pPr>
-              <a:lnSpc>
-                <a:spcPct val="100000"/>
-              </a:lnSpc>
-            </a:pPr>
-            <a:endParaRPr b="0" lang="fr-FR" sz="1800" spc="-1" strike="noStrike">
-              <a:latin typeface="Arial"/>
-            </a:endParaRPr>
-          </a:p>
-          <a:p>
-            <a:pPr>
-              <a:lnSpc>
-                <a:spcPct val="100000"/>
-              </a:lnSpc>
-            </a:pPr>
-            <a:r>
-              <a:rPr b="0" lang="fr-FR" sz="1800" spc="-1" strike="noStrike">
-                <a:solidFill>
-                  <a:srgbClr val="000000"/>
-                </a:solidFill>
-                <a:latin typeface="Calibri"/>
-                <a:ea typeface="DejaVu Sans"/>
-              </a:rPr>
-              <a:t>Erreurs (+ ou – une unité de Z)</a:t>
-            </a:r>
             <a:endParaRPr b="0" lang="fr-FR" sz="1800" spc="-1" strike="noStrike">
               <a:latin typeface="Arial"/>
             </a:endParaRPr>
@@ -8851,14 +8876,14 @@
       </p:grpSpPr>
       <p:sp>
         <p:nvSpPr>
-          <p:cNvPr id="226" name="CustomShape 1"/>
+          <p:cNvPr id="214" name="CustomShape 1"/>
           <p:cNvSpPr/>
           <p:nvPr/>
         </p:nvSpPr>
         <p:spPr>
           <a:xfrm>
-            <a:off x="1880640" y="357120"/>
-            <a:ext cx="8228160" cy="630360"/>
+            <a:off x="837720" y="263520"/>
+            <a:ext cx="10514160" cy="1324080"/>
           </a:xfrm>
           <a:prstGeom prst="rect">
             <a:avLst/>
@@ -8876,7 +8901,7 @@
         </p:style>
         <p:txBody>
           <a:bodyPr lIns="90000" rIns="90000" tIns="45000" bIns="45000" anchor="ctr">
-            <a:normAutofit/>
+            <a:noAutofit/>
           </a:bodyPr>
           <a:p>
             <a:pPr>
@@ -8885,31 +8910,31 @@
               </a:lnSpc>
             </a:pPr>
             <a:r>
-              <a:rPr b="0" lang="fr-FR" sz="4000" spc="-1" strike="noStrike">
+              <a:rPr b="0" lang="fr-FR" sz="4400" spc="-1" strike="noStrike">
                 <a:solidFill>
                   <a:srgbClr val="000000"/>
                 </a:solidFill>
                 <a:latin typeface="Calibri Light"/>
                 <a:ea typeface="DejaVu Sans"/>
               </a:rPr>
-              <a:t>Etat du travail:</a:t>
-            </a:r>
-            <a:endParaRPr b="0" lang="fr-FR" sz="4000" spc="-1" strike="noStrike">
-              <a:latin typeface="Arial"/>
-            </a:endParaRPr>
-          </a:p>
-        </p:txBody>
-      </p:sp>
-      <p:sp>
-        <p:nvSpPr>
-          <p:cNvPr id="227" name="CustomShape 2"/>
+              <a:t>Architecture : J</a:t>
+            </a:r>
+            <a:endParaRPr b="0" lang="fr-FR" sz="4400" spc="-1" strike="noStrike">
+              <a:latin typeface="Arial"/>
+            </a:endParaRPr>
+          </a:p>
+        </p:txBody>
+      </p:sp>
+      <p:sp>
+        <p:nvSpPr>
+          <p:cNvPr id="215" name="CustomShape 2"/>
           <p:cNvSpPr/>
           <p:nvPr/>
         </p:nvSpPr>
         <p:spPr>
           <a:xfrm>
-            <a:off x="2381040" y="1571760"/>
-            <a:ext cx="6999480" cy="5164560"/>
+            <a:off x="8610120" y="6356520"/>
+            <a:ext cx="2741760" cy="363600"/>
           </a:xfrm>
           <a:prstGeom prst="rect">
             <a:avLst/>
@@ -8926,270 +8951,99 @@
           <a:fontRef idx="minor"/>
         </p:style>
         <p:txBody>
-          <a:bodyPr lIns="90000" rIns="90000" tIns="45000" bIns="45000">
+          <a:bodyPr lIns="90000" rIns="90000" tIns="45000" bIns="45000" anchor="ctr">
+            <a:noAutofit/>
+          </a:bodyPr>
+          <a:p>
+            <a:pPr algn="r">
+              <a:lnSpc>
+                <a:spcPct val="100000"/>
+              </a:lnSpc>
+            </a:pPr>
+            <a:fld id="{8F7F9423-F5D4-4F57-98FD-6C6B20D0EF46}" type="slidenum">
+              <a:rPr b="0" lang="fr-FR" sz="1200" spc="-1" strike="noStrike">
+                <a:solidFill>
+                  <a:srgbClr val="8b8b8b"/>
+                </a:solidFill>
+                <a:latin typeface="Calibri"/>
+                <a:ea typeface="DejaVu Sans"/>
+              </a:rPr>
+              <a:t>&lt;numéro&gt;</a:t>
+            </a:fld>
+            <a:endParaRPr b="0" lang="fr-FR" sz="1200" spc="-1" strike="noStrike">
+              <a:latin typeface="Arial"/>
+            </a:endParaRPr>
+          </a:p>
+        </p:txBody>
+      </p:sp>
+      <p:pic>
+        <p:nvPicPr>
+          <p:cNvPr id="216" name="" descr=""/>
+          <p:cNvPicPr/>
+          <p:nvPr/>
+        </p:nvPicPr>
+        <p:blipFill>
+          <a:blip r:embed="rId1"/>
+          <a:stretch/>
+        </p:blipFill>
+        <p:spPr>
+          <a:xfrm>
+            <a:off x="1907640" y="1656000"/>
+            <a:ext cx="6817320" cy="4998240"/>
+          </a:xfrm>
+          <a:prstGeom prst="rect">
+            <a:avLst/>
+          </a:prstGeom>
+          <a:ln>
+            <a:noFill/>
+          </a:ln>
+        </p:spPr>
+      </p:pic>
+      <p:sp>
+        <p:nvSpPr>
+          <p:cNvPr id="217" name="CustomShape 3"/>
+          <p:cNvSpPr/>
+          <p:nvPr/>
+        </p:nvSpPr>
+        <p:spPr>
+          <a:xfrm>
+            <a:off x="6932880" y="4785840"/>
+            <a:ext cx="4745520" cy="363960"/>
+          </a:xfrm>
+          <a:prstGeom prst="rect">
+            <a:avLst/>
+          </a:prstGeom>
+          <a:noFill/>
+          <a:ln>
+            <a:noFill/>
+          </a:ln>
+        </p:spPr>
+        <p:style>
+          <a:lnRef idx="0"/>
+          <a:fillRef idx="0"/>
+          <a:effectRef idx="0"/>
+          <a:fontRef idx="minor"/>
+        </p:style>
+        <p:txBody>
+          <a:bodyPr wrap="none" lIns="90000" rIns="90000" tIns="45000" bIns="45000">
             <a:spAutoFit/>
           </a:bodyPr>
           <a:p>
             <a:pPr>
               <a:lnSpc>
-                <a:spcPct val="150000"/>
-              </a:lnSpc>
-            </a:pPr>
-            <a:r>
-              <a:rPr b="1" lang="fr-FR" sz="1800" spc="-1" strike="noStrike">
+                <a:spcPct val="100000"/>
+              </a:lnSpc>
+            </a:pPr>
+            <a:r>
+              <a:rPr b="0" lang="fr-FR" sz="1800" spc="-1" strike="noStrike">
                 <a:solidFill>
                   <a:srgbClr val="000000"/>
                 </a:solidFill>
                 <a:latin typeface="Calibri"/>
                 <a:ea typeface="DejaVu Sans"/>
               </a:rPr>
-              <a:t>Travail effectué: </a:t>
-            </a:r>
-            <a:endParaRPr b="0" lang="fr-FR" sz="1800" spc="-1" strike="noStrike">
-              <a:latin typeface="Arial"/>
-            </a:endParaRPr>
-          </a:p>
-          <a:p>
-            <a:pPr marL="216000" indent="-214920">
-              <a:lnSpc>
-                <a:spcPct val="150000"/>
-              </a:lnSpc>
-              <a:buClr>
-                <a:srgbClr val="000000"/>
-              </a:buClr>
-              <a:buFont typeface="Arial"/>
-              <a:buChar char="•"/>
-            </a:pPr>
-            <a:r>
-              <a:rPr b="0" lang="fr-FR" sz="1800" spc="-1" strike="noStrike">
-                <a:solidFill>
-                  <a:srgbClr val="000000"/>
-                </a:solidFill>
-                <a:latin typeface="Calibri"/>
-                <a:ea typeface="DejaVu Sans"/>
-              </a:rPr>
-              <a:t>Algorithme de Zambretti codé</a:t>
-            </a:r>
-            <a:endParaRPr b="0" lang="fr-FR" sz="1800" spc="-1" strike="noStrike">
-              <a:latin typeface="Arial"/>
-            </a:endParaRPr>
-          </a:p>
-          <a:p>
-            <a:pPr marL="216000" indent="-214920">
-              <a:lnSpc>
-                <a:spcPct val="150000"/>
-              </a:lnSpc>
-              <a:buClr>
-                <a:srgbClr val="000000"/>
-              </a:buClr>
-              <a:buFont typeface="Arial"/>
-              <a:buChar char="•"/>
-            </a:pPr>
-            <a:r>
-              <a:rPr b="0" lang="fr-FR" sz="1800" spc="-1" strike="noStrike">
-                <a:solidFill>
-                  <a:srgbClr val="000000"/>
-                </a:solidFill>
-                <a:latin typeface="Calibri"/>
-                <a:ea typeface="DejaVu Sans"/>
-              </a:rPr>
-              <a:t> </a:t>
-            </a:r>
-            <a:r>
-              <a:rPr b="0" lang="fr-FR" sz="1800" spc="-1" strike="noStrike">
-                <a:solidFill>
-                  <a:srgbClr val="000000"/>
-                </a:solidFill>
-                <a:latin typeface="Calibri"/>
-                <a:ea typeface="DejaVu Sans"/>
-              </a:rPr>
-              <a:t>Interface utilisateur réalisée</a:t>
-            </a:r>
-            <a:endParaRPr b="0" lang="fr-FR" sz="1800" spc="-1" strike="noStrike">
-              <a:latin typeface="Arial"/>
-            </a:endParaRPr>
-          </a:p>
-          <a:p>
-            <a:pPr>
-              <a:lnSpc>
-                <a:spcPct val="150000"/>
-              </a:lnSpc>
-            </a:pPr>
-            <a:endParaRPr b="0" lang="fr-FR" sz="1800" spc="-1" strike="noStrike">
-              <a:latin typeface="Arial"/>
-            </a:endParaRPr>
-          </a:p>
-          <a:p>
-            <a:pPr>
-              <a:lnSpc>
-                <a:spcPct val="150000"/>
-              </a:lnSpc>
-            </a:pPr>
-            <a:r>
-              <a:rPr b="1" lang="fr-FR" sz="1800" spc="-1" strike="noStrike">
-                <a:solidFill>
-                  <a:srgbClr val="000000"/>
-                </a:solidFill>
-                <a:latin typeface="Calibri"/>
-                <a:ea typeface="DejaVu Sans"/>
-              </a:rPr>
-              <a:t>Prochaines étapes:</a:t>
-            </a:r>
-            <a:endParaRPr b="0" lang="fr-FR" sz="1800" spc="-1" strike="noStrike">
-              <a:latin typeface="Arial"/>
-            </a:endParaRPr>
-          </a:p>
-          <a:p>
-            <a:pPr marL="216000" indent="-214920">
-              <a:lnSpc>
-                <a:spcPct val="150000"/>
-              </a:lnSpc>
-              <a:buClr>
-                <a:srgbClr val="000000"/>
-              </a:buClr>
-              <a:buFont typeface="Arial"/>
-              <a:buChar char="•"/>
-            </a:pPr>
-            <a:r>
-              <a:rPr b="0" lang="fr-FR" sz="1800" spc="-1" strike="noStrike">
-                <a:solidFill>
-                  <a:srgbClr val="000000"/>
-                </a:solidFill>
-                <a:latin typeface="Calibri"/>
-                <a:ea typeface="DejaVu Sans"/>
-              </a:rPr>
-              <a:t> </a:t>
-            </a:r>
-            <a:r>
-              <a:rPr b="0" lang="fr-FR" sz="1800" spc="-1" strike="noStrike">
-                <a:solidFill>
-                  <a:srgbClr val="000000"/>
-                </a:solidFill>
-                <a:latin typeface="Calibri"/>
-                <a:ea typeface="DejaVu Sans"/>
-              </a:rPr>
-              <a:t>Assemblage (en cours)</a:t>
-            </a:r>
-            <a:endParaRPr b="0" lang="fr-FR" sz="1800" spc="-1" strike="noStrike">
-              <a:latin typeface="Arial"/>
-            </a:endParaRPr>
-          </a:p>
-          <a:p>
-            <a:pPr marL="216000" indent="-214920">
-              <a:lnSpc>
-                <a:spcPct val="150000"/>
-              </a:lnSpc>
-              <a:buClr>
-                <a:srgbClr val="000000"/>
-              </a:buClr>
-              <a:buFont typeface="Arial"/>
-              <a:buChar char="•"/>
-            </a:pPr>
-            <a:r>
-              <a:rPr b="0" lang="fr-FR" sz="1800" spc="-1" strike="noStrike">
-                <a:solidFill>
-                  <a:srgbClr val="000000"/>
-                </a:solidFill>
-                <a:latin typeface="Calibri"/>
-                <a:ea typeface="DejaVu Sans"/>
-              </a:rPr>
-              <a:t> </a:t>
-            </a:r>
-            <a:r>
-              <a:rPr b="0" lang="fr-FR" sz="1800" spc="-1" strike="noStrike">
-                <a:solidFill>
-                  <a:srgbClr val="000000"/>
-                </a:solidFill>
-                <a:latin typeface="Calibri"/>
-                <a:ea typeface="DejaVu Sans"/>
-              </a:rPr>
-              <a:t>Interface données capteur .C / code POO .C++ (en cours)</a:t>
-            </a:r>
-            <a:endParaRPr b="0" lang="fr-FR" sz="1800" spc="-1" strike="noStrike">
-              <a:latin typeface="Arial"/>
-            </a:endParaRPr>
-          </a:p>
-          <a:p>
-            <a:pPr marL="216000" indent="-214920">
-              <a:lnSpc>
-                <a:spcPct val="150000"/>
-              </a:lnSpc>
-              <a:buClr>
-                <a:srgbClr val="000000"/>
-              </a:buClr>
-              <a:buFont typeface="Arial"/>
-              <a:buChar char="•"/>
-            </a:pPr>
-            <a:r>
-              <a:rPr b="0" lang="fr-FR" sz="1800" spc="-1" strike="noStrike">
-                <a:solidFill>
-                  <a:srgbClr val="000000"/>
-                </a:solidFill>
-                <a:latin typeface="Calibri"/>
-                <a:ea typeface="DejaVu Sans"/>
-              </a:rPr>
-              <a:t> </a:t>
-            </a:r>
-            <a:r>
-              <a:rPr b="0" lang="fr-FR" sz="1800" spc="-1" strike="noStrike">
-                <a:solidFill>
-                  <a:srgbClr val="000000"/>
-                </a:solidFill>
-                <a:latin typeface="Calibri"/>
-                <a:ea typeface="DejaVu Sans"/>
-              </a:rPr>
-              <a:t>Historisation des données </a:t>
-            </a:r>
-            <a:endParaRPr b="0" lang="fr-FR" sz="1800" spc="-1" strike="noStrike">
-              <a:latin typeface="Arial"/>
-            </a:endParaRPr>
-          </a:p>
-          <a:p>
-            <a:pPr>
-              <a:lnSpc>
-                <a:spcPct val="100000"/>
-              </a:lnSpc>
-            </a:pPr>
-            <a:endParaRPr b="0" lang="fr-FR" sz="1800" spc="-1" strike="noStrike">
-              <a:latin typeface="Arial"/>
-            </a:endParaRPr>
-          </a:p>
-          <a:p>
-            <a:pPr>
-              <a:lnSpc>
-                <a:spcPct val="100000"/>
-              </a:lnSpc>
-            </a:pPr>
-            <a:endParaRPr b="0" lang="fr-FR" sz="1800" spc="-1" strike="noStrike">
-              <a:latin typeface="Arial"/>
-            </a:endParaRPr>
-          </a:p>
-          <a:p>
-            <a:pPr>
-              <a:lnSpc>
-                <a:spcPct val="100000"/>
-              </a:lnSpc>
-            </a:pPr>
-            <a:endParaRPr b="0" lang="fr-FR" sz="1800" spc="-1" strike="noStrike">
-              <a:latin typeface="Arial"/>
-            </a:endParaRPr>
-          </a:p>
-          <a:p>
-            <a:pPr>
-              <a:lnSpc>
-                <a:spcPct val="100000"/>
-              </a:lnSpc>
-            </a:pPr>
-            <a:endParaRPr b="0" lang="fr-FR" sz="1800" spc="-1" strike="noStrike">
-              <a:latin typeface="Arial"/>
-            </a:endParaRPr>
-          </a:p>
-          <a:p>
-            <a:pPr>
-              <a:lnSpc>
-                <a:spcPct val="100000"/>
-              </a:lnSpc>
-            </a:pPr>
+              <a:t>Création du diagramme avec Qt creator</a:t>
+            </a:r>
             <a:endParaRPr b="0" lang="fr-FR" sz="1800" spc="-1" strike="noStrike">
               <a:latin typeface="Arial"/>
             </a:endParaRPr>
@@ -9255,7 +9109,7 @@
       </p:grpSpPr>
       <p:sp>
         <p:nvSpPr>
-          <p:cNvPr id="228" name="CustomShape 1"/>
+          <p:cNvPr id="218" name="CustomShape 1"/>
           <p:cNvSpPr/>
           <p:nvPr/>
         </p:nvSpPr>
@@ -9296,7 +9150,7 @@
                 <a:latin typeface="Calibri Light"/>
                 <a:ea typeface="DejaVu Sans"/>
               </a:rPr>
-              <a:t>Tests</a:t>
+              <a:t>Interface graphique: design</a:t>
             </a:r>
             <a:endParaRPr b="0" lang="fr-FR" sz="4400" spc="-1" strike="noStrike">
               <a:latin typeface="Arial"/>
@@ -9306,14 +9160,14 @@
       </p:sp>
       <p:sp>
         <p:nvSpPr>
-          <p:cNvPr id="229" name="CustomShape 2"/>
+          <p:cNvPr id="219" name="CustomShape 2"/>
           <p:cNvSpPr/>
           <p:nvPr/>
         </p:nvSpPr>
         <p:spPr>
           <a:xfrm>
-            <a:off x="837720" y="1825560"/>
-            <a:ext cx="10514160" cy="4349880"/>
+            <a:off x="8610120" y="6356520"/>
+            <a:ext cx="2741760" cy="363600"/>
           </a:xfrm>
           <a:prstGeom prst="rect">
             <a:avLst/>
@@ -9330,47 +9184,41 @@
           <a:fontRef idx="minor"/>
         </p:style>
         <p:txBody>
-          <a:bodyPr lIns="90000" rIns="90000" tIns="45000" bIns="45000">
+          <a:bodyPr lIns="90000" rIns="90000" tIns="45000" bIns="45000" anchor="ctr">
             <a:noAutofit/>
           </a:bodyPr>
           <a:p>
-            <a:pPr>
-              <a:lnSpc>
-                <a:spcPct val="90000"/>
-              </a:lnSpc>
-              <a:spcBef>
-                <a:spcPts val="1001"/>
-              </a:spcBef>
-            </a:pPr>
-            <a:endParaRPr b="0" lang="fr-FR" sz="1800" spc="-1" strike="noStrike">
-              <a:latin typeface="Arial"/>
-            </a:endParaRPr>
-          </a:p>
-          <a:p>
-            <a:pPr>
-              <a:lnSpc>
-                <a:spcPct val="90000"/>
-              </a:lnSpc>
-              <a:spcBef>
-                <a:spcPts val="1001"/>
-              </a:spcBef>
-            </a:pPr>
-            <a:endParaRPr b="0" lang="fr-FR" sz="1800" spc="-1" strike="noStrike">
-              <a:latin typeface="Arial"/>
-            </a:endParaRPr>
-          </a:p>
-        </p:txBody>
-      </p:sp>
-      <p:sp>
-        <p:nvSpPr>
-          <p:cNvPr id="230" name="CustomShape 3"/>
+            <a:pPr algn="r">
+              <a:lnSpc>
+                <a:spcPct val="100000"/>
+              </a:lnSpc>
+            </a:pPr>
+            <a:fld id="{A06DD6F9-2C40-46F7-A2C2-7096B2D8F4FC}" type="slidenum">
+              <a:rPr b="0" lang="fr-FR" sz="1200" spc="-1" strike="noStrike">
+                <a:solidFill>
+                  <a:srgbClr val="8b8b8b"/>
+                </a:solidFill>
+                <a:latin typeface="Calibri"/>
+                <a:ea typeface="DejaVu Sans"/>
+              </a:rPr>
+              <a:t>&lt;numéro&gt;</a:t>
+            </a:fld>
+            <a:endParaRPr b="0" lang="fr-FR" sz="1200" spc="-1" strike="noStrike">
+              <a:latin typeface="Arial"/>
+            </a:endParaRPr>
+          </a:p>
+        </p:txBody>
+      </p:sp>
+      <p:sp>
+        <p:nvSpPr>
+          <p:cNvPr id="220" name="CustomShape 3"/>
           <p:cNvSpPr/>
           <p:nvPr/>
         </p:nvSpPr>
         <p:spPr>
           <a:xfrm>
-            <a:off x="8610120" y="6356520"/>
-            <a:ext cx="2741760" cy="363600"/>
+            <a:off x="7940520" y="2100240"/>
+            <a:ext cx="4044600" cy="363960"/>
           </a:xfrm>
           <a:prstGeom prst="rect">
             <a:avLst/>
@@ -9387,26 +9235,26 @@
           <a:fontRef idx="minor"/>
         </p:style>
         <p:txBody>
-          <a:bodyPr lIns="90000" rIns="90000" tIns="45000" bIns="45000" anchor="ctr">
-            <a:noAutofit/>
-          </a:bodyPr>
-          <a:p>
-            <a:pPr algn="r">
+          <a:bodyPr wrap="none" lIns="90000" rIns="90000" tIns="45000" bIns="45000">
+            <a:spAutoFit/>
+          </a:bodyPr>
+          <a:p>
+            <a:pPr>
               <a:lnSpc>
                 <a:spcPct val="100000"/>
               </a:lnSpc>
             </a:pPr>
-            <a:fld id="{F7D64B4F-9DC9-4D2B-83B0-F9F93267D84E}" type="slidenum">
-              <a:rPr b="0" lang="fr-FR" sz="1200" spc="-1" strike="noStrike">
-                <a:solidFill>
-                  <a:srgbClr val="8b8b8b"/>
+            <a:r>
+              <a:rPr b="0" lang="fr-FR" sz="1800" spc="-1" strike="noStrike">
+                <a:solidFill>
+                  <a:srgbClr val="000000"/>
                 </a:solidFill>
                 <a:latin typeface="Calibri"/>
                 <a:ea typeface="DejaVu Sans"/>
               </a:rPr>
-              <a:t>16</a:t>
-            </a:fld>
-            <a:endParaRPr b="0" lang="fr-FR" sz="1200" spc="-1" strike="noStrike">
+              <a:t>Icone reflétant la prévision météo</a:t>
+            </a:r>
+            <a:endParaRPr b="0" lang="fr-FR" sz="1800" spc="-1" strike="noStrike">
               <a:latin typeface="Arial"/>
             </a:endParaRPr>
           </a:p>
@@ -9414,7 +9262,7 @@
       </p:sp>
       <p:pic>
         <p:nvPicPr>
-          <p:cNvPr id="231" name="" descr=""/>
+          <p:cNvPr id="221" name="Image 33" descr=""/>
           <p:cNvPicPr/>
           <p:nvPr/>
         </p:nvPicPr>
@@ -9424,8 +9272,8 @@
         </p:blipFill>
         <p:spPr>
           <a:xfrm>
-            <a:off x="1126080" y="2176200"/>
-            <a:ext cx="9169560" cy="4231440"/>
+            <a:off x="4564080" y="1356480"/>
+            <a:ext cx="2900160" cy="5363640"/>
           </a:xfrm>
           <a:prstGeom prst="rect">
             <a:avLst/>
@@ -9437,14 +9285,14 @@
       </p:pic>
       <p:sp>
         <p:nvSpPr>
-          <p:cNvPr id="232" name="CustomShape 4"/>
+          <p:cNvPr id="222" name="CustomShape 4"/>
           <p:cNvSpPr/>
           <p:nvPr/>
         </p:nvSpPr>
         <p:spPr>
           <a:xfrm>
-            <a:off x="1126080" y="1646640"/>
-            <a:ext cx="10321920" cy="516960"/>
+            <a:off x="6556320" y="4797720"/>
+            <a:ext cx="371520" cy="363960"/>
           </a:xfrm>
           <a:prstGeom prst="rect">
             <a:avLst/>
@@ -9461,26 +9309,475 @@
           <a:fontRef idx="minor"/>
         </p:style>
         <p:txBody>
+          <a:bodyPr wrap="none" lIns="90000" rIns="90000" tIns="45000" bIns="45000">
+            <a:spAutoFit/>
+          </a:bodyPr>
+          <a:p>
+            <a:pPr>
+              <a:lnSpc>
+                <a:spcPct val="100000"/>
+              </a:lnSpc>
+            </a:pPr>
+            <a:r>
+              <a:rPr b="0" lang="fr-FR" sz="1800" spc="-1" strike="noStrike">
+                <a:solidFill>
+                  <a:srgbClr val="000000"/>
+                </a:solidFill>
+                <a:latin typeface="Calibri"/>
+                <a:ea typeface="DejaVu Sans"/>
+              </a:rPr>
+              <a:t>+</a:t>
+            </a:r>
+            <a:endParaRPr b="0" lang="fr-FR" sz="1800" spc="-1" strike="noStrike">
+              <a:latin typeface="Arial"/>
+            </a:endParaRPr>
+          </a:p>
+        </p:txBody>
+      </p:sp>
+      <p:sp>
+        <p:nvSpPr>
+          <p:cNvPr id="223" name="CustomShape 5"/>
+          <p:cNvSpPr/>
+          <p:nvPr/>
+        </p:nvSpPr>
+        <p:spPr>
+          <a:xfrm>
+            <a:off x="7463520" y="4388400"/>
+            <a:ext cx="3774600" cy="1186920"/>
+          </a:xfrm>
+          <a:prstGeom prst="rect">
+            <a:avLst/>
+          </a:prstGeom>
+          <a:noFill/>
+          <a:ln>
+            <a:noFill/>
+          </a:ln>
+        </p:spPr>
+        <p:style>
+          <a:lnRef idx="0"/>
+          <a:fillRef idx="0"/>
+          <a:effectRef idx="0"/>
+          <a:fontRef idx="minor"/>
+        </p:style>
+        <p:txBody>
+          <a:bodyPr wrap="none" lIns="90000" rIns="90000" tIns="45000" bIns="45000">
+            <a:spAutoFit/>
+          </a:bodyPr>
+          <a:p>
+            <a:pPr>
+              <a:lnSpc>
+                <a:spcPct val="100000"/>
+              </a:lnSpc>
+            </a:pPr>
+            <a:r>
+              <a:rPr b="0" lang="fr-FR" sz="1800" spc="-1" strike="noStrike">
+                <a:solidFill>
+                  <a:srgbClr val="000000"/>
+                </a:solidFill>
+                <a:latin typeface="Calibri"/>
+                <a:ea typeface="DejaVu Sans"/>
+              </a:rPr>
+              <a:t>Symbol définissant la tendance</a:t>
+            </a:r>
+            <a:endParaRPr b="0" lang="fr-FR" sz="1800" spc="-1" strike="noStrike">
+              <a:latin typeface="Arial"/>
+            </a:endParaRPr>
+          </a:p>
+          <a:p>
+            <a:pPr>
+              <a:lnSpc>
+                <a:spcPct val="100000"/>
+              </a:lnSpc>
+            </a:pPr>
+            <a:r>
+              <a:rPr b="0" lang="fr-FR" sz="1800" spc="-1" strike="noStrike">
+                <a:solidFill>
+                  <a:srgbClr val="000000"/>
+                </a:solidFill>
+                <a:latin typeface="Calibri"/>
+                <a:ea typeface="DejaVu Sans"/>
+              </a:rPr>
+              <a:t>+: amélioration</a:t>
+            </a:r>
+            <a:endParaRPr b="0" lang="fr-FR" sz="1800" spc="-1" strike="noStrike">
+              <a:latin typeface="Arial"/>
+            </a:endParaRPr>
+          </a:p>
+          <a:p>
+            <a:pPr>
+              <a:lnSpc>
+                <a:spcPct val="100000"/>
+              </a:lnSpc>
+            </a:pPr>
+            <a:r>
+              <a:rPr b="0" lang="fr-FR" sz="1800" spc="-1" strike="noStrike">
+                <a:solidFill>
+                  <a:srgbClr val="000000"/>
+                </a:solidFill>
+                <a:latin typeface="Calibri"/>
+                <a:ea typeface="DejaVu Sans"/>
+              </a:rPr>
+              <a:t>=: stable</a:t>
+            </a:r>
+            <a:endParaRPr b="0" lang="fr-FR" sz="1800" spc="-1" strike="noStrike">
+              <a:latin typeface="Arial"/>
+            </a:endParaRPr>
+          </a:p>
+          <a:p>
+            <a:pPr>
+              <a:lnSpc>
+                <a:spcPct val="100000"/>
+              </a:lnSpc>
+            </a:pPr>
+            <a:r>
+              <a:rPr b="0" lang="fr-FR" sz="1800" spc="-1" strike="noStrike">
+                <a:solidFill>
+                  <a:srgbClr val="000000"/>
+                </a:solidFill>
+                <a:latin typeface="Calibri"/>
+                <a:ea typeface="DejaVu Sans"/>
+              </a:rPr>
+              <a:t>-: détérioration</a:t>
+            </a:r>
+            <a:endParaRPr b="0" lang="fr-FR" sz="1800" spc="-1" strike="noStrike">
+              <a:latin typeface="Arial"/>
+            </a:endParaRPr>
+          </a:p>
+        </p:txBody>
+      </p:sp>
+      <p:sp>
+        <p:nvSpPr>
+          <p:cNvPr id="224" name="CustomShape 6"/>
+          <p:cNvSpPr/>
+          <p:nvPr/>
+        </p:nvSpPr>
+        <p:spPr>
+          <a:xfrm flipH="1">
+            <a:off x="6891120" y="4718880"/>
+            <a:ext cx="822960" cy="262080"/>
+          </a:xfrm>
+          <a:custGeom>
+            <a:avLst/>
+            <a:gdLst/>
+            <a:ahLst/>
+            <a:rect l="l" t="t" r="r" b="b"/>
+            <a:pathLst>
+              <a:path w="21600" h="21600">
+                <a:moveTo>
+                  <a:pt x="0" y="0"/>
+                </a:moveTo>
+                <a:lnTo>
+                  <a:pt x="21600" y="21600"/>
+                </a:lnTo>
+              </a:path>
+            </a:pathLst>
+          </a:custGeom>
+          <a:noFill/>
+          <a:ln>
+            <a:solidFill>
+              <a:srgbClr val="3f6ec2"/>
+            </a:solidFill>
+            <a:round/>
+            <a:tailEnd len="med" type="triangle" w="med"/>
+          </a:ln>
+        </p:spPr>
+        <p:style>
+          <a:lnRef idx="1">
+            <a:schemeClr val="accent1"/>
+          </a:lnRef>
+          <a:fillRef idx="0">
+            <a:schemeClr val="accent1"/>
+          </a:fillRef>
+          <a:effectRef idx="0">
+            <a:schemeClr val="accent1"/>
+          </a:effectRef>
+          <a:fontRef idx="minor"/>
+        </p:style>
+      </p:sp>
+      <p:sp>
+        <p:nvSpPr>
+          <p:cNvPr id="225" name="CustomShape 7"/>
+          <p:cNvSpPr/>
+          <p:nvPr/>
+        </p:nvSpPr>
+        <p:spPr>
+          <a:xfrm>
+            <a:off x="1067400" y="4728600"/>
+            <a:ext cx="3027960" cy="363960"/>
+          </a:xfrm>
+          <a:prstGeom prst="rect">
+            <a:avLst/>
+          </a:prstGeom>
+          <a:noFill/>
+          <a:ln>
+            <a:noFill/>
+          </a:ln>
+        </p:spPr>
+        <p:style>
+          <a:lnRef idx="0"/>
+          <a:fillRef idx="0"/>
+          <a:effectRef idx="0"/>
+          <a:fontRef idx="minor"/>
+        </p:style>
+        <p:txBody>
+          <a:bodyPr wrap="none" lIns="90000" rIns="90000" tIns="45000" bIns="45000">
+            <a:spAutoFit/>
+          </a:bodyPr>
+          <a:p>
+            <a:pPr>
+              <a:lnSpc>
+                <a:spcPct val="100000"/>
+              </a:lnSpc>
+            </a:pPr>
+            <a:r>
+              <a:rPr b="0" lang="fr-FR" sz="1800" spc="-1" strike="noStrike">
+                <a:solidFill>
+                  <a:srgbClr val="000000"/>
+                </a:solidFill>
+                <a:latin typeface="Calibri"/>
+                <a:ea typeface="DejaVu Sans"/>
+              </a:rPr>
+              <a:t>Descriptif de la prévision</a:t>
+            </a:r>
+            <a:endParaRPr b="0" lang="fr-FR" sz="1800" spc="-1" strike="noStrike">
+              <a:latin typeface="Arial"/>
+            </a:endParaRPr>
+          </a:p>
+        </p:txBody>
+      </p:sp>
+      <p:sp>
+        <p:nvSpPr>
+          <p:cNvPr id="226" name="CustomShape 8"/>
+          <p:cNvSpPr/>
+          <p:nvPr/>
+        </p:nvSpPr>
+        <p:spPr>
+          <a:xfrm>
+            <a:off x="3968640" y="4903560"/>
+            <a:ext cx="1361520" cy="8280"/>
+          </a:xfrm>
+          <a:custGeom>
+            <a:avLst/>
+            <a:gdLst/>
+            <a:ahLst/>
+            <a:rect l="l" t="t" r="r" b="b"/>
+            <a:pathLst>
+              <a:path w="21600" h="21600">
+                <a:moveTo>
+                  <a:pt x="0" y="0"/>
+                </a:moveTo>
+                <a:lnTo>
+                  <a:pt x="21600" y="21600"/>
+                </a:lnTo>
+              </a:path>
+            </a:pathLst>
+          </a:custGeom>
+          <a:noFill/>
+          <a:ln>
+            <a:solidFill>
+              <a:srgbClr val="3f6ec2"/>
+            </a:solidFill>
+            <a:round/>
+            <a:tailEnd len="med" type="triangle" w="med"/>
+          </a:ln>
+        </p:spPr>
+        <p:style>
+          <a:lnRef idx="1">
+            <a:schemeClr val="accent1"/>
+          </a:lnRef>
+          <a:fillRef idx="0">
+            <a:schemeClr val="accent1"/>
+          </a:fillRef>
+          <a:effectRef idx="0">
+            <a:schemeClr val="accent1"/>
+          </a:effectRef>
+          <a:fontRef idx="minor"/>
+        </p:style>
+      </p:sp>
+      <p:sp>
+        <p:nvSpPr>
+          <p:cNvPr id="227" name="CustomShape 9"/>
+          <p:cNvSpPr/>
+          <p:nvPr/>
+        </p:nvSpPr>
+        <p:spPr>
+          <a:xfrm>
+            <a:off x="846360" y="5733360"/>
+            <a:ext cx="3684960" cy="363960"/>
+          </a:xfrm>
+          <a:prstGeom prst="rect">
+            <a:avLst/>
+          </a:prstGeom>
+          <a:noFill/>
+          <a:ln>
+            <a:noFill/>
+          </a:ln>
+        </p:spPr>
+        <p:style>
+          <a:lnRef idx="0"/>
+          <a:fillRef idx="0"/>
+          <a:effectRef idx="0"/>
+          <a:fontRef idx="minor"/>
+        </p:style>
+        <p:txBody>
+          <a:bodyPr wrap="none" lIns="90000" rIns="90000" tIns="45000" bIns="45000">
+            <a:spAutoFit/>
+          </a:bodyPr>
+          <a:p>
+            <a:pPr>
+              <a:lnSpc>
+                <a:spcPct val="100000"/>
+              </a:lnSpc>
+            </a:pPr>
+            <a:r>
+              <a:rPr b="0" lang="fr-FR" sz="1800" spc="-1" strike="noStrike">
+                <a:solidFill>
+                  <a:srgbClr val="000000"/>
+                </a:solidFill>
+                <a:latin typeface="Calibri"/>
+                <a:ea typeface="DejaVu Sans"/>
+              </a:rPr>
+              <a:t>Mesures provenant du capteur</a:t>
+            </a:r>
+            <a:endParaRPr b="0" lang="fr-FR" sz="1800" spc="-1" strike="noStrike">
+              <a:latin typeface="Arial"/>
+            </a:endParaRPr>
+          </a:p>
+        </p:txBody>
+      </p:sp>
+      <p:sp>
+        <p:nvSpPr>
+          <p:cNvPr id="228" name="CustomShape 10"/>
+          <p:cNvSpPr/>
+          <p:nvPr/>
+        </p:nvSpPr>
+        <p:spPr>
+          <a:xfrm>
+            <a:off x="4430880" y="5575320"/>
+            <a:ext cx="44280" cy="683640"/>
+          </a:xfrm>
+          <a:prstGeom prst="leftBrace">
+            <a:avLst>
+              <a:gd name="adj1" fmla="val 8333"/>
+              <a:gd name="adj2" fmla="val 50000"/>
+            </a:avLst>
+          </a:prstGeom>
+          <a:noFill/>
+          <a:ln>
+            <a:solidFill>
+              <a:srgbClr val="3f6ec2"/>
+            </a:solidFill>
+            <a:round/>
+          </a:ln>
+        </p:spPr>
+        <p:style>
+          <a:lnRef idx="1">
+            <a:schemeClr val="accent1"/>
+          </a:lnRef>
+          <a:fillRef idx="0">
+            <a:schemeClr val="accent1"/>
+          </a:fillRef>
+          <a:effectRef idx="0">
+            <a:schemeClr val="accent1"/>
+          </a:effectRef>
+          <a:fontRef idx="minor"/>
+        </p:style>
+      </p:sp>
+      <p:sp>
+        <p:nvSpPr>
+          <p:cNvPr id="229" name="CustomShape 11"/>
+          <p:cNvSpPr/>
+          <p:nvPr/>
+        </p:nvSpPr>
+        <p:spPr>
+          <a:xfrm flipH="1">
+            <a:off x="6387840" y="2517480"/>
+            <a:ext cx="1533960" cy="732240"/>
+          </a:xfrm>
+          <a:custGeom>
+            <a:avLst/>
+            <a:gdLst/>
+            <a:ahLst/>
+            <a:rect l="l" t="t" r="r" b="b"/>
+            <a:pathLst>
+              <a:path w="21600" h="21600">
+                <a:moveTo>
+                  <a:pt x="0" y="0"/>
+                </a:moveTo>
+                <a:lnTo>
+                  <a:pt x="21600" y="21600"/>
+                </a:lnTo>
+              </a:path>
+            </a:pathLst>
+          </a:custGeom>
+          <a:noFill/>
+          <a:ln>
+            <a:solidFill>
+              <a:srgbClr val="3f6ec2"/>
+            </a:solidFill>
+            <a:round/>
+            <a:tailEnd len="med" type="triangle" w="med"/>
+          </a:ln>
+        </p:spPr>
+        <p:style>
+          <a:lnRef idx="1">
+            <a:schemeClr val="accent1"/>
+          </a:lnRef>
+          <a:fillRef idx="0">
+            <a:schemeClr val="accent1"/>
+          </a:fillRef>
+          <a:effectRef idx="0">
+            <a:schemeClr val="accent1"/>
+          </a:effectRef>
+          <a:fontRef idx="minor"/>
+        </p:style>
+      </p:sp>
+      <p:sp>
+        <p:nvSpPr>
+          <p:cNvPr id="230" name="CustomShape 12"/>
+          <p:cNvSpPr/>
+          <p:nvPr/>
+        </p:nvSpPr>
+        <p:spPr>
+          <a:xfrm>
+            <a:off x="1067040" y="2194200"/>
+            <a:ext cx="2900160" cy="912600"/>
+          </a:xfrm>
+          <a:prstGeom prst="rect">
+            <a:avLst/>
+          </a:prstGeom>
+          <a:noFill/>
+          <a:ln>
+            <a:noFill/>
+          </a:ln>
+        </p:spPr>
+        <p:style>
+          <a:lnRef idx="0"/>
+          <a:fillRef idx="0"/>
+          <a:effectRef idx="0"/>
+          <a:fontRef idx="minor"/>
+        </p:style>
+        <p:txBody>
           <a:bodyPr lIns="90000" rIns="90000" tIns="45000" bIns="45000">
             <a:spAutoFit/>
           </a:bodyPr>
           <a:p>
-            <a:pPr>
+            <a:pPr algn="ctr">
               <a:lnSpc>
                 <a:spcPct val="100000"/>
               </a:lnSpc>
             </a:pPr>
             <a:r>
-              <a:rPr b="0" lang="fr-FR" sz="2800" spc="-1" strike="noStrike">
+              <a:rPr b="1" lang="fr-FR" sz="1800" spc="-1" strike="noStrike">
                 <a:solidFill>
                   <a:srgbClr val="000000"/>
                 </a:solidFill>
                 <a:latin typeface="Calibri"/>
                 <a:ea typeface="DejaVu Sans"/>
               </a:rPr>
-              <a:t>Environnement de suite de tests unitaires avec Qtest</a:t>
-            </a:r>
-            <a:endParaRPr b="0" lang="fr-FR" sz="2800" spc="-1" strike="noStrike">
+              <a:t>Reprise du code d’une application de Qt creator</a:t>
+            </a:r>
+            <a:endParaRPr b="0" lang="fr-FR" sz="1800" spc="-1" strike="noStrike">
               <a:latin typeface="Arial"/>
             </a:endParaRPr>
           </a:p>
@@ -9545,7 +9842,7 @@
       </p:grpSpPr>
       <p:sp>
         <p:nvSpPr>
-          <p:cNvPr id="233" name="CustomShape 1"/>
+          <p:cNvPr id="231" name="CustomShape 1"/>
           <p:cNvSpPr/>
           <p:nvPr/>
         </p:nvSpPr>
@@ -9586,7 +9883,7 @@
                 <a:latin typeface="Calibri Light"/>
                 <a:ea typeface="DejaVu Sans"/>
               </a:rPr>
-              <a:t>Déploiement: installation par paquet Debian</a:t>
+              <a:t>Tests</a:t>
             </a:r>
             <a:endParaRPr b="0" lang="fr-FR" sz="4400" spc="-1" strike="noStrike">
               <a:latin typeface="Arial"/>
@@ -9596,7 +9893,7 @@
       </p:sp>
       <p:sp>
         <p:nvSpPr>
-          <p:cNvPr id="234" name="CustomShape 2"/>
+          <p:cNvPr id="232" name="CustomShape 2"/>
           <p:cNvSpPr/>
           <p:nvPr/>
         </p:nvSpPr>
@@ -9624,84 +9921,36 @@
             <a:noAutofit/>
           </a:bodyPr>
           <a:p>
-            <a:pPr marL="228600" indent="-227160">
+            <a:pPr>
               <a:lnSpc>
                 <a:spcPct val="90000"/>
               </a:lnSpc>
               <a:spcBef>
                 <a:spcPts val="1001"/>
               </a:spcBef>
-              <a:buClr>
-                <a:srgbClr val="000000"/>
-              </a:buClr>
-              <a:buFont typeface="Arial"/>
-              <a:buChar char="•"/>
-            </a:pPr>
-            <a:r>
-              <a:rPr b="0" lang="fr-FR" sz="2800" spc="-1" strike="noStrike">
-                <a:solidFill>
-                  <a:srgbClr val="000000"/>
-                </a:solidFill>
-                <a:latin typeface="Calibri"/>
-                <a:ea typeface="DejaVu Sans"/>
-              </a:rPr>
-              <a:t>Téléchargement via la commande « wget » depuis GitHub du paquet contenant le binaire compilé sur raspberry Pi</a:t>
-            </a:r>
-            <a:endParaRPr b="0" lang="fr-FR" sz="2800" spc="-1" strike="noStrike">
-              <a:latin typeface="Arial"/>
-            </a:endParaRPr>
-          </a:p>
-          <a:p>
-            <a:pPr marL="228600" indent="-227160">
+            </a:pPr>
+            <a:endParaRPr b="0" lang="fr-FR" sz="1800" spc="-1" strike="noStrike">
+              <a:latin typeface="Arial"/>
+            </a:endParaRPr>
+          </a:p>
+          <a:p>
+            <a:pPr>
               <a:lnSpc>
                 <a:spcPct val="90000"/>
               </a:lnSpc>
               <a:spcBef>
                 <a:spcPts val="1001"/>
               </a:spcBef>
-              <a:buClr>
-                <a:srgbClr val="000000"/>
-              </a:buClr>
-              <a:buFont typeface="Arial"/>
-              <a:buChar char="•"/>
-            </a:pPr>
-            <a:endParaRPr b="0" lang="fr-FR" sz="2800" spc="-1" strike="noStrike">
-              <a:latin typeface="Arial"/>
-            </a:endParaRPr>
-          </a:p>
-          <a:p>
-            <a:pPr marL="228600" indent="-227160">
-              <a:lnSpc>
-                <a:spcPct val="90000"/>
-              </a:lnSpc>
-              <a:spcBef>
-                <a:spcPts val="1001"/>
-              </a:spcBef>
-              <a:buClr>
-                <a:srgbClr val="000000"/>
-              </a:buClr>
-              <a:buFont typeface="Arial"/>
-              <a:buChar char="•"/>
-            </a:pPr>
-            <a:r>
-              <a:rPr b="0" lang="fr-FR" sz="2800" spc="-1" strike="noStrike">
-                <a:solidFill>
-                  <a:srgbClr val="000000"/>
-                </a:solidFill>
-                <a:latin typeface="Calibri"/>
-                <a:ea typeface="DejaVu Sans"/>
-              </a:rPr>
-              <a:t>Installation avec dpkg –i &lt;nom de l’application&gt;</a:t>
-            </a:r>
-            <a:endParaRPr b="0" lang="fr-FR" sz="2800" spc="-1" strike="noStrike">
-              <a:latin typeface="Arial"/>
-            </a:endParaRPr>
-          </a:p>
-        </p:txBody>
-      </p:sp>
-      <p:sp>
-        <p:nvSpPr>
-          <p:cNvPr id="235" name="CustomShape 3"/>
+            </a:pPr>
+            <a:endParaRPr b="0" lang="fr-FR" sz="1800" spc="-1" strike="noStrike">
+              <a:latin typeface="Arial"/>
+            </a:endParaRPr>
+          </a:p>
+        </p:txBody>
+      </p:sp>
+      <p:sp>
+        <p:nvSpPr>
+          <p:cNvPr id="233" name="CustomShape 3"/>
           <p:cNvSpPr/>
           <p:nvPr/>
         </p:nvSpPr>
@@ -9734,7 +9983,7 @@
                 <a:spcPct val="100000"/>
               </a:lnSpc>
             </a:pPr>
-            <a:fld id="{B8EA5124-1B4D-4D5B-97DB-8536562A04FA}" type="slidenum">
+            <a:fld id="{526627A9-C0AD-4FE0-8372-88E4E3E505EB}" type="slidenum">
               <a:rPr b="0" lang="fr-FR" sz="1200" spc="-1" strike="noStrike">
                 <a:solidFill>
                   <a:srgbClr val="8b8b8b"/>
@@ -9742,7 +9991,7 @@
                 <a:latin typeface="Calibri"/>
                 <a:ea typeface="DejaVu Sans"/>
               </a:rPr>
-              <a:t>16</a:t>
+              <a:t>&lt;numéro&gt;</a:t>
             </a:fld>
             <a:endParaRPr b="0" lang="fr-FR" sz="1200" spc="-1" strike="noStrike">
               <a:latin typeface="Arial"/>
@@ -9752,7 +10001,7 @@
       </p:sp>
       <p:pic>
         <p:nvPicPr>
-          <p:cNvPr id="236" name="" descr=""/>
+          <p:cNvPr id="234" name="" descr=""/>
           <p:cNvPicPr/>
           <p:nvPr/>
         </p:nvPicPr>
@@ -9762,8 +10011,8 @@
         </p:blipFill>
         <p:spPr>
           <a:xfrm>
-            <a:off x="4680000" y="4536000"/>
-            <a:ext cx="1523520" cy="1523520"/>
+            <a:off x="1126080" y="2176200"/>
+            <a:ext cx="9169560" cy="4231440"/>
           </a:xfrm>
           <a:prstGeom prst="rect">
             <a:avLst/>
@@ -9773,6 +10022,57 @@
           </a:ln>
         </p:spPr>
       </p:pic>
+      <p:sp>
+        <p:nvSpPr>
+          <p:cNvPr id="235" name="CustomShape 4"/>
+          <p:cNvSpPr/>
+          <p:nvPr/>
+        </p:nvSpPr>
+        <p:spPr>
+          <a:xfrm>
+            <a:off x="1126080" y="1646640"/>
+            <a:ext cx="10321920" cy="516960"/>
+          </a:xfrm>
+          <a:prstGeom prst="rect">
+            <a:avLst/>
+          </a:prstGeom>
+          <a:noFill/>
+          <a:ln>
+            <a:noFill/>
+          </a:ln>
+        </p:spPr>
+        <p:style>
+          <a:lnRef idx="0"/>
+          <a:fillRef idx="0"/>
+          <a:effectRef idx="0"/>
+          <a:fontRef idx="minor"/>
+        </p:style>
+        <p:txBody>
+          <a:bodyPr lIns="90000" rIns="90000" tIns="45000" bIns="45000">
+            <a:spAutoFit/>
+          </a:bodyPr>
+          <a:p>
+            <a:pPr>
+              <a:lnSpc>
+                <a:spcPct val="100000"/>
+              </a:lnSpc>
+            </a:pPr>
+            <a:r>
+              <a:rPr b="0" lang="fr-FR" sz="2800" spc="-1" strike="noStrike">
+                <a:solidFill>
+                  <a:srgbClr val="000000"/>
+                </a:solidFill>
+                <a:latin typeface="Calibri"/>
+                <a:ea typeface="DejaVu Sans"/>
+              </a:rPr>
+              <a:t>Environnement de suite de tests unitaires avec Qtest</a:t>
+            </a:r>
+            <a:endParaRPr b="0" lang="fr-FR" sz="2800" spc="-1" strike="noStrike">
+              <a:latin typeface="Arial"/>
+            </a:endParaRPr>
+          </a:p>
+        </p:txBody>
+      </p:sp>
     </p:spTree>
   </p:cSld>
   <mc:AlternateContent>
@@ -9832,7 +10132,7 @@
       </p:grpSpPr>
       <p:sp>
         <p:nvSpPr>
-          <p:cNvPr id="237" name="CustomShape 1"/>
+          <p:cNvPr id="236" name="CustomShape 1"/>
           <p:cNvSpPr/>
           <p:nvPr/>
         </p:nvSpPr>
@@ -9873,7 +10173,7 @@
                 <a:latin typeface="Calibri Light"/>
                 <a:ea typeface="DejaVu Sans"/>
               </a:rPr>
-              <a:t>Conclusions</a:t>
+              <a:t>Déploiement: installation par paquet Debian</a:t>
             </a:r>
             <a:endParaRPr b="0" lang="fr-FR" sz="4400" spc="-1" strike="noStrike">
               <a:latin typeface="Arial"/>
@@ -9883,7 +10183,7 @@
       </p:sp>
       <p:sp>
         <p:nvSpPr>
-          <p:cNvPr id="238" name="CustomShape 2"/>
+          <p:cNvPr id="237" name="CustomShape 2"/>
           <p:cNvSpPr/>
           <p:nvPr/>
         </p:nvSpPr>
@@ -9932,103 +10232,9 @@
                 <a:latin typeface="Calibri"/>
                 <a:ea typeface="DejaVu Sans"/>
               </a:rPr>
-              <a:t>Développement efficace:</a:t>
+              <a:t>Téléchargement via la commande « wget » depuis GitHub du paquet contenant le binaire compilé sur raspberry Pi</a:t>
             </a:r>
             <a:endParaRPr b="0" lang="fr-FR" sz="2800" spc="-1" strike="noStrike">
-              <a:latin typeface="Arial"/>
-            </a:endParaRPr>
-          </a:p>
-          <a:p>
-            <a:pPr lvl="1" marL="685800" indent="-227160">
-              <a:lnSpc>
-                <a:spcPct val="90000"/>
-              </a:lnSpc>
-              <a:spcBef>
-                <a:spcPts val="499"/>
-              </a:spcBef>
-              <a:buClr>
-                <a:srgbClr val="000000"/>
-              </a:buClr>
-              <a:buFont typeface="Arial"/>
-              <a:buChar char="•"/>
-            </a:pPr>
-            <a:r>
-              <a:rPr b="0" lang="fr-FR" sz="2400" spc="-1" strike="noStrike">
-                <a:solidFill>
-                  <a:srgbClr val="000000"/>
-                </a:solidFill>
-                <a:latin typeface="Calibri"/>
-                <a:ea typeface="DejaVu Sans"/>
-              </a:rPr>
-              <a:t>Prévoyance des contraintes.</a:t>
-            </a:r>
-            <a:endParaRPr b="0" lang="fr-FR" sz="2400" spc="-1" strike="noStrike">
-              <a:latin typeface="Arial"/>
-            </a:endParaRPr>
-          </a:p>
-          <a:p>
-            <a:pPr lvl="1" marL="685800" indent="-227160">
-              <a:lnSpc>
-                <a:spcPct val="90000"/>
-              </a:lnSpc>
-              <a:spcBef>
-                <a:spcPts val="499"/>
-              </a:spcBef>
-              <a:buClr>
-                <a:srgbClr val="000000"/>
-              </a:buClr>
-              <a:buFont typeface="Arial"/>
-              <a:buChar char="•"/>
-            </a:pPr>
-            <a:r>
-              <a:rPr b="0" lang="fr-FR" sz="2400" spc="-1" strike="noStrike">
-                <a:solidFill>
-                  <a:srgbClr val="000000"/>
-                </a:solidFill>
-                <a:latin typeface="Calibri"/>
-                <a:ea typeface="DejaVu Sans"/>
-              </a:rPr>
-              <a:t>Adaptation par le suivit quotidien de l’avance du projet.</a:t>
-            </a:r>
-            <a:endParaRPr b="0" lang="fr-FR" sz="2400" spc="-1" strike="noStrike">
-              <a:latin typeface="Arial"/>
-            </a:endParaRPr>
-          </a:p>
-          <a:p>
-            <a:pPr lvl="1" marL="685800" indent="-227160">
-              <a:lnSpc>
-                <a:spcPct val="90000"/>
-              </a:lnSpc>
-              <a:spcBef>
-                <a:spcPts val="499"/>
-              </a:spcBef>
-              <a:buClr>
-                <a:srgbClr val="000000"/>
-              </a:buClr>
-              <a:buFont typeface="Arial"/>
-              <a:buChar char="•"/>
-            </a:pPr>
-            <a:r>
-              <a:rPr b="0" lang="fr-FR" sz="2400" spc="-1" strike="noStrike">
-                <a:solidFill>
-                  <a:srgbClr val="000000"/>
-                </a:solidFill>
-                <a:latin typeface="Calibri"/>
-                <a:ea typeface="DejaVu Sans"/>
-              </a:rPr>
-              <a:t>Production d’un livrable.</a:t>
-            </a:r>
-            <a:endParaRPr b="0" lang="fr-FR" sz="2400" spc="-1" strike="noStrike">
-              <a:latin typeface="Arial"/>
-            </a:endParaRPr>
-          </a:p>
-          <a:p>
-            <a:pPr>
-              <a:lnSpc>
-                <a:spcPct val="100000"/>
-              </a:lnSpc>
-            </a:pPr>
-            <a:endParaRPr b="0" lang="fr-FR" sz="2400" spc="-1" strike="noStrike">
               <a:latin typeface="Arial"/>
             </a:endParaRPr>
           </a:p>
@@ -10046,16 +10252,6 @@
               <a:buFont typeface="Arial"/>
               <a:buChar char="•"/>
             </a:pPr>
-            <a:r>
-              <a:rPr b="0" lang="fr-FR" sz="2800" spc="-1" strike="noStrike">
-                <a:solidFill>
-                  <a:srgbClr val="000000"/>
-                </a:solidFill>
-                <a:latin typeface="Calibri"/>
-                <a:ea typeface="DejaVu Sans"/>
-              </a:rPr>
-              <a:t>Prototype validé par des tests.</a:t>
-            </a:r>
             <a:endParaRPr b="0" lang="fr-FR" sz="2800" spc="-1" strike="noStrike">
               <a:latin typeface="Arial"/>
             </a:endParaRPr>
@@ -10082,56 +10278,17 @@
                 <a:latin typeface="Calibri"/>
                 <a:ea typeface="DejaVu Sans"/>
               </a:rPr>
-              <a:t>Facilité de déploiement.</a:t>
+              <a:t>Installation avec dpkg –i &lt;nom de l’application&gt;</a:t>
             </a:r>
             <a:endParaRPr b="0" lang="fr-FR" sz="2800" spc="-1" strike="noStrike">
               <a:latin typeface="Arial"/>
             </a:endParaRPr>
           </a:p>
-          <a:p>
-            <a:pPr>
-              <a:lnSpc>
-                <a:spcPct val="90000"/>
-              </a:lnSpc>
-              <a:spcBef>
-                <a:spcPts val="1001"/>
-              </a:spcBef>
-            </a:pPr>
-            <a:endParaRPr b="0" lang="fr-FR" sz="2800" spc="-1" strike="noStrike">
-              <a:latin typeface="Arial"/>
-            </a:endParaRPr>
-          </a:p>
-          <a:p>
-            <a:pPr>
-              <a:lnSpc>
-                <a:spcPct val="90000"/>
-              </a:lnSpc>
-              <a:spcBef>
-                <a:spcPts val="1001"/>
-              </a:spcBef>
-            </a:pPr>
-            <a:endParaRPr b="0" lang="fr-FR" sz="2800" spc="-1" strike="noStrike">
-              <a:latin typeface="Arial"/>
-            </a:endParaRPr>
-          </a:p>
-          <a:p>
-            <a:pPr>
-              <a:lnSpc>
-                <a:spcPct val="90000"/>
-              </a:lnSpc>
-              <a:spcBef>
-                <a:spcPts val="1001"/>
-              </a:spcBef>
-            </a:pPr>
-            <a:endParaRPr b="0" lang="fr-FR" sz="2800" spc="-1" strike="noStrike">
-              <a:latin typeface="Arial"/>
-            </a:endParaRPr>
-          </a:p>
-        </p:txBody>
-      </p:sp>
-      <p:sp>
-        <p:nvSpPr>
-          <p:cNvPr id="239" name="CustomShape 3"/>
+        </p:txBody>
+      </p:sp>
+      <p:sp>
+        <p:nvSpPr>
+          <p:cNvPr id="238" name="CustomShape 3"/>
           <p:cNvSpPr/>
           <p:nvPr/>
         </p:nvSpPr>
@@ -10164,7 +10321,7 @@
                 <a:spcPct val="100000"/>
               </a:lnSpc>
             </a:pPr>
-            <a:fld id="{27FFE192-7F19-4B5D-8B7E-4A726A3C1391}" type="slidenum">
+            <a:fld id="{62AFD7B0-D99F-4554-AB17-0EE42756A0BD}" type="slidenum">
               <a:rPr b="0" lang="fr-FR" sz="1200" spc="-1" strike="noStrike">
                 <a:solidFill>
                   <a:srgbClr val="8b8b8b"/>
@@ -10172,7 +10329,7 @@
                 <a:latin typeface="Calibri"/>
                 <a:ea typeface="DejaVu Sans"/>
               </a:rPr>
-              <a:t>16</a:t>
+              <a:t>&lt;numéro&gt;</a:t>
             </a:fld>
             <a:endParaRPr b="0" lang="fr-FR" sz="1200" spc="-1" strike="noStrike">
               <a:latin typeface="Arial"/>
@@ -10180,6 +10337,29 @@
           </a:p>
         </p:txBody>
       </p:sp>
+      <p:pic>
+        <p:nvPicPr>
+          <p:cNvPr id="239" name="" descr=""/>
+          <p:cNvPicPr/>
+          <p:nvPr/>
+        </p:nvPicPr>
+        <p:blipFill>
+          <a:blip r:embed="rId1"/>
+          <a:stretch/>
+        </p:blipFill>
+        <p:spPr>
+          <a:xfrm>
+            <a:off x="4680000" y="4536000"/>
+            <a:ext cx="1523520" cy="1523520"/>
+          </a:xfrm>
+          <a:prstGeom prst="rect">
+            <a:avLst/>
+          </a:prstGeom>
+          <a:ln>
+            <a:noFill/>
+          </a:ln>
+        </p:spPr>
+      </p:pic>
     </p:spTree>
   </p:cSld>
   <mc:AlternateContent>
@@ -10642,7 +10822,7 @@
                 <a:spcPct val="100000"/>
               </a:lnSpc>
             </a:pPr>
-            <a:fld id="{468330B3-515B-45D0-A269-A8CE8DD3B3C2}" type="slidenum">
+            <a:fld id="{3C745C40-18A0-4F84-AB66-C93C319C8871}" type="slidenum">
               <a:rPr b="0" lang="fr-FR" sz="1200" spc="-1" strike="noStrike">
                 <a:solidFill>
                   <a:srgbClr val="8b8b8b"/>
@@ -10650,7 +10830,7 @@
                 <a:latin typeface="Calibri"/>
                 <a:ea typeface="DejaVu Sans"/>
               </a:rPr>
-              <a:t>1</a:t>
+              <a:t>&lt;numéro&gt;</a:t>
             </a:fld>
             <a:endParaRPr b="0" lang="fr-FR" sz="1200" spc="-1" strike="noStrike">
               <a:latin typeface="Arial"/>
@@ -10746,8 +10926,8 @@
         </p:nvSpPr>
         <p:spPr>
           <a:xfrm>
-            <a:off x="905760" y="920880"/>
-            <a:ext cx="10514160" cy="819000"/>
+            <a:off x="837720" y="365040"/>
+            <a:ext cx="10514160" cy="1324080"/>
           </a:xfrm>
           <a:prstGeom prst="rect">
             <a:avLst/>
@@ -10764,7 +10944,7 @@
           <a:fontRef idx="minor"/>
         </p:style>
         <p:txBody>
-          <a:bodyPr lIns="90000" rIns="90000" tIns="45000" bIns="45000">
+          <a:bodyPr lIns="90000" rIns="90000" tIns="45000" bIns="45000" anchor="ctr">
             <a:noAutofit/>
           </a:bodyPr>
           <a:p>
@@ -10772,24 +10952,18 @@
               <a:lnSpc>
                 <a:spcPct val="90000"/>
               </a:lnSpc>
-              <a:spcBef>
-                <a:spcPts val="1001"/>
-              </a:spcBef>
-            </a:pPr>
-            <a:endParaRPr b="0" lang="fr-FR" sz="1800" spc="-1" strike="noStrike">
-              <a:latin typeface="Arial"/>
-            </a:endParaRPr>
-          </a:p>
-          <a:p>
-            <a:pPr>
-              <a:lnSpc>
-                <a:spcPct val="90000"/>
-              </a:lnSpc>
-              <a:spcBef>
-                <a:spcPts val="1001"/>
-              </a:spcBef>
-            </a:pPr>
-            <a:endParaRPr b="0" lang="fr-FR" sz="1800" spc="-1" strike="noStrike">
+            </a:pPr>
+            <a:r>
+              <a:rPr b="0" lang="fr-FR" sz="4400" spc="-1" strike="noStrike">
+                <a:solidFill>
+                  <a:srgbClr val="000000"/>
+                </a:solidFill>
+                <a:latin typeface="Calibri Light"/>
+                <a:ea typeface="DejaVu Sans"/>
+              </a:rPr>
+              <a:t>Conclusions</a:t>
+            </a:r>
+            <a:endParaRPr b="0" lang="fr-FR" sz="4400" spc="-1" strike="noStrike">
               <a:latin typeface="Arial"/>
             </a:endParaRPr>
           </a:p>
@@ -10803,8 +10977,8 @@
         </p:nvSpPr>
         <p:spPr>
           <a:xfrm>
-            <a:off x="8610120" y="6356520"/>
-            <a:ext cx="2741760" cy="363600"/>
+            <a:off x="837720" y="1825560"/>
+            <a:ext cx="10514160" cy="4349880"/>
           </a:xfrm>
           <a:prstGeom prst="rect">
             <a:avLst/>
@@ -10821,64 +10995,238 @@
           <a:fontRef idx="minor"/>
         </p:style>
         <p:txBody>
-          <a:bodyPr lIns="90000" rIns="90000" tIns="45000" bIns="45000" anchor="ctr">
+          <a:bodyPr lIns="90000" rIns="90000" tIns="45000" bIns="45000">
             <a:noAutofit/>
           </a:bodyPr>
           <a:p>
-            <a:pPr algn="r">
+            <a:pPr marL="228600" indent="-227160">
+              <a:lnSpc>
+                <a:spcPct val="90000"/>
+              </a:lnSpc>
+              <a:spcBef>
+                <a:spcPts val="1001"/>
+              </a:spcBef>
+              <a:buClr>
+                <a:srgbClr val="000000"/>
+              </a:buClr>
+              <a:buFont typeface="Arial"/>
+              <a:buChar char="•"/>
+            </a:pPr>
+            <a:r>
+              <a:rPr b="0" lang="fr-FR" sz="2800" spc="-1" strike="noStrike">
+                <a:solidFill>
+                  <a:srgbClr val="000000"/>
+                </a:solidFill>
+                <a:latin typeface="Calibri"/>
+                <a:ea typeface="DejaVu Sans"/>
+              </a:rPr>
+              <a:t>Développement efficace:</a:t>
+            </a:r>
+            <a:endParaRPr b="0" lang="fr-FR" sz="2800" spc="-1" strike="noStrike">
+              <a:latin typeface="Arial"/>
+            </a:endParaRPr>
+          </a:p>
+          <a:p>
+            <a:pPr lvl="1" marL="685800" indent="-227160">
+              <a:lnSpc>
+                <a:spcPct val="90000"/>
+              </a:lnSpc>
+              <a:spcBef>
+                <a:spcPts val="499"/>
+              </a:spcBef>
+              <a:buClr>
+                <a:srgbClr val="000000"/>
+              </a:buClr>
+              <a:buFont typeface="Arial"/>
+              <a:buChar char="•"/>
+            </a:pPr>
+            <a:r>
+              <a:rPr b="0" lang="fr-FR" sz="2400" spc="-1" strike="noStrike">
+                <a:solidFill>
+                  <a:srgbClr val="000000"/>
+                </a:solidFill>
+                <a:latin typeface="Calibri"/>
+                <a:ea typeface="DejaVu Sans"/>
+              </a:rPr>
+              <a:t>Prévoyance des contraintes.</a:t>
+            </a:r>
+            <a:endParaRPr b="0" lang="fr-FR" sz="2400" spc="-1" strike="noStrike">
+              <a:latin typeface="Arial"/>
+            </a:endParaRPr>
+          </a:p>
+          <a:p>
+            <a:pPr lvl="1" marL="685800" indent="-227160">
+              <a:lnSpc>
+                <a:spcPct val="90000"/>
+              </a:lnSpc>
+              <a:spcBef>
+                <a:spcPts val="499"/>
+              </a:spcBef>
+              <a:buClr>
+                <a:srgbClr val="000000"/>
+              </a:buClr>
+              <a:buFont typeface="Arial"/>
+              <a:buChar char="•"/>
+            </a:pPr>
+            <a:r>
+              <a:rPr b="0" lang="fr-FR" sz="2400" spc="-1" strike="noStrike">
+                <a:solidFill>
+                  <a:srgbClr val="000000"/>
+                </a:solidFill>
+                <a:latin typeface="Calibri"/>
+                <a:ea typeface="DejaVu Sans"/>
+              </a:rPr>
+              <a:t>Adaptation par le suivit quotidien de l’avance du projet.</a:t>
+            </a:r>
+            <a:endParaRPr b="0" lang="fr-FR" sz="2400" spc="-1" strike="noStrike">
+              <a:latin typeface="Arial"/>
+            </a:endParaRPr>
+          </a:p>
+          <a:p>
+            <a:pPr lvl="1" marL="685800" indent="-227160">
+              <a:lnSpc>
+                <a:spcPct val="90000"/>
+              </a:lnSpc>
+              <a:spcBef>
+                <a:spcPts val="499"/>
+              </a:spcBef>
+              <a:buClr>
+                <a:srgbClr val="000000"/>
+              </a:buClr>
+              <a:buFont typeface="Arial"/>
+              <a:buChar char="•"/>
+            </a:pPr>
+            <a:r>
+              <a:rPr b="0" lang="fr-FR" sz="2400" spc="-1" strike="noStrike">
+                <a:solidFill>
+                  <a:srgbClr val="000000"/>
+                </a:solidFill>
+                <a:latin typeface="Calibri"/>
+                <a:ea typeface="DejaVu Sans"/>
+              </a:rPr>
+              <a:t>Production d’un livrable.</a:t>
+            </a:r>
+            <a:endParaRPr b="0" lang="fr-FR" sz="2400" spc="-1" strike="noStrike">
+              <a:latin typeface="Arial"/>
+            </a:endParaRPr>
+          </a:p>
+          <a:p>
+            <a:pPr>
               <a:lnSpc>
                 <a:spcPct val="100000"/>
               </a:lnSpc>
             </a:pPr>
-            <a:fld id="{393D4986-1DD2-4A71-8922-14306EC1841A}" type="slidenum">
-              <a:rPr b="0" lang="fr-FR" sz="1200" spc="-1" strike="noStrike">
-                <a:solidFill>
-                  <a:srgbClr val="8b8b8b"/>
+            <a:endParaRPr b="0" lang="fr-FR" sz="2400" spc="-1" strike="noStrike">
+              <a:latin typeface="Arial"/>
+            </a:endParaRPr>
+          </a:p>
+          <a:p>
+            <a:pPr marL="228600" indent="-227160">
+              <a:lnSpc>
+                <a:spcPct val="90000"/>
+              </a:lnSpc>
+              <a:spcBef>
+                <a:spcPts val="1001"/>
+              </a:spcBef>
+              <a:buClr>
+                <a:srgbClr val="000000"/>
+              </a:buClr>
+              <a:buFont typeface="Arial"/>
+              <a:buChar char="•"/>
+            </a:pPr>
+            <a:r>
+              <a:rPr b="0" lang="fr-FR" sz="2800" spc="-1" strike="noStrike">
+                <a:solidFill>
+                  <a:srgbClr val="000000"/>
                 </a:solidFill>
                 <a:latin typeface="Calibri"/>
                 <a:ea typeface="DejaVu Sans"/>
               </a:rPr>
-              <a:t>16</a:t>
-            </a:fld>
-            <a:endParaRPr b="0" lang="fr-FR" sz="1200" spc="-1" strike="noStrike">
-              <a:latin typeface="Arial"/>
-            </a:endParaRPr>
-          </a:p>
-        </p:txBody>
-      </p:sp>
-      <p:pic>
-        <p:nvPicPr>
-          <p:cNvPr id="242" name="Image 7" descr=""/>
-          <p:cNvPicPr/>
-          <p:nvPr/>
-        </p:nvPicPr>
-        <p:blipFill>
-          <a:blip r:embed="rId1"/>
-          <a:stretch/>
-        </p:blipFill>
-        <p:spPr>
-          <a:xfrm>
-            <a:off x="1802520" y="4992480"/>
-            <a:ext cx="1952280" cy="1463760"/>
-          </a:xfrm>
-          <a:prstGeom prst="rect">
-            <a:avLst/>
-          </a:prstGeom>
-          <a:ln>
-            <a:noFill/>
-          </a:ln>
-        </p:spPr>
-      </p:pic>
-      <p:sp>
-        <p:nvSpPr>
-          <p:cNvPr id="243" name="CustomShape 3"/>
+              <a:t>Prototype validé par des tests.</a:t>
+            </a:r>
+            <a:endParaRPr b="0" lang="fr-FR" sz="2800" spc="-1" strike="noStrike">
+              <a:latin typeface="Arial"/>
+            </a:endParaRPr>
+          </a:p>
+          <a:p>
+            <a:pPr marL="228600" indent="-227160">
+              <a:lnSpc>
+                <a:spcPct val="90000"/>
+              </a:lnSpc>
+              <a:spcBef>
+                <a:spcPts val="1001"/>
+              </a:spcBef>
+              <a:buClr>
+                <a:srgbClr val="000000"/>
+              </a:buClr>
+              <a:buFont typeface="Arial"/>
+              <a:buChar char="•"/>
+            </a:pPr>
+            <a:r>
+              <a:rPr b="0" lang="fr-FR" sz="2800" spc="-1" strike="noStrike">
+                <a:solidFill>
+                  <a:srgbClr val="000000"/>
+                </a:solidFill>
+                <a:latin typeface="Calibri"/>
+                <a:ea typeface="DejaVu Sans"/>
+              </a:rPr>
+              <a:t>Facilité de déploiement.</a:t>
+            </a:r>
+            <a:endParaRPr b="0" lang="fr-FR" sz="2800" spc="-1" strike="noStrike">
+              <a:latin typeface="Arial"/>
+            </a:endParaRPr>
+          </a:p>
+          <a:p>
+            <a:pPr>
+              <a:lnSpc>
+                <a:spcPct val="90000"/>
+              </a:lnSpc>
+              <a:spcBef>
+                <a:spcPts val="1001"/>
+              </a:spcBef>
+            </a:pPr>
+            <a:endParaRPr b="0" lang="fr-FR" sz="2800" spc="-1" strike="noStrike">
+              <a:latin typeface="Arial"/>
+            </a:endParaRPr>
+          </a:p>
+          <a:p>
+            <a:pPr>
+              <a:lnSpc>
+                <a:spcPct val="90000"/>
+              </a:lnSpc>
+              <a:spcBef>
+                <a:spcPts val="1001"/>
+              </a:spcBef>
+            </a:pPr>
+            <a:endParaRPr b="0" lang="fr-FR" sz="2800" spc="-1" strike="noStrike">
+              <a:latin typeface="Arial"/>
+            </a:endParaRPr>
+          </a:p>
+          <a:p>
+            <a:pPr>
+              <a:lnSpc>
+                <a:spcPct val="90000"/>
+              </a:lnSpc>
+              <a:spcBef>
+                <a:spcPts val="1001"/>
+              </a:spcBef>
+            </a:pPr>
+            <a:endParaRPr b="0" lang="fr-FR" sz="2800" spc="-1" strike="noStrike">
+              <a:latin typeface="Arial"/>
+            </a:endParaRPr>
+          </a:p>
+        </p:txBody>
+      </p:sp>
+      <p:sp>
+        <p:nvSpPr>
+          <p:cNvPr id="242" name="CustomShape 3"/>
           <p:cNvSpPr/>
           <p:nvPr/>
         </p:nvSpPr>
         <p:spPr>
           <a:xfrm>
-            <a:off x="3756240" y="5252760"/>
-            <a:ext cx="4982040" cy="1186920"/>
+            <a:off x="8610120" y="6356520"/>
+            <a:ext cx="2741760" cy="363600"/>
           </a:xfrm>
           <a:prstGeom prst="rect">
             <a:avLst/>
@@ -10895,107 +11243,26 @@
           <a:fontRef idx="minor"/>
         </p:style>
         <p:txBody>
-          <a:bodyPr lIns="90000" rIns="90000" tIns="45000" bIns="45000">
-            <a:spAutoFit/>
-          </a:bodyPr>
-          <a:p>
-            <a:pPr algn="ctr">
-              <a:lnSpc>
-                <a:spcPct val="100000"/>
-              </a:lnSpc>
-            </a:pPr>
-            <a:r>
-              <a:rPr b="0" lang="fr-FR" sz="1800" spc="-1" strike="noStrike">
-                <a:solidFill>
-                  <a:srgbClr val="000000"/>
-                </a:solidFill>
-                <a:latin typeface="Calibri"/>
-                <a:ea typeface="DejaVu Sans"/>
-              </a:rPr>
-              <a:t>« Bill Gates &amp; blue screen (Windows 98)» </a:t>
-            </a:r>
-            <a:endParaRPr b="0" lang="fr-FR" sz="1800" spc="-1" strike="noStrike">
-              <a:latin typeface="Arial"/>
-            </a:endParaRPr>
-          </a:p>
-          <a:p>
-            <a:pPr algn="ctr">
-              <a:lnSpc>
-                <a:spcPct val="100000"/>
-              </a:lnSpc>
-            </a:pPr>
-            <a:endParaRPr b="0" lang="fr-FR" sz="1800" spc="-1" strike="noStrike">
-              <a:latin typeface="Arial"/>
-            </a:endParaRPr>
-          </a:p>
-          <a:p>
-            <a:pPr algn="ctr">
-              <a:lnSpc>
-                <a:spcPct val="100000"/>
-              </a:lnSpc>
-            </a:pPr>
-            <a:r>
-              <a:rPr b="0" lang="fr-FR" sz="1800" spc="-1" strike="noStrike">
-                <a:solidFill>
-                  <a:srgbClr val="000000"/>
-                </a:solidFill>
-                <a:latin typeface="Calibri"/>
-                <a:ea typeface="DejaVu Sans"/>
-              </a:rPr>
-              <a:t>Même les plus grands ont failli a cet exercice.</a:t>
-            </a:r>
-            <a:endParaRPr b="0" lang="fr-FR" sz="1800" spc="-1" strike="noStrike">
-              <a:latin typeface="Arial"/>
-            </a:endParaRPr>
-          </a:p>
-        </p:txBody>
-      </p:sp>
-      <p:sp>
-        <p:nvSpPr>
-          <p:cNvPr id="244" name="CustomShape 4"/>
-          <p:cNvSpPr/>
-          <p:nvPr/>
-        </p:nvSpPr>
-        <p:spPr>
-          <a:xfrm>
-            <a:off x="581040" y="1911240"/>
-            <a:ext cx="11028240" cy="1324080"/>
-          </a:xfrm>
-          <a:prstGeom prst="rect">
-            <a:avLst/>
-          </a:prstGeom>
-          <a:noFill/>
-          <a:ln>
-            <a:noFill/>
-          </a:ln>
-        </p:spPr>
-        <p:style>
-          <a:lnRef idx="0"/>
-          <a:fillRef idx="0"/>
-          <a:effectRef idx="0"/>
-          <a:fontRef idx="minor"/>
-        </p:style>
-        <p:txBody>
           <a:bodyPr lIns="90000" rIns="90000" tIns="45000" bIns="45000" anchor="ctr">
             <a:noAutofit/>
           </a:bodyPr>
           <a:p>
-            <a:pPr algn="ctr">
-              <a:lnSpc>
-                <a:spcPct val="90000"/>
-              </a:lnSpc>
-            </a:pPr>
-            <a:r>
-              <a:rPr b="0" lang="fr-FR" sz="4400" spc="-1" strike="noStrike">
-                <a:solidFill>
-                  <a:srgbClr val="000000"/>
-                </a:solidFill>
-                <a:latin typeface="Calibri Light"/>
-                <a:ea typeface="DejaVu Sans"/>
-              </a:rPr>
-              <a:t>Place a la démonstration</a:t>
-            </a:r>
-            <a:endParaRPr b="0" lang="fr-FR" sz="4400" spc="-1" strike="noStrike">
+            <a:pPr algn="r">
+              <a:lnSpc>
+                <a:spcPct val="100000"/>
+              </a:lnSpc>
+            </a:pPr>
+            <a:fld id="{D56261DE-A2EF-47FD-8F91-FB0A63022F7E}" type="slidenum">
+              <a:rPr b="0" lang="fr-FR" sz="1200" spc="-1" strike="noStrike">
+                <a:solidFill>
+                  <a:srgbClr val="8b8b8b"/>
+                </a:solidFill>
+                <a:latin typeface="Calibri"/>
+                <a:ea typeface="DejaVu Sans"/>
+              </a:rPr>
+              <a:t>&lt;numéro&gt;</a:t>
+            </a:fld>
+            <a:endParaRPr b="0" lang="fr-FR" sz="1200" spc="-1" strike="noStrike">
               <a:latin typeface="Arial"/>
             </a:endParaRPr>
           </a:p>
@@ -11041,6 +11308,326 @@
 </p:sld>
 </file>
 
+<file path=ppt/slides/slide21.xml><?xml version="1.0" encoding="utf-8"?>
+<p:sld xmlns:a="http://schemas.openxmlformats.org/drawingml/2006/main" xmlns:p="http://schemas.openxmlformats.org/presentationml/2006/main" xmlns:r="http://schemas.openxmlformats.org/officeDocument/2006/relationships" xmlns:p14="http://schemas.microsoft.com/office/powerpoint/2010/main" xmlns:p15="http://schemas.microsoft.com/office/powerpoint/2012/main" xmlns:mc="http://schemas.openxmlformats.org/markup-compatibility/2006">
+  <p:cSld>
+    <p:spTree>
+      <p:nvGrpSpPr>
+        <p:cNvPr id="1" name=""/>
+        <p:cNvGrpSpPr/>
+        <p:nvPr/>
+      </p:nvGrpSpPr>
+      <p:grpSpPr>
+        <a:xfrm>
+          <a:off x="0" y="0"/>
+          <a:ext cx="0" cy="0"/>
+          <a:chOff x="0" y="0"/>
+          <a:chExt cx="0" cy="0"/>
+        </a:xfrm>
+      </p:grpSpPr>
+      <p:sp>
+        <p:nvSpPr>
+          <p:cNvPr id="243" name="CustomShape 1"/>
+          <p:cNvSpPr/>
+          <p:nvPr/>
+        </p:nvSpPr>
+        <p:spPr>
+          <a:xfrm>
+            <a:off x="905760" y="920880"/>
+            <a:ext cx="10514160" cy="819000"/>
+          </a:xfrm>
+          <a:prstGeom prst="rect">
+            <a:avLst/>
+          </a:prstGeom>
+          <a:noFill/>
+          <a:ln>
+            <a:noFill/>
+          </a:ln>
+        </p:spPr>
+        <p:style>
+          <a:lnRef idx="0"/>
+          <a:fillRef idx="0"/>
+          <a:effectRef idx="0"/>
+          <a:fontRef idx="minor"/>
+        </p:style>
+        <p:txBody>
+          <a:bodyPr lIns="90000" rIns="90000" tIns="45000" bIns="45000">
+            <a:noAutofit/>
+          </a:bodyPr>
+          <a:p>
+            <a:pPr>
+              <a:lnSpc>
+                <a:spcPct val="90000"/>
+              </a:lnSpc>
+              <a:spcBef>
+                <a:spcPts val="1001"/>
+              </a:spcBef>
+            </a:pPr>
+            <a:endParaRPr b="0" lang="fr-FR" sz="1800" spc="-1" strike="noStrike">
+              <a:latin typeface="Arial"/>
+            </a:endParaRPr>
+          </a:p>
+          <a:p>
+            <a:pPr>
+              <a:lnSpc>
+                <a:spcPct val="90000"/>
+              </a:lnSpc>
+              <a:spcBef>
+                <a:spcPts val="1001"/>
+              </a:spcBef>
+            </a:pPr>
+            <a:endParaRPr b="0" lang="fr-FR" sz="1800" spc="-1" strike="noStrike">
+              <a:latin typeface="Arial"/>
+            </a:endParaRPr>
+          </a:p>
+        </p:txBody>
+      </p:sp>
+      <p:sp>
+        <p:nvSpPr>
+          <p:cNvPr id="244" name="CustomShape 2"/>
+          <p:cNvSpPr/>
+          <p:nvPr/>
+        </p:nvSpPr>
+        <p:spPr>
+          <a:xfrm>
+            <a:off x="8610120" y="6356520"/>
+            <a:ext cx="2741760" cy="363600"/>
+          </a:xfrm>
+          <a:prstGeom prst="rect">
+            <a:avLst/>
+          </a:prstGeom>
+          <a:noFill/>
+          <a:ln>
+            <a:noFill/>
+          </a:ln>
+        </p:spPr>
+        <p:style>
+          <a:lnRef idx="0"/>
+          <a:fillRef idx="0"/>
+          <a:effectRef idx="0"/>
+          <a:fontRef idx="minor"/>
+        </p:style>
+        <p:txBody>
+          <a:bodyPr lIns="90000" rIns="90000" tIns="45000" bIns="45000" anchor="ctr">
+            <a:noAutofit/>
+          </a:bodyPr>
+          <a:p>
+            <a:pPr algn="r">
+              <a:lnSpc>
+                <a:spcPct val="100000"/>
+              </a:lnSpc>
+            </a:pPr>
+            <a:fld id="{C8D67CF6-9C26-4640-B28D-0B3F41D58163}" type="slidenum">
+              <a:rPr b="0" lang="fr-FR" sz="1200" spc="-1" strike="noStrike">
+                <a:solidFill>
+                  <a:srgbClr val="8b8b8b"/>
+                </a:solidFill>
+                <a:latin typeface="Calibri"/>
+                <a:ea typeface="DejaVu Sans"/>
+              </a:rPr>
+              <a:t>&lt;numéro&gt;</a:t>
+            </a:fld>
+            <a:endParaRPr b="0" lang="fr-FR" sz="1200" spc="-1" strike="noStrike">
+              <a:latin typeface="Arial"/>
+            </a:endParaRPr>
+          </a:p>
+        </p:txBody>
+      </p:sp>
+      <p:pic>
+        <p:nvPicPr>
+          <p:cNvPr id="245" name="Image 7" descr=""/>
+          <p:cNvPicPr/>
+          <p:nvPr/>
+        </p:nvPicPr>
+        <p:blipFill>
+          <a:blip r:embed="rId1"/>
+          <a:stretch/>
+        </p:blipFill>
+        <p:spPr>
+          <a:xfrm>
+            <a:off x="1802520" y="4992480"/>
+            <a:ext cx="1952280" cy="1463760"/>
+          </a:xfrm>
+          <a:prstGeom prst="rect">
+            <a:avLst/>
+          </a:prstGeom>
+          <a:ln>
+            <a:noFill/>
+          </a:ln>
+        </p:spPr>
+      </p:pic>
+      <p:sp>
+        <p:nvSpPr>
+          <p:cNvPr id="246" name="CustomShape 3"/>
+          <p:cNvSpPr/>
+          <p:nvPr/>
+        </p:nvSpPr>
+        <p:spPr>
+          <a:xfrm>
+            <a:off x="3756240" y="5252760"/>
+            <a:ext cx="4982040" cy="1186920"/>
+          </a:xfrm>
+          <a:prstGeom prst="rect">
+            <a:avLst/>
+          </a:prstGeom>
+          <a:noFill/>
+          <a:ln>
+            <a:noFill/>
+          </a:ln>
+        </p:spPr>
+        <p:style>
+          <a:lnRef idx="0"/>
+          <a:fillRef idx="0"/>
+          <a:effectRef idx="0"/>
+          <a:fontRef idx="minor"/>
+        </p:style>
+        <p:txBody>
+          <a:bodyPr lIns="90000" rIns="90000" tIns="45000" bIns="45000">
+            <a:spAutoFit/>
+          </a:bodyPr>
+          <a:p>
+            <a:pPr algn="ctr">
+              <a:lnSpc>
+                <a:spcPct val="100000"/>
+              </a:lnSpc>
+            </a:pPr>
+            <a:r>
+              <a:rPr b="0" lang="fr-FR" sz="1800" spc="-1" strike="noStrike">
+                <a:solidFill>
+                  <a:srgbClr val="000000"/>
+                </a:solidFill>
+                <a:latin typeface="Calibri"/>
+                <a:ea typeface="DejaVu Sans"/>
+              </a:rPr>
+              <a:t>« Bill Gates &amp; blue screen (Windows 98)» </a:t>
+            </a:r>
+            <a:endParaRPr b="0" lang="fr-FR" sz="1800" spc="-1" strike="noStrike">
+              <a:latin typeface="Arial"/>
+            </a:endParaRPr>
+          </a:p>
+          <a:p>
+            <a:pPr algn="ctr">
+              <a:lnSpc>
+                <a:spcPct val="100000"/>
+              </a:lnSpc>
+            </a:pPr>
+            <a:endParaRPr b="0" lang="fr-FR" sz="1800" spc="-1" strike="noStrike">
+              <a:latin typeface="Arial"/>
+            </a:endParaRPr>
+          </a:p>
+          <a:p>
+            <a:pPr algn="ctr">
+              <a:lnSpc>
+                <a:spcPct val="100000"/>
+              </a:lnSpc>
+            </a:pPr>
+            <a:r>
+              <a:rPr b="0" lang="fr-FR" sz="1800" spc="-1" strike="noStrike">
+                <a:solidFill>
+                  <a:srgbClr val="000000"/>
+                </a:solidFill>
+                <a:latin typeface="Calibri"/>
+                <a:ea typeface="DejaVu Sans"/>
+              </a:rPr>
+              <a:t>Même les plus grands ont failli a cet exercice.</a:t>
+            </a:r>
+            <a:endParaRPr b="0" lang="fr-FR" sz="1800" spc="-1" strike="noStrike">
+              <a:latin typeface="Arial"/>
+            </a:endParaRPr>
+          </a:p>
+        </p:txBody>
+      </p:sp>
+      <p:sp>
+        <p:nvSpPr>
+          <p:cNvPr id="247" name="CustomShape 4"/>
+          <p:cNvSpPr/>
+          <p:nvPr/>
+        </p:nvSpPr>
+        <p:spPr>
+          <a:xfrm>
+            <a:off x="581040" y="1911240"/>
+            <a:ext cx="11028240" cy="1324080"/>
+          </a:xfrm>
+          <a:prstGeom prst="rect">
+            <a:avLst/>
+          </a:prstGeom>
+          <a:noFill/>
+          <a:ln>
+            <a:noFill/>
+          </a:ln>
+        </p:spPr>
+        <p:style>
+          <a:lnRef idx="0"/>
+          <a:fillRef idx="0"/>
+          <a:effectRef idx="0"/>
+          <a:fontRef idx="minor"/>
+        </p:style>
+        <p:txBody>
+          <a:bodyPr lIns="90000" rIns="90000" tIns="45000" bIns="45000" anchor="ctr">
+            <a:noAutofit/>
+          </a:bodyPr>
+          <a:p>
+            <a:pPr algn="ctr">
+              <a:lnSpc>
+                <a:spcPct val="90000"/>
+              </a:lnSpc>
+            </a:pPr>
+            <a:r>
+              <a:rPr b="0" lang="fr-FR" sz="4400" spc="-1" strike="noStrike">
+                <a:solidFill>
+                  <a:srgbClr val="000000"/>
+                </a:solidFill>
+                <a:latin typeface="Calibri Light"/>
+                <a:ea typeface="DejaVu Sans"/>
+              </a:rPr>
+              <a:t>Place a la démonstration</a:t>
+            </a:r>
+            <a:endParaRPr b="0" lang="fr-FR" sz="4400" spc="-1" strike="noStrike">
+              <a:latin typeface="Arial"/>
+            </a:endParaRPr>
+          </a:p>
+        </p:txBody>
+      </p:sp>
+    </p:spTree>
+  </p:cSld>
+  <mc:AlternateContent>
+    <mc:Choice Requires="p14">
+      <p:transition spd="slow" p14:dur="2000"/>
+    </mc:Choice>
+    <mc:Fallback>
+      <p:transition spd="slow"/>
+    </mc:Fallback>
+  </mc:AlternateContent>
+  <p:timing>
+    <p:tnLst>
+      <p:par>
+        <p:cTn id="41" dur="indefinite" restart="never" nodeType="tmRoot">
+          <p:childTnLst>
+            <p:seq>
+              <p:cTn id="42" dur="indefinite" nodeType="mainSeq"/>
+              <p:prevCondLst>
+                <p:cond delay="0" evt="onPrev">
+                  <p:tgtEl>
+                    <p:sldTgt/>
+                  </p:tgtEl>
+                </p:cond>
+              </p:prevCondLst>
+              <p:nextCondLst>
+                <p:cond delay="0" evt="onNext">
+                  <p:tgtEl>
+                    <p:sldTgt/>
+                  </p:tgtEl>
+                </p:cond>
+              </p:nextCondLst>
+            </p:seq>
+          </p:childTnLst>
+        </p:cTn>
+      </p:par>
+    </p:tnLst>
+  </p:timing>
+</p:sld>
+</file>
+
 <file path=ppt/slides/slide3.xml><?xml version="1.0" encoding="utf-8"?>
 <p:sld xmlns:a="http://schemas.openxmlformats.org/drawingml/2006/main" xmlns:p="http://schemas.openxmlformats.org/presentationml/2006/main" xmlns:r="http://schemas.openxmlformats.org/officeDocument/2006/relationships" xmlns:p14="http://schemas.microsoft.com/office/powerpoint/2010/main" xmlns:p15="http://schemas.microsoft.com/office/powerpoint/2012/main" xmlns:mc="http://schemas.openxmlformats.org/markup-compatibility/2006">
   <p:cSld>
@@ -11524,7 +12111,7 @@
                 <a:spcPct val="100000"/>
               </a:lnSpc>
             </a:pPr>
-            <a:fld id="{43AD5289-CFB2-40DE-B3C8-BE7ABF540133}" type="slidenum">
+            <a:fld id="{5AA67989-92B2-4FB5-95F3-47B6FAB8A81D}" type="slidenum">
               <a:rPr b="0" lang="fr-FR" sz="1200" spc="-1" strike="noStrike">
                 <a:solidFill>
                   <a:srgbClr val="8b8b8b"/>
@@ -11683,7 +12270,7 @@
                 <a:spcPct val="100000"/>
               </a:lnSpc>
             </a:pPr>
-            <a:fld id="{0A5B4C05-2B22-4CE4-8723-5176A8EBAB08}" type="slidenum">
+            <a:fld id="{81DC47FF-951D-4F32-88C0-B388DDCCC43A}" type="slidenum">
               <a:rPr b="0" lang="fr-FR" sz="1200" spc="-1" strike="noStrike">
                 <a:solidFill>
                   <a:srgbClr val="8b8b8b"/>
@@ -12338,7 +12925,7 @@
                 <a:spcPct val="100000"/>
               </a:lnSpc>
             </a:pPr>
-            <a:fld id="{0B071C4A-75F4-4FCE-963B-A6E509D54616}" type="slidenum">
+            <a:fld id="{C003D470-93BA-4154-B9B3-F46C8A7402FF}" type="slidenum">
               <a:rPr b="0" lang="fr-FR" sz="1200" spc="-1" strike="noStrike">
                 <a:solidFill>
                   <a:srgbClr val="8b8b8b"/>
@@ -12346,7 +12933,7 @@
                 <a:latin typeface="Calibri"/>
                 <a:ea typeface="DejaVu Sans"/>
               </a:rPr>
-              <a:t>3</a:t>
+              <a:t>&lt;numéro&gt;</a:t>
             </a:fld>
             <a:endParaRPr b="0" lang="fr-FR" sz="1200" spc="-1" strike="noStrike">
               <a:latin typeface="Arial"/>
@@ -12571,7 +13158,7 @@
                 <a:spcPct val="100000"/>
               </a:lnSpc>
             </a:pPr>
-            <a:fld id="{28E6BC9F-B390-4E21-A85D-3B01D091A4B2}" type="slidenum">
+            <a:fld id="{A658BEBF-3FC1-4E7A-9D41-4750E4790124}" type="slidenum">
               <a:rPr b="0" lang="fr-FR" sz="1200" spc="-1" strike="noStrike">
                 <a:solidFill>
                   <a:srgbClr val="8b8b8b"/>
@@ -12579,7 +13166,7 @@
                 <a:latin typeface="Calibri"/>
                 <a:ea typeface="DejaVu Sans"/>
               </a:rPr>
-              <a:t>3</a:t>
+              <a:t>&lt;numéro&gt;</a:t>
             </a:fld>
             <a:endParaRPr b="0" lang="fr-FR" sz="1200" spc="-1" strike="noStrike">
               <a:latin typeface="Arial"/>
@@ -12876,6 +13463,42 @@
                 <a:ea typeface="DejaVu Sans"/>
               </a:rPr>
               <a:t>Doxygen</a:t>
+            </a:r>
+            <a:endParaRPr b="0" lang="fr-FR" sz="1800" spc="-1" strike="noStrike">
+              <a:latin typeface="Arial"/>
+            </a:endParaRPr>
+          </a:p>
+        </p:txBody>
+      </p:sp>
+      <p:sp>
+        <p:nvSpPr>
+          <p:cNvPr id="148" name="TextShape 7"/>
+          <p:cNvSpPr txBox="1"/>
+          <p:nvPr/>
+        </p:nvSpPr>
+        <p:spPr>
+          <a:xfrm>
+            <a:off x="576000" y="5472000"/>
+            <a:ext cx="1764000" cy="346320"/>
+          </a:xfrm>
+          <a:prstGeom prst="rect">
+            <a:avLst/>
+          </a:prstGeom>
+          <a:noFill/>
+          <a:ln>
+            <a:noFill/>
+          </a:ln>
+        </p:spPr>
+        <p:txBody>
+          <a:bodyPr lIns="90000" rIns="90000" tIns="45000" bIns="45000">
+            <a:spAutoFit/>
+          </a:bodyPr>
+          <a:p>
+            <a:r>
+              <a:rPr b="0" lang="fr-FR" sz="1800" spc="-1" strike="noStrike">
+                <a:latin typeface="Arial"/>
+              </a:rPr>
+              <a:t>Règles meeting</a:t>
             </a:r>
             <a:endParaRPr b="0" lang="fr-FR" sz="1800" spc="-1" strike="noStrike">
               <a:latin typeface="Arial"/>
@@ -12942,7 +13565,7 @@
       </p:grpSpPr>
       <p:sp>
         <p:nvSpPr>
-          <p:cNvPr id="148" name="CustomShape 1"/>
+          <p:cNvPr id="149" name="CustomShape 1"/>
           <p:cNvSpPr/>
           <p:nvPr/>
         </p:nvSpPr>
@@ -12993,7 +13616,7 @@
       </p:sp>
       <p:sp>
         <p:nvSpPr>
-          <p:cNvPr id="149" name="CustomShape 2"/>
+          <p:cNvPr id="150" name="CustomShape 2"/>
           <p:cNvSpPr/>
           <p:nvPr/>
         </p:nvSpPr>
@@ -13026,7 +13649,7 @@
                 <a:spcPct val="100000"/>
               </a:lnSpc>
             </a:pPr>
-            <a:fld id="{B7061632-A24B-4DE4-A33B-FED999A0BBC8}" type="slidenum">
+            <a:fld id="{787CC3C9-330C-43FD-9F53-24D84E6E5257}" type="slidenum">
               <a:rPr b="0" lang="fr-FR" sz="1200" spc="-1" strike="noStrike">
                 <a:solidFill>
                   <a:srgbClr val="8b8b8b"/>
@@ -13034,7 +13657,7 @@
                 <a:latin typeface="Calibri"/>
                 <a:ea typeface="DejaVu Sans"/>
               </a:rPr>
-              <a:t>3</a:t>
+              <a:t>&lt;numéro&gt;</a:t>
             </a:fld>
             <a:endParaRPr b="0" lang="fr-FR" sz="1200" spc="-1" strike="noStrike">
               <a:latin typeface="Arial"/>
@@ -13044,7 +13667,7 @@
       </p:sp>
       <p:sp>
         <p:nvSpPr>
-          <p:cNvPr id="150" name="TextShape 3"/>
+          <p:cNvPr id="151" name="TextShape 3"/>
           <p:cNvSpPr txBox="1"/>
           <p:nvPr/>
         </p:nvSpPr>
@@ -13074,17 +13697,7 @@
                 <a:latin typeface="Calibri"/>
                 <a:ea typeface="DejaVu Sans"/>
               </a:rPr>
-              <a:t>Compil</a:t>
-            </a:r>
-            <a:r>
-              <a:rPr b="0" lang="fr-FR" sz="1800" spc="-1" strike="noStrike">
-                <a:solidFill>
-                  <a:srgbClr val="000000"/>
-                </a:solidFill>
-                <a:latin typeface="Calibri"/>
-                <a:ea typeface="DejaVu Sans"/>
-              </a:rPr>
-              <a:t>ation</a:t>
+              <a:t>Compilation</a:t>
             </a:r>
             <a:endParaRPr b="0" lang="fr-FR" sz="1800" spc="-1" strike="noStrike">
               <a:latin typeface="Arial"/>
@@ -13094,7 +13707,7 @@
       </p:sp>
       <p:sp>
         <p:nvSpPr>
-          <p:cNvPr id="151" name="CustomShape 4"/>
+          <p:cNvPr id="152" name="CustomShape 4"/>
           <p:cNvSpPr/>
           <p:nvPr/>
         </p:nvSpPr>
@@ -13124,7 +13737,7 @@
       </p:sp>
       <p:pic>
         <p:nvPicPr>
-          <p:cNvPr id="152" name="" descr=""/>
+          <p:cNvPr id="153" name="" descr=""/>
           <p:cNvPicPr/>
           <p:nvPr/>
         </p:nvPicPr>
@@ -13136,29 +13749,6 @@
           <a:xfrm>
             <a:off x="4032720" y="3564720"/>
             <a:ext cx="863280" cy="851760"/>
-          </a:xfrm>
-          <a:prstGeom prst="rect">
-            <a:avLst/>
-          </a:prstGeom>
-          <a:ln>
-            <a:noFill/>
-          </a:ln>
-        </p:spPr>
-      </p:pic>
-      <p:pic>
-        <p:nvPicPr>
-          <p:cNvPr id="153" name="" descr=""/>
-          <p:cNvPicPr/>
-          <p:nvPr/>
-        </p:nvPicPr>
-        <p:blipFill>
-          <a:blip r:embed="rId2"/>
-          <a:stretch/>
-        </p:blipFill>
-        <p:spPr>
-          <a:xfrm>
-            <a:off x="4842000" y="4446000"/>
-            <a:ext cx="1062000" cy="1062000"/>
           </a:xfrm>
           <a:prstGeom prst="rect">
             <a:avLst/>
@@ -13175,13 +13765,13 @@
           <p:nvPr/>
         </p:nvPicPr>
         <p:blipFill>
-          <a:blip r:embed="rId3"/>
+          <a:blip r:embed="rId2"/>
           <a:stretch/>
         </p:blipFill>
         <p:spPr>
           <a:xfrm>
-            <a:off x="2464920" y="2185200"/>
-            <a:ext cx="1351440" cy="1522800"/>
+            <a:off x="4842000" y="4446000"/>
+            <a:ext cx="1062000" cy="1062000"/>
           </a:xfrm>
           <a:prstGeom prst="rect">
             <a:avLst/>
@@ -13198,6 +13788,29 @@
           <p:nvPr/>
         </p:nvPicPr>
         <p:blipFill>
+          <a:blip r:embed="rId3"/>
+          <a:stretch/>
+        </p:blipFill>
+        <p:spPr>
+          <a:xfrm>
+            <a:off x="2464920" y="2185200"/>
+            <a:ext cx="1351440" cy="1522800"/>
+          </a:xfrm>
+          <a:prstGeom prst="rect">
+            <a:avLst/>
+          </a:prstGeom>
+          <a:ln>
+            <a:noFill/>
+          </a:ln>
+        </p:spPr>
+      </p:pic>
+      <p:pic>
+        <p:nvPicPr>
+          <p:cNvPr id="156" name="" descr=""/>
+          <p:cNvPicPr/>
+          <p:nvPr/>
+        </p:nvPicPr>
+        <p:blipFill>
           <a:blip r:embed="rId4"/>
           <a:stretch/>
         </p:blipFill>
@@ -13216,7 +13829,7 @@
       </p:pic>
       <p:sp>
         <p:nvSpPr>
-          <p:cNvPr id="156" name="TextShape 5"/>
+          <p:cNvPr id="157" name="TextShape 5"/>
           <p:cNvSpPr txBox="1"/>
           <p:nvPr/>
         </p:nvSpPr>
@@ -13252,7 +13865,7 @@
       </p:sp>
       <p:sp>
         <p:nvSpPr>
-          <p:cNvPr id="157" name="CustomShape 6"/>
+          <p:cNvPr id="158" name="CustomShape 6"/>
           <p:cNvSpPr/>
           <p:nvPr/>
         </p:nvSpPr>
@@ -13282,7 +13895,7 @@
       </p:sp>
       <p:sp>
         <p:nvSpPr>
-          <p:cNvPr id="158" name="CustomShape 7"/>
+          <p:cNvPr id="159" name="CustomShape 7"/>
           <p:cNvSpPr/>
           <p:nvPr/>
         </p:nvSpPr>
@@ -13358,7 +13971,7 @@
       </p:sp>
       <p:pic>
         <p:nvPicPr>
-          <p:cNvPr id="159" name="" descr=""/>
+          <p:cNvPr id="160" name="" descr=""/>
           <p:cNvPicPr/>
           <p:nvPr/>
         </p:nvPicPr>
@@ -13381,7 +13994,7 @@
       </p:pic>
       <p:sp>
         <p:nvSpPr>
-          <p:cNvPr id="160" name="TextShape 8"/>
+          <p:cNvPr id="161" name="TextShape 8"/>
           <p:cNvSpPr txBox="1"/>
           <p:nvPr/>
         </p:nvSpPr>
@@ -13421,7 +14034,7 @@
       </p:sp>
       <p:sp>
         <p:nvSpPr>
-          <p:cNvPr id="161" name="CustomShape 9"/>
+          <p:cNvPr id="162" name="CustomShape 9"/>
           <p:cNvSpPr/>
           <p:nvPr/>
         </p:nvSpPr>
@@ -13482,7 +14095,7 @@
       </p:sp>
       <p:sp>
         <p:nvSpPr>
-          <p:cNvPr id="162" name="CustomShape 10"/>
+          <p:cNvPr id="163" name="CustomShape 10"/>
           <p:cNvSpPr/>
           <p:nvPr/>
         </p:nvSpPr>
@@ -13543,7 +14156,7 @@
       </p:sp>
       <p:sp>
         <p:nvSpPr>
-          <p:cNvPr id="163" name="TextShape 11"/>
+          <p:cNvPr id="164" name="TextShape 11"/>
           <p:cNvSpPr txBox="1"/>
           <p:nvPr/>
         </p:nvSpPr>
@@ -13640,13 +14253,13 @@
       </p:grpSpPr>
       <p:sp>
         <p:nvSpPr>
-          <p:cNvPr id="164" name="CustomShape 1"/>
+          <p:cNvPr id="165" name="CustomShape 1"/>
           <p:cNvSpPr/>
           <p:nvPr/>
         </p:nvSpPr>
         <p:spPr>
           <a:xfrm>
-            <a:off x="837720" y="365040"/>
+            <a:off x="837720" y="263520"/>
             <a:ext cx="10514160" cy="1324080"/>
           </a:xfrm>
           <a:prstGeom prst="rect">
@@ -13681,7 +14294,17 @@
                 <a:latin typeface="Calibri Light"/>
                 <a:ea typeface="DejaVu Sans"/>
               </a:rPr>
-              <a:t>Interface graphique: design</a:t>
+              <a:t>Exécutio</a:t>
+            </a:r>
+            <a:r>
+              <a:rPr b="0" lang="fr-FR" sz="4400" spc="-1" strike="noStrike">
+                <a:solidFill>
+                  <a:srgbClr val="000000"/>
+                </a:solidFill>
+                <a:latin typeface="Calibri Light"/>
+                <a:ea typeface="DejaVu Sans"/>
+              </a:rPr>
+              <a:t>n : K</a:t>
             </a:r>
             <a:endParaRPr b="0" lang="fr-FR" sz="4400" spc="-1" strike="noStrike">
               <a:latin typeface="Arial"/>
@@ -13691,7 +14314,7 @@
       </p:sp>
       <p:sp>
         <p:nvSpPr>
-          <p:cNvPr id="165" name="CustomShape 2"/>
+          <p:cNvPr id="166" name="CustomShape 2"/>
           <p:cNvSpPr/>
           <p:nvPr/>
         </p:nvSpPr>
@@ -13724,7 +14347,7 @@
                 <a:spcPct val="100000"/>
               </a:lnSpc>
             </a:pPr>
-            <a:fld id="{B6F76BC7-9405-4ECA-BE73-28209F6C8967}" type="slidenum">
+            <a:fld id="{5AE0389E-2550-4C6F-B722-2525DFBE0420}" type="slidenum">
               <a:rPr b="0" lang="fr-FR" sz="1200" spc="-1" strike="noStrike">
                 <a:solidFill>
                   <a:srgbClr val="8b8b8b"/>
@@ -13740,60 +14363,9 @@
           </a:p>
         </p:txBody>
       </p:sp>
-      <p:sp>
-        <p:nvSpPr>
-          <p:cNvPr id="166" name="CustomShape 3"/>
-          <p:cNvSpPr/>
-          <p:nvPr/>
-        </p:nvSpPr>
-        <p:spPr>
-          <a:xfrm>
-            <a:off x="7940520" y="2100240"/>
-            <a:ext cx="4044600" cy="363960"/>
-          </a:xfrm>
-          <a:prstGeom prst="rect">
-            <a:avLst/>
-          </a:prstGeom>
-          <a:noFill/>
-          <a:ln>
-            <a:noFill/>
-          </a:ln>
-        </p:spPr>
-        <p:style>
-          <a:lnRef idx="0"/>
-          <a:fillRef idx="0"/>
-          <a:effectRef idx="0"/>
-          <a:fontRef idx="minor"/>
-        </p:style>
-        <p:txBody>
-          <a:bodyPr wrap="none" lIns="90000" rIns="90000" tIns="45000" bIns="45000">
-            <a:spAutoFit/>
-          </a:bodyPr>
-          <a:p>
-            <a:pPr>
-              <a:lnSpc>
-                <a:spcPct val="100000"/>
-              </a:lnSpc>
-            </a:pPr>
-            <a:r>
-              <a:rPr b="0" lang="fr-FR" sz="1800" spc="-1" strike="noStrike">
-                <a:solidFill>
-                  <a:srgbClr val="000000"/>
-                </a:solidFill>
-                <a:latin typeface="Calibri"/>
-                <a:ea typeface="DejaVu Sans"/>
-              </a:rPr>
-              <a:t>Icone reflétant la prévision météo</a:t>
-            </a:r>
-            <a:endParaRPr b="0" lang="fr-FR" sz="1800" spc="-1" strike="noStrike">
-              <a:latin typeface="Arial"/>
-            </a:endParaRPr>
-          </a:p>
-        </p:txBody>
-      </p:sp>
       <p:pic>
         <p:nvPicPr>
-          <p:cNvPr id="167" name="Image 33" descr=""/>
+          <p:cNvPr id="167" name="" descr=""/>
           <p:cNvPicPr/>
           <p:nvPr/>
         </p:nvPicPr>
@@ -13803,8 +14375,8 @@
         </p:blipFill>
         <p:spPr>
           <a:xfrm>
-            <a:off x="4564080" y="1356480"/>
-            <a:ext cx="2900160" cy="5363640"/>
+            <a:off x="4127760" y="1286280"/>
+            <a:ext cx="3128760" cy="4977720"/>
           </a:xfrm>
           <a:prstGeom prst="rect">
             <a:avLst/>
@@ -13814,506 +14386,6 @@
           </a:ln>
         </p:spPr>
       </p:pic>
-      <p:sp>
-        <p:nvSpPr>
-          <p:cNvPr id="168" name="CustomShape 4"/>
-          <p:cNvSpPr/>
-          <p:nvPr/>
-        </p:nvSpPr>
-        <p:spPr>
-          <a:xfrm>
-            <a:off x="6556320" y="4797720"/>
-            <a:ext cx="371520" cy="363960"/>
-          </a:xfrm>
-          <a:prstGeom prst="rect">
-            <a:avLst/>
-          </a:prstGeom>
-          <a:noFill/>
-          <a:ln>
-            <a:noFill/>
-          </a:ln>
-        </p:spPr>
-        <p:style>
-          <a:lnRef idx="0"/>
-          <a:fillRef idx="0"/>
-          <a:effectRef idx="0"/>
-          <a:fontRef idx="minor"/>
-        </p:style>
-        <p:txBody>
-          <a:bodyPr wrap="none" lIns="90000" rIns="90000" tIns="45000" bIns="45000">
-            <a:spAutoFit/>
-          </a:bodyPr>
-          <a:p>
-            <a:pPr>
-              <a:lnSpc>
-                <a:spcPct val="100000"/>
-              </a:lnSpc>
-            </a:pPr>
-            <a:r>
-              <a:rPr b="0" lang="fr-FR" sz="1800" spc="-1" strike="noStrike">
-                <a:solidFill>
-                  <a:srgbClr val="000000"/>
-                </a:solidFill>
-                <a:latin typeface="Calibri"/>
-                <a:ea typeface="DejaVu Sans"/>
-              </a:rPr>
-              <a:t>+</a:t>
-            </a:r>
-            <a:endParaRPr b="0" lang="fr-FR" sz="1800" spc="-1" strike="noStrike">
-              <a:latin typeface="Arial"/>
-            </a:endParaRPr>
-          </a:p>
-        </p:txBody>
-      </p:sp>
-      <p:sp>
-        <p:nvSpPr>
-          <p:cNvPr id="169" name="CustomShape 5"/>
-          <p:cNvSpPr/>
-          <p:nvPr/>
-        </p:nvSpPr>
-        <p:spPr>
-          <a:xfrm>
-            <a:off x="7463520" y="4388400"/>
-            <a:ext cx="3774600" cy="1186920"/>
-          </a:xfrm>
-          <a:prstGeom prst="rect">
-            <a:avLst/>
-          </a:prstGeom>
-          <a:noFill/>
-          <a:ln>
-            <a:noFill/>
-          </a:ln>
-        </p:spPr>
-        <p:style>
-          <a:lnRef idx="0"/>
-          <a:fillRef idx="0"/>
-          <a:effectRef idx="0"/>
-          <a:fontRef idx="minor"/>
-        </p:style>
-        <p:txBody>
-          <a:bodyPr wrap="none" lIns="90000" rIns="90000" tIns="45000" bIns="45000">
-            <a:spAutoFit/>
-          </a:bodyPr>
-          <a:p>
-            <a:pPr>
-              <a:lnSpc>
-                <a:spcPct val="100000"/>
-              </a:lnSpc>
-            </a:pPr>
-            <a:r>
-              <a:rPr b="0" lang="fr-FR" sz="1800" spc="-1" strike="noStrike">
-                <a:solidFill>
-                  <a:srgbClr val="000000"/>
-                </a:solidFill>
-                <a:latin typeface="Calibri"/>
-                <a:ea typeface="DejaVu Sans"/>
-              </a:rPr>
-              <a:t>Symbol définissant la tendance</a:t>
-            </a:r>
-            <a:endParaRPr b="0" lang="fr-FR" sz="1800" spc="-1" strike="noStrike">
-              <a:latin typeface="Arial"/>
-            </a:endParaRPr>
-          </a:p>
-          <a:p>
-            <a:pPr>
-              <a:lnSpc>
-                <a:spcPct val="100000"/>
-              </a:lnSpc>
-            </a:pPr>
-            <a:r>
-              <a:rPr b="0" lang="fr-FR" sz="1800" spc="-1" strike="noStrike">
-                <a:solidFill>
-                  <a:srgbClr val="000000"/>
-                </a:solidFill>
-                <a:latin typeface="Calibri"/>
-                <a:ea typeface="DejaVu Sans"/>
-              </a:rPr>
-              <a:t>+: amélioration</a:t>
-            </a:r>
-            <a:endParaRPr b="0" lang="fr-FR" sz="1800" spc="-1" strike="noStrike">
-              <a:latin typeface="Arial"/>
-            </a:endParaRPr>
-          </a:p>
-          <a:p>
-            <a:pPr>
-              <a:lnSpc>
-                <a:spcPct val="100000"/>
-              </a:lnSpc>
-            </a:pPr>
-            <a:r>
-              <a:rPr b="0" lang="fr-FR" sz="1800" spc="-1" strike="noStrike">
-                <a:solidFill>
-                  <a:srgbClr val="000000"/>
-                </a:solidFill>
-                <a:latin typeface="Calibri"/>
-                <a:ea typeface="DejaVu Sans"/>
-              </a:rPr>
-              <a:t>=: stable</a:t>
-            </a:r>
-            <a:endParaRPr b="0" lang="fr-FR" sz="1800" spc="-1" strike="noStrike">
-              <a:latin typeface="Arial"/>
-            </a:endParaRPr>
-          </a:p>
-          <a:p>
-            <a:pPr>
-              <a:lnSpc>
-                <a:spcPct val="100000"/>
-              </a:lnSpc>
-            </a:pPr>
-            <a:r>
-              <a:rPr b="0" lang="fr-FR" sz="1800" spc="-1" strike="noStrike">
-                <a:solidFill>
-                  <a:srgbClr val="000000"/>
-                </a:solidFill>
-                <a:latin typeface="Calibri"/>
-                <a:ea typeface="DejaVu Sans"/>
-              </a:rPr>
-              <a:t>-: détérioration</a:t>
-            </a:r>
-            <a:endParaRPr b="0" lang="fr-FR" sz="1800" spc="-1" strike="noStrike">
-              <a:latin typeface="Arial"/>
-            </a:endParaRPr>
-          </a:p>
-        </p:txBody>
-      </p:sp>
-      <p:sp>
-        <p:nvSpPr>
-          <p:cNvPr id="170" name="CustomShape 6"/>
-          <p:cNvSpPr/>
-          <p:nvPr/>
-        </p:nvSpPr>
-        <p:spPr>
-          <a:xfrm flipH="1">
-            <a:off x="6891120" y="4718880"/>
-            <a:ext cx="822960" cy="262080"/>
-          </a:xfrm>
-          <a:custGeom>
-            <a:avLst/>
-            <a:gdLst/>
-            <a:ahLst/>
-            <a:rect l="l" t="t" r="r" b="b"/>
-            <a:pathLst>
-              <a:path w="21600" h="21600">
-                <a:moveTo>
-                  <a:pt x="0" y="0"/>
-                </a:moveTo>
-                <a:lnTo>
-                  <a:pt x="21600" y="21600"/>
-                </a:lnTo>
-              </a:path>
-            </a:pathLst>
-          </a:custGeom>
-          <a:noFill/>
-          <a:ln>
-            <a:solidFill>
-              <a:srgbClr val="3f6ec2"/>
-            </a:solidFill>
-            <a:round/>
-            <a:tailEnd len="med" type="triangle" w="med"/>
-          </a:ln>
-        </p:spPr>
-        <p:style>
-          <a:lnRef idx="1">
-            <a:schemeClr val="accent1"/>
-          </a:lnRef>
-          <a:fillRef idx="0">
-            <a:schemeClr val="accent1"/>
-          </a:fillRef>
-          <a:effectRef idx="0">
-            <a:schemeClr val="accent1"/>
-          </a:effectRef>
-          <a:fontRef idx="minor"/>
-        </p:style>
-      </p:sp>
-      <p:sp>
-        <p:nvSpPr>
-          <p:cNvPr id="171" name="CustomShape 7"/>
-          <p:cNvSpPr/>
-          <p:nvPr/>
-        </p:nvSpPr>
-        <p:spPr>
-          <a:xfrm>
-            <a:off x="1067400" y="4728600"/>
-            <a:ext cx="3027960" cy="363960"/>
-          </a:xfrm>
-          <a:prstGeom prst="rect">
-            <a:avLst/>
-          </a:prstGeom>
-          <a:noFill/>
-          <a:ln>
-            <a:noFill/>
-          </a:ln>
-        </p:spPr>
-        <p:style>
-          <a:lnRef idx="0"/>
-          <a:fillRef idx="0"/>
-          <a:effectRef idx="0"/>
-          <a:fontRef idx="minor"/>
-        </p:style>
-        <p:txBody>
-          <a:bodyPr wrap="none" lIns="90000" rIns="90000" tIns="45000" bIns="45000">
-            <a:spAutoFit/>
-          </a:bodyPr>
-          <a:p>
-            <a:pPr>
-              <a:lnSpc>
-                <a:spcPct val="100000"/>
-              </a:lnSpc>
-            </a:pPr>
-            <a:r>
-              <a:rPr b="0" lang="fr-FR" sz="1800" spc="-1" strike="noStrike">
-                <a:solidFill>
-                  <a:srgbClr val="000000"/>
-                </a:solidFill>
-                <a:latin typeface="Calibri"/>
-                <a:ea typeface="DejaVu Sans"/>
-              </a:rPr>
-              <a:t>Descriptif de la prévision</a:t>
-            </a:r>
-            <a:endParaRPr b="0" lang="fr-FR" sz="1800" spc="-1" strike="noStrike">
-              <a:latin typeface="Arial"/>
-            </a:endParaRPr>
-          </a:p>
-        </p:txBody>
-      </p:sp>
-      <p:sp>
-        <p:nvSpPr>
-          <p:cNvPr id="172" name="CustomShape 8"/>
-          <p:cNvSpPr/>
-          <p:nvPr/>
-        </p:nvSpPr>
-        <p:spPr>
-          <a:xfrm>
-            <a:off x="3968640" y="4903560"/>
-            <a:ext cx="1361520" cy="8280"/>
-          </a:xfrm>
-          <a:custGeom>
-            <a:avLst/>
-            <a:gdLst/>
-            <a:ahLst/>
-            <a:rect l="l" t="t" r="r" b="b"/>
-            <a:pathLst>
-              <a:path w="21600" h="21600">
-                <a:moveTo>
-                  <a:pt x="0" y="0"/>
-                </a:moveTo>
-                <a:lnTo>
-                  <a:pt x="21600" y="21600"/>
-                </a:lnTo>
-              </a:path>
-            </a:pathLst>
-          </a:custGeom>
-          <a:noFill/>
-          <a:ln>
-            <a:solidFill>
-              <a:srgbClr val="3f6ec2"/>
-            </a:solidFill>
-            <a:round/>
-            <a:tailEnd len="med" type="triangle" w="med"/>
-          </a:ln>
-        </p:spPr>
-        <p:style>
-          <a:lnRef idx="1">
-            <a:schemeClr val="accent1"/>
-          </a:lnRef>
-          <a:fillRef idx="0">
-            <a:schemeClr val="accent1"/>
-          </a:fillRef>
-          <a:effectRef idx="0">
-            <a:schemeClr val="accent1"/>
-          </a:effectRef>
-          <a:fontRef idx="minor"/>
-        </p:style>
-      </p:sp>
-      <p:sp>
-        <p:nvSpPr>
-          <p:cNvPr id="173" name="CustomShape 9"/>
-          <p:cNvSpPr/>
-          <p:nvPr/>
-        </p:nvSpPr>
-        <p:spPr>
-          <a:xfrm>
-            <a:off x="846360" y="5733360"/>
-            <a:ext cx="3684960" cy="363960"/>
-          </a:xfrm>
-          <a:prstGeom prst="rect">
-            <a:avLst/>
-          </a:prstGeom>
-          <a:noFill/>
-          <a:ln>
-            <a:noFill/>
-          </a:ln>
-        </p:spPr>
-        <p:style>
-          <a:lnRef idx="0"/>
-          <a:fillRef idx="0"/>
-          <a:effectRef idx="0"/>
-          <a:fontRef idx="minor"/>
-        </p:style>
-        <p:txBody>
-          <a:bodyPr wrap="none" lIns="90000" rIns="90000" tIns="45000" bIns="45000">
-            <a:spAutoFit/>
-          </a:bodyPr>
-          <a:p>
-            <a:pPr>
-              <a:lnSpc>
-                <a:spcPct val="100000"/>
-              </a:lnSpc>
-            </a:pPr>
-            <a:r>
-              <a:rPr b="0" lang="fr-FR" sz="1800" spc="-1" strike="noStrike">
-                <a:solidFill>
-                  <a:srgbClr val="000000"/>
-                </a:solidFill>
-                <a:latin typeface="Calibri"/>
-                <a:ea typeface="DejaVu Sans"/>
-              </a:rPr>
-              <a:t>Mesures provenant du capteur</a:t>
-            </a:r>
-            <a:endParaRPr b="0" lang="fr-FR" sz="1800" spc="-1" strike="noStrike">
-              <a:latin typeface="Arial"/>
-            </a:endParaRPr>
-          </a:p>
-        </p:txBody>
-      </p:sp>
-      <p:sp>
-        <p:nvSpPr>
-          <p:cNvPr id="174" name="CustomShape 10"/>
-          <p:cNvSpPr/>
-          <p:nvPr/>
-        </p:nvSpPr>
-        <p:spPr>
-          <a:xfrm>
-            <a:off x="4430880" y="5575320"/>
-            <a:ext cx="44280" cy="683640"/>
-          </a:xfrm>
-          <a:prstGeom prst="leftBrace">
-            <a:avLst>
-              <a:gd name="adj1" fmla="val 8333"/>
-              <a:gd name="adj2" fmla="val 50000"/>
-            </a:avLst>
-          </a:prstGeom>
-          <a:noFill/>
-          <a:ln>
-            <a:solidFill>
-              <a:srgbClr val="3f6ec2"/>
-            </a:solidFill>
-            <a:round/>
-          </a:ln>
-        </p:spPr>
-        <p:style>
-          <a:lnRef idx="1">
-            <a:schemeClr val="accent1"/>
-          </a:lnRef>
-          <a:fillRef idx="0">
-            <a:schemeClr val="accent1"/>
-          </a:fillRef>
-          <a:effectRef idx="0">
-            <a:schemeClr val="accent1"/>
-          </a:effectRef>
-          <a:fontRef idx="minor"/>
-        </p:style>
-      </p:sp>
-      <p:sp>
-        <p:nvSpPr>
-          <p:cNvPr id="175" name="CustomShape 11"/>
-          <p:cNvSpPr/>
-          <p:nvPr/>
-        </p:nvSpPr>
-        <p:spPr>
-          <a:xfrm flipH="1">
-            <a:off x="6387840" y="2517480"/>
-            <a:ext cx="1533960" cy="732240"/>
-          </a:xfrm>
-          <a:custGeom>
-            <a:avLst/>
-            <a:gdLst/>
-            <a:ahLst/>
-            <a:rect l="l" t="t" r="r" b="b"/>
-            <a:pathLst>
-              <a:path w="21600" h="21600">
-                <a:moveTo>
-                  <a:pt x="0" y="0"/>
-                </a:moveTo>
-                <a:lnTo>
-                  <a:pt x="21600" y="21600"/>
-                </a:lnTo>
-              </a:path>
-            </a:pathLst>
-          </a:custGeom>
-          <a:noFill/>
-          <a:ln>
-            <a:solidFill>
-              <a:srgbClr val="3f6ec2"/>
-            </a:solidFill>
-            <a:round/>
-            <a:tailEnd len="med" type="triangle" w="med"/>
-          </a:ln>
-        </p:spPr>
-        <p:style>
-          <a:lnRef idx="1">
-            <a:schemeClr val="accent1"/>
-          </a:lnRef>
-          <a:fillRef idx="0">
-            <a:schemeClr val="accent1"/>
-          </a:fillRef>
-          <a:effectRef idx="0">
-            <a:schemeClr val="accent1"/>
-          </a:effectRef>
-          <a:fontRef idx="minor"/>
-        </p:style>
-      </p:sp>
-      <p:sp>
-        <p:nvSpPr>
-          <p:cNvPr id="176" name="CustomShape 12"/>
-          <p:cNvSpPr/>
-          <p:nvPr/>
-        </p:nvSpPr>
-        <p:spPr>
-          <a:xfrm>
-            <a:off x="1067040" y="2194200"/>
-            <a:ext cx="2900160" cy="912600"/>
-          </a:xfrm>
-          <a:prstGeom prst="rect">
-            <a:avLst/>
-          </a:prstGeom>
-          <a:noFill/>
-          <a:ln>
-            <a:noFill/>
-          </a:ln>
-        </p:spPr>
-        <p:style>
-          <a:lnRef idx="0"/>
-          <a:fillRef idx="0"/>
-          <a:effectRef idx="0"/>
-          <a:fontRef idx="minor"/>
-        </p:style>
-        <p:txBody>
-          <a:bodyPr lIns="90000" rIns="90000" tIns="45000" bIns="45000">
-            <a:spAutoFit/>
-          </a:bodyPr>
-          <a:p>
-            <a:pPr algn="ctr">
-              <a:lnSpc>
-                <a:spcPct val="100000"/>
-              </a:lnSpc>
-            </a:pPr>
-            <a:r>
-              <a:rPr b="1" lang="fr-FR" sz="1800" spc="-1" strike="noStrike">
-                <a:solidFill>
-                  <a:srgbClr val="000000"/>
-                </a:solidFill>
-                <a:latin typeface="Calibri"/>
-                <a:ea typeface="DejaVu Sans"/>
-              </a:rPr>
-              <a:t>Reprise du code d’une application de Qt creator</a:t>
-            </a:r>
-            <a:endParaRPr b="0" lang="fr-FR" sz="1800" spc="-1" strike="noStrike">
-              <a:latin typeface="Arial"/>
-            </a:endParaRPr>
-          </a:p>
-        </p:txBody>
-      </p:sp>
     </p:spTree>
   </p:cSld>
   <mc:AlternateContent>
@@ -14373,7 +14445,7 @@
       </p:grpSpPr>
       <p:sp>
         <p:nvSpPr>
-          <p:cNvPr id="177" name="CustomShape 1"/>
+          <p:cNvPr id="168" name="CustomShape 1"/>
           <p:cNvSpPr/>
           <p:nvPr/>
         </p:nvSpPr>
@@ -14414,7 +14486,67 @@
                 <a:latin typeface="Calibri Light"/>
                 <a:ea typeface="DejaVu Sans"/>
               </a:rPr>
-              <a:t>Architecture</a:t>
+              <a:t>Initialisati</a:t>
+            </a:r>
+            <a:r>
+              <a:rPr b="0" lang="fr-FR" sz="4400" spc="-1" strike="noStrike">
+                <a:solidFill>
+                  <a:srgbClr val="000000"/>
+                </a:solidFill>
+                <a:latin typeface="Calibri Light"/>
+                <a:ea typeface="DejaVu Sans"/>
+              </a:rPr>
+              <a:t>on et </a:t>
+            </a:r>
+            <a:r>
+              <a:rPr b="0" lang="fr-FR" sz="4400" spc="-1" strike="noStrike">
+                <a:solidFill>
+                  <a:srgbClr val="000000"/>
+                </a:solidFill>
+                <a:latin typeface="Calibri Light"/>
+                <a:ea typeface="DejaVu Sans"/>
+              </a:rPr>
+              <a:t>récupérati</a:t>
+            </a:r>
+            <a:r>
+              <a:rPr b="0" lang="fr-FR" sz="4400" spc="-1" strike="noStrike">
+                <a:solidFill>
+                  <a:srgbClr val="000000"/>
+                </a:solidFill>
+                <a:latin typeface="Calibri Light"/>
+                <a:ea typeface="DejaVu Sans"/>
+              </a:rPr>
+              <a:t>on des </a:t>
+            </a:r>
+            <a:r>
+              <a:rPr b="0" lang="fr-FR" sz="4400" spc="-1" strike="noStrike">
+                <a:solidFill>
+                  <a:srgbClr val="000000"/>
+                </a:solidFill>
+                <a:latin typeface="Calibri Light"/>
+                <a:ea typeface="DejaVu Sans"/>
+              </a:rPr>
+              <a:t>mesures, </a:t>
+            </a:r>
+            <a:r>
+              <a:rPr b="0" lang="fr-FR" sz="4400" spc="-1" strike="noStrike">
+                <a:solidFill>
+                  <a:srgbClr val="000000"/>
+                </a:solidFill>
+                <a:latin typeface="Calibri Light"/>
+                <a:ea typeface="DejaVu Sans"/>
+              </a:rPr>
+              <a:t>moyenne</a:t>
+            </a:r>
+            <a:r>
+              <a:rPr b="0" lang="fr-FR" sz="4400" spc="-1" strike="noStrike">
+                <a:solidFill>
+                  <a:srgbClr val="000000"/>
+                </a:solidFill>
+                <a:latin typeface="Calibri Light"/>
+                <a:ea typeface="DejaVu Sans"/>
+              </a:rPr>
+              <a:t>s</a:t>
             </a:r>
             <a:endParaRPr b="0" lang="fr-FR" sz="4400" spc="-1" strike="noStrike">
               <a:latin typeface="Arial"/>
@@ -14424,7 +14556,7 @@
       </p:sp>
       <p:sp>
         <p:nvSpPr>
-          <p:cNvPr id="178" name="CustomShape 2"/>
+          <p:cNvPr id="169" name="CustomShape 2"/>
           <p:cNvSpPr/>
           <p:nvPr/>
         </p:nvSpPr>
@@ -14457,7 +14589,7 @@
                 <a:spcPct val="100000"/>
               </a:lnSpc>
             </a:pPr>
-            <a:fld id="{C1A97E84-0867-46E7-8DFF-180D17F1A2BE}" type="slidenum">
+            <a:fld id="{EECFA0DB-D213-4F58-8EC8-371226D1AC08}" type="slidenum">
               <a:rPr b="0" lang="fr-FR" sz="1200" spc="-1" strike="noStrike">
                 <a:solidFill>
                   <a:srgbClr val="8b8b8b"/>
@@ -14468,80 +14600,6 @@
               <a:t>&lt;numéro&gt;</a:t>
             </a:fld>
             <a:endParaRPr b="0" lang="fr-FR" sz="1200" spc="-1" strike="noStrike">
-              <a:latin typeface="Arial"/>
-            </a:endParaRPr>
-          </a:p>
-        </p:txBody>
-      </p:sp>
-      <p:pic>
-        <p:nvPicPr>
-          <p:cNvPr id="179" name="" descr=""/>
-          <p:cNvPicPr/>
-          <p:nvPr/>
-        </p:nvPicPr>
-        <p:blipFill>
-          <a:blip r:embed="rId1"/>
-          <a:stretch/>
-        </p:blipFill>
-        <p:spPr>
-          <a:xfrm>
-            <a:off x="1907640" y="1656000"/>
-            <a:ext cx="6817320" cy="4998240"/>
-          </a:xfrm>
-          <a:prstGeom prst="rect">
-            <a:avLst/>
-          </a:prstGeom>
-          <a:ln>
-            <a:noFill/>
-          </a:ln>
-        </p:spPr>
-      </p:pic>
-      <p:sp>
-        <p:nvSpPr>
-          <p:cNvPr id="180" name="CustomShape 3"/>
-          <p:cNvSpPr/>
-          <p:nvPr/>
-        </p:nvSpPr>
-        <p:spPr>
-          <a:xfrm>
-            <a:off x="6932880" y="4785840"/>
-            <a:ext cx="4745520" cy="363960"/>
-          </a:xfrm>
-          <a:prstGeom prst="rect">
-            <a:avLst/>
-          </a:prstGeom>
-          <a:noFill/>
-          <a:ln>
-            <a:noFill/>
-          </a:ln>
-        </p:spPr>
-        <p:style>
-          <a:lnRef idx="0"/>
-          <a:fillRef idx="0"/>
-          <a:effectRef idx="0"/>
-          <a:fontRef idx="minor"/>
-        </p:style>
-        <p:txBody>
-          <a:bodyPr wrap="none" lIns="90000" rIns="90000" tIns="45000" bIns="45000">
-            <a:spAutoFit/>
-          </a:bodyPr>
-          <a:p>
-            <a:pPr>
-              <a:lnSpc>
-                <a:spcPct val="100000"/>
-              </a:lnSpc>
-            </a:pPr>
-            <a:r>
-              <a:rPr b="0" lang="fr-FR" sz="1800" spc="-1" strike="noStrike">
-                <a:solidFill>
-                  <a:srgbClr val="000000"/>
-                </a:solidFill>
-                <a:latin typeface="Calibri"/>
-                <a:ea typeface="DejaVu Sans"/>
-              </a:rPr>
-              <a:t>Création du diagramme avec Qt creator</a:t>
-            </a:r>
-            <a:endParaRPr b="0" lang="fr-FR" sz="1800" spc="-1" strike="noStrike">
               <a:latin typeface="Arial"/>
             </a:endParaRPr>
           </a:p>
